--- a/TeamProject_스토리보드.pptx
+++ b/TeamProject_스토리보드.pptx
@@ -6,17 +6,18 @@
     <p:sldMasterId id="2147483867" r:id="rId2"/>
   </p:sldMasterIdLst>
   <p:notesMasterIdLst>
-    <p:notesMasterId r:id="rId11"/>
+    <p:notesMasterId r:id="rId12"/>
   </p:notesMasterIdLst>
   <p:sldIdLst>
     <p:sldId id="263" r:id="rId3"/>
     <p:sldId id="262" r:id="rId4"/>
     <p:sldId id="256" r:id="rId5"/>
-    <p:sldId id="257" r:id="rId6"/>
-    <p:sldId id="258" r:id="rId7"/>
-    <p:sldId id="259" r:id="rId8"/>
-    <p:sldId id="260" r:id="rId9"/>
-    <p:sldId id="261" r:id="rId10"/>
+    <p:sldId id="264" r:id="rId6"/>
+    <p:sldId id="257" r:id="rId7"/>
+    <p:sldId id="258" r:id="rId8"/>
+    <p:sldId id="259" r:id="rId9"/>
+    <p:sldId id="260" r:id="rId10"/>
+    <p:sldId id="261" r:id="rId11"/>
   </p:sldIdLst>
   <p:sldSz cx="12192000" cy="6858000"/>
   <p:notesSz cx="6858000" cy="9144000"/>
@@ -115,6 +116,11 @@
       </a:defRPr>
     </a:lvl9pPr>
   </p:defaultTextStyle>
+  <p:extLst>
+    <p:ext uri="{EFAFB233-063F-42B5-8137-9DF3F51BA10A}">
+      <p15:sldGuideLst xmlns:p15="http://schemas.microsoft.com/office/powerpoint/2012/main"/>
+    </p:ext>
+  </p:extLst>
 </p:presentation>
 </file>
 
@@ -22893,10 +22899,171 @@
           <a:p>
             <a:pPr algn="ctr" fontAlgn="t"/>
             <a:r>
-              <a:rPr lang="ko-KR" altLang="en-US" dirty="0"/>
+              <a:rPr lang="ko-KR" altLang="en-US"/>
               <a:t>이미지</a:t>
             </a:r>
             <a:endParaRPr lang="ko-KR" altLang="ko-KR" dirty="0"/>
+          </a:p>
+        </p:txBody>
+      </p:sp>
+      <p:pic>
+        <p:nvPicPr>
+          <p:cNvPr id="3" name="그림 2">
+            <a:extLst>
+              <a:ext uri="{FF2B5EF4-FFF2-40B4-BE49-F238E27FC236}">
+                <a16:creationId xmlns:a16="http://schemas.microsoft.com/office/drawing/2014/main" id="{632FBA7E-88EA-20E0-F07C-3182437B362B}"/>
+              </a:ext>
+            </a:extLst>
+          </p:cNvPr>
+          <p:cNvPicPr>
+            <a:picLocks noChangeAspect="1"/>
+          </p:cNvPicPr>
+          <p:nvPr/>
+        </p:nvPicPr>
+        <p:blipFill>
+          <a:blip r:embed="rId2"/>
+          <a:stretch>
+            <a:fillRect/>
+          </a:stretch>
+        </p:blipFill>
+        <p:spPr>
+          <a:xfrm>
+            <a:off x="85881" y="9053"/>
+            <a:ext cx="12020238" cy="6858000"/>
+          </a:xfrm>
+          <a:prstGeom prst="rect">
+            <a:avLst/>
+          </a:prstGeom>
+        </p:spPr>
+      </p:pic>
+      <p:sp>
+        <p:nvSpPr>
+          <p:cNvPr id="4" name="직사각형 3">
+            <a:extLst>
+              <a:ext uri="{FF2B5EF4-FFF2-40B4-BE49-F238E27FC236}">
+                <a16:creationId xmlns:a16="http://schemas.microsoft.com/office/drawing/2014/main" id="{E6F94067-AE1E-E049-9ADF-2855036F30C7}"/>
+              </a:ext>
+            </a:extLst>
+          </p:cNvPr>
+          <p:cNvSpPr/>
+          <p:nvPr/>
+        </p:nvSpPr>
+        <p:spPr>
+          <a:xfrm>
+            <a:off x="2091350" y="5984340"/>
+            <a:ext cx="2661719" cy="251111"/>
+          </a:xfrm>
+          <a:prstGeom prst="rect">
+            <a:avLst/>
+          </a:prstGeom>
+          <a:noFill/>
+          <a:ln w="38100">
+            <a:solidFill>
+              <a:srgbClr val="FF0000"/>
+            </a:solidFill>
+          </a:ln>
+        </p:spPr>
+        <p:style>
+          <a:lnRef idx="2">
+            <a:schemeClr val="accent1">
+              <a:shade val="15000"/>
+            </a:schemeClr>
+          </a:lnRef>
+          <a:fillRef idx="1">
+            <a:schemeClr val="accent1"/>
+          </a:fillRef>
+          <a:effectRef idx="0">
+            <a:schemeClr val="accent1"/>
+          </a:effectRef>
+          <a:fontRef idx="minor">
+            <a:schemeClr val="lt1"/>
+          </a:fontRef>
+        </p:style>
+        <p:txBody>
+          <a:bodyPr rtlCol="0" anchor="ctr"/>
+          <a:lstStyle/>
+          <a:p>
+            <a:pPr algn="ctr"/>
+            <a:endParaRPr lang="ko-KR" altLang="en-US"/>
+          </a:p>
+        </p:txBody>
+      </p:sp>
+      <p:sp>
+        <p:nvSpPr>
+          <p:cNvPr id="5" name="말풍선: 모서리가 둥근 사각형 4">
+            <a:extLst>
+              <a:ext uri="{FF2B5EF4-FFF2-40B4-BE49-F238E27FC236}">
+                <a16:creationId xmlns:a16="http://schemas.microsoft.com/office/drawing/2014/main" id="{89AD33AD-B010-442E-0A28-87994F2F0F88}"/>
+              </a:ext>
+            </a:extLst>
+          </p:cNvPr>
+          <p:cNvSpPr/>
+          <p:nvPr/>
+        </p:nvSpPr>
+        <p:spPr>
+          <a:xfrm>
+            <a:off x="4943191" y="4409038"/>
+            <a:ext cx="3521799" cy="1195057"/>
+          </a:xfrm>
+          <a:prstGeom prst="wedgeRoundRectCallout">
+            <a:avLst>
+              <a:gd name="adj1" fmla="val -53540"/>
+              <a:gd name="adj2" fmla="val 83593"/>
+              <a:gd name="adj3" fmla="val 16667"/>
+            </a:avLst>
+          </a:prstGeom>
+        </p:spPr>
+        <p:style>
+          <a:lnRef idx="1">
+            <a:schemeClr val="accent4"/>
+          </a:lnRef>
+          <a:fillRef idx="2">
+            <a:schemeClr val="accent4"/>
+          </a:fillRef>
+          <a:effectRef idx="1">
+            <a:schemeClr val="accent4"/>
+          </a:effectRef>
+          <a:fontRef idx="minor">
+            <a:schemeClr val="dk1"/>
+          </a:fontRef>
+        </p:style>
+        <p:txBody>
+          <a:bodyPr rtlCol="0" anchor="ctr"/>
+          <a:lstStyle/>
+          <a:p>
+            <a:pPr algn="ctr"/>
+            <a:r>
+              <a:rPr lang="ko-KR" altLang="en-US" dirty="0" err="1"/>
+              <a:t>우클릭</a:t>
+            </a:r>
+            <a:r>
+              <a:rPr lang="ko-KR" altLang="en-US" dirty="0"/>
+              <a:t> </a:t>
+            </a:r>
+            <a:r>
+              <a:rPr lang="en-US" altLang="ko-KR" dirty="0"/>
+              <a:t>-&gt; </a:t>
+            </a:r>
+            <a:r>
+              <a:rPr lang="ko-KR" altLang="en-US" dirty="0"/>
+              <a:t>채우기 </a:t>
+            </a:r>
+            <a:r>
+              <a:rPr lang="en-US" altLang="ko-KR" dirty="0"/>
+              <a:t>-&gt; </a:t>
+            </a:r>
+            <a:r>
+              <a:rPr lang="ko-KR" altLang="en-US" dirty="0"/>
+              <a:t>그림 </a:t>
+            </a:r>
+            <a:r>
+              <a:rPr lang="en-US" altLang="ko-KR" dirty="0"/>
+              <a:t>-&gt; </a:t>
+            </a:r>
+            <a:r>
+              <a:rPr lang="ko-KR" altLang="en-US" dirty="0"/>
+              <a:t>이미지 선택</a:t>
+            </a:r>
           </a:p>
         </p:txBody>
       </p:sp>
@@ -22914,6 +23081,1196 @@
 </file>
 
 <file path=ppt/slides/slide4.xml><?xml version="1.0" encoding="utf-8"?>
+<p:sld xmlns:a="http://schemas.openxmlformats.org/drawingml/2006/main" xmlns:r="http://schemas.openxmlformats.org/officeDocument/2006/relationships" xmlns:p="http://schemas.openxmlformats.org/presentationml/2006/main">
+  <p:cSld>
+    <p:spTree>
+      <p:nvGrpSpPr>
+        <p:cNvPr id="1" name="">
+          <a:extLst>
+            <a:ext uri="{FF2B5EF4-FFF2-40B4-BE49-F238E27FC236}">
+              <a16:creationId xmlns:a16="http://schemas.microsoft.com/office/drawing/2014/main" id="{2876CA7D-D21B-CEF4-32D4-57E6DC64A002}"/>
+            </a:ext>
+          </a:extLst>
+        </p:cNvPr>
+        <p:cNvGrpSpPr/>
+        <p:nvPr/>
+      </p:nvGrpSpPr>
+      <p:grpSpPr>
+        <a:xfrm>
+          <a:off x="0" y="0"/>
+          <a:ext cx="0" cy="0"/>
+          <a:chOff x="0" y="0"/>
+          <a:chExt cx="0" cy="0"/>
+        </a:xfrm>
+      </p:grpSpPr>
+      <p:graphicFrame>
+        <p:nvGraphicFramePr>
+          <p:cNvPr id="6" name="표 5">
+            <a:extLst>
+              <a:ext uri="{FF2B5EF4-FFF2-40B4-BE49-F238E27FC236}">
+                <a16:creationId xmlns:a16="http://schemas.microsoft.com/office/drawing/2014/main" id="{DFDA0B0E-52C2-04A8-F28D-6F64E27E6BDB}"/>
+              </a:ext>
+            </a:extLst>
+          </p:cNvPr>
+          <p:cNvGraphicFramePr>
+            <a:graphicFrameLocks noGrp="1"/>
+          </p:cNvGraphicFramePr>
+          <p:nvPr/>
+        </p:nvGraphicFramePr>
+        <p:xfrm>
+          <a:off x="429537" y="402794"/>
+          <a:ext cx="11303754" cy="647408"/>
+        </p:xfrm>
+        <a:graphic>
+          <a:graphicData uri="http://schemas.openxmlformats.org/drawingml/2006/table">
+            <a:tbl>
+              <a:tblPr firstRow="1" bandRow="1">
+                <a:tableStyleId>{21E4AEA4-8DFA-4A89-87EB-49C32662AFE0}</a:tableStyleId>
+              </a:tblPr>
+              <a:tblGrid>
+                <a:gridCol w="1883959">
+                  <a:extLst>
+                    <a:ext uri="{9D8B030D-6E8A-4147-A177-3AD203B41FA5}">
+                      <a16:colId xmlns:a16="http://schemas.microsoft.com/office/drawing/2014/main" val="3242262009"/>
+                    </a:ext>
+                  </a:extLst>
+                </a:gridCol>
+                <a:gridCol w="1883959">
+                  <a:extLst>
+                    <a:ext uri="{9D8B030D-6E8A-4147-A177-3AD203B41FA5}">
+                      <a16:colId xmlns:a16="http://schemas.microsoft.com/office/drawing/2014/main" val="3090356556"/>
+                    </a:ext>
+                  </a:extLst>
+                </a:gridCol>
+                <a:gridCol w="1883959">
+                  <a:extLst>
+                    <a:ext uri="{9D8B030D-6E8A-4147-A177-3AD203B41FA5}">
+                      <a16:colId xmlns:a16="http://schemas.microsoft.com/office/drawing/2014/main" val="2238212506"/>
+                    </a:ext>
+                  </a:extLst>
+                </a:gridCol>
+                <a:gridCol w="1883959">
+                  <a:extLst>
+                    <a:ext uri="{9D8B030D-6E8A-4147-A177-3AD203B41FA5}">
+                      <a16:colId xmlns:a16="http://schemas.microsoft.com/office/drawing/2014/main" val="3613539704"/>
+                    </a:ext>
+                  </a:extLst>
+                </a:gridCol>
+                <a:gridCol w="1883959">
+                  <a:extLst>
+                    <a:ext uri="{9D8B030D-6E8A-4147-A177-3AD203B41FA5}">
+                      <a16:colId xmlns:a16="http://schemas.microsoft.com/office/drawing/2014/main" val="1370219426"/>
+                    </a:ext>
+                  </a:extLst>
+                </a:gridCol>
+                <a:gridCol w="1883959">
+                  <a:extLst>
+                    <a:ext uri="{9D8B030D-6E8A-4147-A177-3AD203B41FA5}">
+                      <a16:colId xmlns:a16="http://schemas.microsoft.com/office/drawing/2014/main" val="2741617997"/>
+                    </a:ext>
+                  </a:extLst>
+                </a:gridCol>
+              </a:tblGrid>
+              <a:tr h="323704">
+                <a:tc>
+                  <a:txBody>
+                    <a:bodyPr/>
+                    <a:lstStyle/>
+                    <a:p>
+                      <a:pPr algn="ctr" latinLnBrk="1"/>
+                      <a:r>
+                        <a:rPr lang="ko-KR" altLang="en-US" sz="1200" b="1" dirty="0">
+                          <a:solidFill>
+                            <a:schemeClr val="bg1"/>
+                          </a:solidFill>
+                        </a:rPr>
+                        <a:t>페이지명</a:t>
+                      </a:r>
+                    </a:p>
+                  </a:txBody>
+                  <a:tcPr>
+                    <a:solidFill>
+                      <a:srgbClr val="0606B1"/>
+                    </a:solidFill>
+                  </a:tcPr>
+                </a:tc>
+                <a:tc>
+                  <a:txBody>
+                    <a:bodyPr/>
+                    <a:lstStyle/>
+                    <a:p>
+                      <a:pPr algn="ctr" latinLnBrk="1"/>
+                      <a:endParaRPr lang="ko-KR" altLang="en-US" sz="1200" b="1" dirty="0">
+                        <a:solidFill>
+                          <a:schemeClr val="tx1"/>
+                        </a:solidFill>
+                      </a:endParaRPr>
+                    </a:p>
+                  </a:txBody>
+                  <a:tcPr>
+                    <a:solidFill>
+                      <a:schemeClr val="bg2">
+                        <a:lumMod val="90000"/>
+                      </a:schemeClr>
+                    </a:solidFill>
+                  </a:tcPr>
+                </a:tc>
+                <a:tc>
+                  <a:txBody>
+                    <a:bodyPr/>
+                    <a:lstStyle/>
+                    <a:p>
+                      <a:pPr algn="ctr" latinLnBrk="1"/>
+                      <a:r>
+                        <a:rPr lang="ko-KR" altLang="en-US" sz="1200" b="1" dirty="0">
+                          <a:solidFill>
+                            <a:schemeClr val="bg1"/>
+                          </a:solidFill>
+                        </a:rPr>
+                        <a:t>담당자</a:t>
+                      </a:r>
+                    </a:p>
+                  </a:txBody>
+                  <a:tcPr>
+                    <a:solidFill>
+                      <a:srgbClr val="0606B1"/>
+                    </a:solidFill>
+                  </a:tcPr>
+                </a:tc>
+                <a:tc>
+                  <a:txBody>
+                    <a:bodyPr/>
+                    <a:lstStyle/>
+                    <a:p>
+                      <a:pPr algn="ctr" latinLnBrk="1"/>
+                      <a:endParaRPr lang="ko-KR" altLang="en-US" sz="1200" b="1" dirty="0">
+                        <a:solidFill>
+                          <a:schemeClr val="tx1"/>
+                        </a:solidFill>
+                      </a:endParaRPr>
+                    </a:p>
+                  </a:txBody>
+                  <a:tcPr>
+                    <a:solidFill>
+                      <a:schemeClr val="bg2">
+                        <a:lumMod val="90000"/>
+                      </a:schemeClr>
+                    </a:solidFill>
+                  </a:tcPr>
+                </a:tc>
+                <a:tc>
+                  <a:txBody>
+                    <a:bodyPr/>
+                    <a:lstStyle/>
+                    <a:p>
+                      <a:pPr algn="ctr" latinLnBrk="1"/>
+                      <a:r>
+                        <a:rPr lang="ko-KR" altLang="en-US" sz="1200" b="1" dirty="0">
+                          <a:solidFill>
+                            <a:schemeClr val="bg1"/>
+                          </a:solidFill>
+                        </a:rPr>
+                        <a:t>작성일자</a:t>
+                      </a:r>
+                    </a:p>
+                  </a:txBody>
+                  <a:tcPr>
+                    <a:solidFill>
+                      <a:srgbClr val="0606B1"/>
+                    </a:solidFill>
+                  </a:tcPr>
+                </a:tc>
+                <a:tc>
+                  <a:txBody>
+                    <a:bodyPr/>
+                    <a:lstStyle/>
+                    <a:p>
+                      <a:pPr algn="ctr" latinLnBrk="1"/>
+                      <a:endParaRPr lang="ko-KR" altLang="en-US" sz="1200" b="1" dirty="0">
+                        <a:solidFill>
+                          <a:schemeClr val="tx1"/>
+                        </a:solidFill>
+                      </a:endParaRPr>
+                    </a:p>
+                  </a:txBody>
+                  <a:tcPr>
+                    <a:solidFill>
+                      <a:schemeClr val="bg2">
+                        <a:lumMod val="90000"/>
+                      </a:schemeClr>
+                    </a:solidFill>
+                  </a:tcPr>
+                </a:tc>
+                <a:extLst>
+                  <a:ext uri="{0D108BD9-81ED-4DB2-BD59-A6C34878D82A}">
+                    <a16:rowId xmlns:a16="http://schemas.microsoft.com/office/drawing/2014/main" val="3368404299"/>
+                  </a:ext>
+                </a:extLst>
+              </a:tr>
+              <a:tr h="323704">
+                <a:tc>
+                  <a:txBody>
+                    <a:bodyPr/>
+                    <a:lstStyle/>
+                    <a:p>
+                      <a:pPr algn="ctr" latinLnBrk="1"/>
+                      <a:r>
+                        <a:rPr lang="ko-KR" altLang="en-US" sz="1200" b="1" dirty="0">
+                          <a:solidFill>
+                            <a:schemeClr val="bg1"/>
+                          </a:solidFill>
+                        </a:rPr>
+                        <a:t>단위 업무</a:t>
+                      </a:r>
+                    </a:p>
+                  </a:txBody>
+                  <a:tcPr>
+                    <a:solidFill>
+                      <a:srgbClr val="0606B1"/>
+                    </a:solidFill>
+                  </a:tcPr>
+                </a:tc>
+                <a:tc>
+                  <a:txBody>
+                    <a:bodyPr/>
+                    <a:lstStyle/>
+                    <a:p>
+                      <a:pPr algn="ctr" latinLnBrk="1"/>
+                      <a:endParaRPr lang="ko-KR" altLang="en-US" sz="1200" b="1" dirty="0">
+                        <a:solidFill>
+                          <a:schemeClr val="tx1"/>
+                        </a:solidFill>
+                      </a:endParaRPr>
+                    </a:p>
+                  </a:txBody>
+                  <a:tcPr>
+                    <a:solidFill>
+                      <a:schemeClr val="bg2">
+                        <a:lumMod val="90000"/>
+                      </a:schemeClr>
+                    </a:solidFill>
+                  </a:tcPr>
+                </a:tc>
+                <a:tc>
+                  <a:txBody>
+                    <a:bodyPr/>
+                    <a:lstStyle/>
+                    <a:p>
+                      <a:pPr algn="ctr" latinLnBrk="1"/>
+                      <a:r>
+                        <a:rPr lang="ko-KR" altLang="en-US" sz="1200" b="1" dirty="0">
+                          <a:solidFill>
+                            <a:schemeClr val="bg1"/>
+                          </a:solidFill>
+                        </a:rPr>
+                        <a:t>디렉토리</a:t>
+                      </a:r>
+                      <a:endParaRPr lang="en-US" altLang="ko-KR" sz="1200" b="1" dirty="0">
+                        <a:solidFill>
+                          <a:schemeClr val="bg1"/>
+                        </a:solidFill>
+                      </a:endParaRPr>
+                    </a:p>
+                  </a:txBody>
+                  <a:tcPr>
+                    <a:solidFill>
+                      <a:srgbClr val="0606B1"/>
+                    </a:solidFill>
+                  </a:tcPr>
+                </a:tc>
+                <a:tc gridSpan="3">
+                  <a:txBody>
+                    <a:bodyPr/>
+                    <a:lstStyle/>
+                    <a:p>
+                      <a:pPr algn="ctr" latinLnBrk="1"/>
+                      <a:endParaRPr lang="ko-KR" altLang="en-US" sz="1200" b="1" dirty="0">
+                        <a:solidFill>
+                          <a:schemeClr val="tx1"/>
+                        </a:solidFill>
+                      </a:endParaRPr>
+                    </a:p>
+                  </a:txBody>
+                  <a:tcPr>
+                    <a:solidFill>
+                      <a:schemeClr val="bg2">
+                        <a:lumMod val="90000"/>
+                      </a:schemeClr>
+                    </a:solidFill>
+                  </a:tcPr>
+                </a:tc>
+                <a:tc hMerge="1">
+                  <a:txBody>
+                    <a:bodyPr/>
+                    <a:lstStyle/>
+                    <a:p>
+                      <a:pPr algn="ctr" latinLnBrk="1"/>
+                      <a:endParaRPr lang="ko-KR" altLang="en-US" sz="1200" b="1" dirty="0">
+                        <a:solidFill>
+                          <a:schemeClr val="bg1"/>
+                        </a:solidFill>
+                      </a:endParaRPr>
+                    </a:p>
+                  </a:txBody>
+                  <a:tcPr>
+                    <a:solidFill>
+                      <a:srgbClr val="0606B1"/>
+                    </a:solidFill>
+                  </a:tcPr>
+                </a:tc>
+                <a:tc hMerge="1">
+                  <a:txBody>
+                    <a:bodyPr/>
+                    <a:lstStyle/>
+                    <a:p>
+                      <a:pPr algn="ctr" latinLnBrk="1"/>
+                      <a:endParaRPr lang="ko-KR" altLang="en-US" sz="1200" b="1" dirty="0">
+                        <a:solidFill>
+                          <a:schemeClr val="tx1"/>
+                        </a:solidFill>
+                      </a:endParaRPr>
+                    </a:p>
+                  </a:txBody>
+                  <a:tcPr>
+                    <a:solidFill>
+                      <a:schemeClr val="bg2">
+                        <a:lumMod val="90000"/>
+                      </a:schemeClr>
+                    </a:solidFill>
+                  </a:tcPr>
+                </a:tc>
+                <a:extLst>
+                  <a:ext uri="{0D108BD9-81ED-4DB2-BD59-A6C34878D82A}">
+                    <a16:rowId xmlns:a16="http://schemas.microsoft.com/office/drawing/2014/main" val="2463675469"/>
+                  </a:ext>
+                </a:extLst>
+              </a:tr>
+            </a:tbl>
+          </a:graphicData>
+        </a:graphic>
+      </p:graphicFrame>
+      <p:graphicFrame>
+        <p:nvGraphicFramePr>
+          <p:cNvPr id="9" name="표 8">
+            <a:extLst>
+              <a:ext uri="{FF2B5EF4-FFF2-40B4-BE49-F238E27FC236}">
+                <a16:creationId xmlns:a16="http://schemas.microsoft.com/office/drawing/2014/main" id="{5D07351D-7AC6-2260-D91F-CBE336A7EDE7}"/>
+              </a:ext>
+            </a:extLst>
+          </p:cNvPr>
+          <p:cNvGraphicFramePr>
+            <a:graphicFrameLocks noGrp="1"/>
+          </p:cNvGraphicFramePr>
+          <p:nvPr/>
+        </p:nvGraphicFramePr>
+        <p:xfrm>
+          <a:off x="7981385" y="1246204"/>
+          <a:ext cx="3751906" cy="2265928"/>
+        </p:xfrm>
+        <a:graphic>
+          <a:graphicData uri="http://schemas.openxmlformats.org/drawingml/2006/table">
+            <a:tbl>
+              <a:tblPr firstRow="1" bandRow="1">
+                <a:tableStyleId>{21E4AEA4-8DFA-4A89-87EB-49C32662AFE0}</a:tableStyleId>
+              </a:tblPr>
+              <a:tblGrid>
+                <a:gridCol w="347803">
+                  <a:extLst>
+                    <a:ext uri="{9D8B030D-6E8A-4147-A177-3AD203B41FA5}">
+                      <a16:colId xmlns:a16="http://schemas.microsoft.com/office/drawing/2014/main" val="3158124838"/>
+                    </a:ext>
+                  </a:extLst>
+                </a:gridCol>
+                <a:gridCol w="3404103">
+                  <a:extLst>
+                    <a:ext uri="{9D8B030D-6E8A-4147-A177-3AD203B41FA5}">
+                      <a16:colId xmlns:a16="http://schemas.microsoft.com/office/drawing/2014/main" val="1481499720"/>
+                    </a:ext>
+                  </a:extLst>
+                </a:gridCol>
+              </a:tblGrid>
+              <a:tr h="323704">
+                <a:tc gridSpan="2">
+                  <a:txBody>
+                    <a:bodyPr/>
+                    <a:lstStyle/>
+                    <a:p>
+                      <a:pPr algn="ctr" latinLnBrk="1"/>
+                      <a:r>
+                        <a:rPr lang="ko-KR" altLang="en-US" sz="1000" b="1" dirty="0">
+                          <a:solidFill>
+                            <a:schemeClr val="bg1"/>
+                          </a:solidFill>
+                        </a:rPr>
+                        <a:t>화면 설계</a:t>
+                      </a:r>
+                    </a:p>
+                  </a:txBody>
+                  <a:tcPr anchor="ctr">
+                    <a:solidFill>
+                      <a:srgbClr val="0606B1"/>
+                    </a:solidFill>
+                  </a:tcPr>
+                </a:tc>
+                <a:tc hMerge="1">
+                  <a:txBody>
+                    <a:bodyPr/>
+                    <a:lstStyle/>
+                    <a:p>
+                      <a:pPr latinLnBrk="1"/>
+                      <a:endParaRPr lang="ko-KR" altLang="en-US"/>
+                    </a:p>
+                  </a:txBody>
+                  <a:tcPr/>
+                </a:tc>
+                <a:extLst>
+                  <a:ext uri="{0D108BD9-81ED-4DB2-BD59-A6C34878D82A}">
+                    <a16:rowId xmlns:a16="http://schemas.microsoft.com/office/drawing/2014/main" val="2929313486"/>
+                  </a:ext>
+                </a:extLst>
+              </a:tr>
+              <a:tr h="323704">
+                <a:tc>
+                  <a:txBody>
+                    <a:bodyPr/>
+                    <a:lstStyle/>
+                    <a:p>
+                      <a:pPr algn="ctr" latinLnBrk="1"/>
+                      <a:r>
+                        <a:rPr lang="en-US" altLang="ko-KR" sz="1200" b="0" dirty="0">
+                          <a:solidFill>
+                            <a:schemeClr val="bg1"/>
+                          </a:solidFill>
+                        </a:rPr>
+                        <a:t>1</a:t>
+                      </a:r>
+                      <a:endParaRPr lang="ko-KR" altLang="en-US" sz="1200" b="0" dirty="0">
+                        <a:solidFill>
+                          <a:schemeClr val="bg1"/>
+                        </a:solidFill>
+                      </a:endParaRPr>
+                    </a:p>
+                  </a:txBody>
+                  <a:tcPr>
+                    <a:solidFill>
+                      <a:srgbClr val="0606B1"/>
+                    </a:solidFill>
+                  </a:tcPr>
+                </a:tc>
+                <a:tc>
+                  <a:txBody>
+                    <a:bodyPr/>
+                    <a:lstStyle/>
+                    <a:p>
+                      <a:pPr algn="ctr" latinLnBrk="1"/>
+                      <a:endParaRPr lang="ko-KR" altLang="en-US" sz="1200" b="0" dirty="0">
+                        <a:solidFill>
+                          <a:schemeClr val="tx1"/>
+                        </a:solidFill>
+                      </a:endParaRPr>
+                    </a:p>
+                  </a:txBody>
+                  <a:tcPr>
+                    <a:solidFill>
+                      <a:schemeClr val="bg2">
+                        <a:lumMod val="90000"/>
+                      </a:schemeClr>
+                    </a:solidFill>
+                  </a:tcPr>
+                </a:tc>
+                <a:extLst>
+                  <a:ext uri="{0D108BD9-81ED-4DB2-BD59-A6C34878D82A}">
+                    <a16:rowId xmlns:a16="http://schemas.microsoft.com/office/drawing/2014/main" val="327929392"/>
+                  </a:ext>
+                </a:extLst>
+              </a:tr>
+              <a:tr h="323704">
+                <a:tc>
+                  <a:txBody>
+                    <a:bodyPr/>
+                    <a:lstStyle/>
+                    <a:p>
+                      <a:pPr algn="ctr" latinLnBrk="1"/>
+                      <a:r>
+                        <a:rPr lang="en-US" altLang="ko-KR" sz="1200" b="0" dirty="0">
+                          <a:solidFill>
+                            <a:schemeClr val="bg1"/>
+                          </a:solidFill>
+                        </a:rPr>
+                        <a:t>2</a:t>
+                      </a:r>
+                      <a:endParaRPr lang="ko-KR" altLang="en-US" sz="1200" b="0" dirty="0">
+                        <a:solidFill>
+                          <a:schemeClr val="bg1"/>
+                        </a:solidFill>
+                      </a:endParaRPr>
+                    </a:p>
+                  </a:txBody>
+                  <a:tcPr>
+                    <a:solidFill>
+                      <a:srgbClr val="0606B1"/>
+                    </a:solidFill>
+                  </a:tcPr>
+                </a:tc>
+                <a:tc>
+                  <a:txBody>
+                    <a:bodyPr/>
+                    <a:lstStyle/>
+                    <a:p>
+                      <a:pPr algn="ctr" latinLnBrk="1"/>
+                      <a:endParaRPr lang="ko-KR" altLang="en-US" sz="1200" b="0" dirty="0">
+                        <a:solidFill>
+                          <a:schemeClr val="tx1"/>
+                        </a:solidFill>
+                      </a:endParaRPr>
+                    </a:p>
+                  </a:txBody>
+                  <a:tcPr>
+                    <a:solidFill>
+                      <a:schemeClr val="bg2">
+                        <a:lumMod val="90000"/>
+                      </a:schemeClr>
+                    </a:solidFill>
+                  </a:tcPr>
+                </a:tc>
+                <a:extLst>
+                  <a:ext uri="{0D108BD9-81ED-4DB2-BD59-A6C34878D82A}">
+                    <a16:rowId xmlns:a16="http://schemas.microsoft.com/office/drawing/2014/main" val="3645964331"/>
+                  </a:ext>
+                </a:extLst>
+              </a:tr>
+              <a:tr h="323704">
+                <a:tc>
+                  <a:txBody>
+                    <a:bodyPr/>
+                    <a:lstStyle/>
+                    <a:p>
+                      <a:pPr algn="ctr" latinLnBrk="1"/>
+                      <a:r>
+                        <a:rPr lang="en-US" altLang="ko-KR" sz="1200" b="0" dirty="0">
+                          <a:solidFill>
+                            <a:schemeClr val="bg1"/>
+                          </a:solidFill>
+                        </a:rPr>
+                        <a:t>3</a:t>
+                      </a:r>
+                      <a:endParaRPr lang="ko-KR" altLang="en-US" sz="1200" b="0" dirty="0">
+                        <a:solidFill>
+                          <a:schemeClr val="bg1"/>
+                        </a:solidFill>
+                      </a:endParaRPr>
+                    </a:p>
+                  </a:txBody>
+                  <a:tcPr>
+                    <a:solidFill>
+                      <a:srgbClr val="0606B1"/>
+                    </a:solidFill>
+                  </a:tcPr>
+                </a:tc>
+                <a:tc>
+                  <a:txBody>
+                    <a:bodyPr/>
+                    <a:lstStyle/>
+                    <a:p>
+                      <a:pPr algn="ctr" latinLnBrk="1"/>
+                      <a:endParaRPr lang="ko-KR" altLang="en-US" sz="1200" b="0" dirty="0">
+                        <a:solidFill>
+                          <a:schemeClr val="tx1"/>
+                        </a:solidFill>
+                      </a:endParaRPr>
+                    </a:p>
+                  </a:txBody>
+                  <a:tcPr>
+                    <a:solidFill>
+                      <a:schemeClr val="bg2">
+                        <a:lumMod val="90000"/>
+                      </a:schemeClr>
+                    </a:solidFill>
+                  </a:tcPr>
+                </a:tc>
+                <a:extLst>
+                  <a:ext uri="{0D108BD9-81ED-4DB2-BD59-A6C34878D82A}">
+                    <a16:rowId xmlns:a16="http://schemas.microsoft.com/office/drawing/2014/main" val="3551319414"/>
+                  </a:ext>
+                </a:extLst>
+              </a:tr>
+              <a:tr h="323704">
+                <a:tc>
+                  <a:txBody>
+                    <a:bodyPr/>
+                    <a:lstStyle/>
+                    <a:p>
+                      <a:pPr algn="ctr" latinLnBrk="1"/>
+                      <a:r>
+                        <a:rPr lang="en-US" altLang="ko-KR" sz="1200" b="0" dirty="0">
+                          <a:solidFill>
+                            <a:schemeClr val="bg1"/>
+                          </a:solidFill>
+                        </a:rPr>
+                        <a:t>4</a:t>
+                      </a:r>
+                      <a:endParaRPr lang="ko-KR" altLang="en-US" sz="1200" b="0" dirty="0">
+                        <a:solidFill>
+                          <a:schemeClr val="bg1"/>
+                        </a:solidFill>
+                      </a:endParaRPr>
+                    </a:p>
+                  </a:txBody>
+                  <a:tcPr>
+                    <a:solidFill>
+                      <a:srgbClr val="0606B1"/>
+                    </a:solidFill>
+                  </a:tcPr>
+                </a:tc>
+                <a:tc>
+                  <a:txBody>
+                    <a:bodyPr/>
+                    <a:lstStyle/>
+                    <a:p>
+                      <a:pPr algn="ctr" latinLnBrk="1"/>
+                      <a:endParaRPr lang="ko-KR" altLang="en-US" sz="1200" b="0" dirty="0">
+                        <a:solidFill>
+                          <a:schemeClr val="tx1"/>
+                        </a:solidFill>
+                      </a:endParaRPr>
+                    </a:p>
+                  </a:txBody>
+                  <a:tcPr>
+                    <a:solidFill>
+                      <a:schemeClr val="bg2">
+                        <a:lumMod val="90000"/>
+                      </a:schemeClr>
+                    </a:solidFill>
+                  </a:tcPr>
+                </a:tc>
+                <a:extLst>
+                  <a:ext uri="{0D108BD9-81ED-4DB2-BD59-A6C34878D82A}">
+                    <a16:rowId xmlns:a16="http://schemas.microsoft.com/office/drawing/2014/main" val="2280189527"/>
+                  </a:ext>
+                </a:extLst>
+              </a:tr>
+              <a:tr h="323704">
+                <a:tc>
+                  <a:txBody>
+                    <a:bodyPr/>
+                    <a:lstStyle/>
+                    <a:p>
+                      <a:pPr algn="ctr" latinLnBrk="1"/>
+                      <a:endParaRPr lang="ko-KR" altLang="en-US" sz="1200" b="0" dirty="0">
+                        <a:solidFill>
+                          <a:schemeClr val="bg1"/>
+                        </a:solidFill>
+                      </a:endParaRPr>
+                    </a:p>
+                  </a:txBody>
+                  <a:tcPr>
+                    <a:solidFill>
+                      <a:srgbClr val="0606B1"/>
+                    </a:solidFill>
+                  </a:tcPr>
+                </a:tc>
+                <a:tc>
+                  <a:txBody>
+                    <a:bodyPr/>
+                    <a:lstStyle/>
+                    <a:p>
+                      <a:pPr algn="ctr" latinLnBrk="1"/>
+                      <a:endParaRPr lang="ko-KR" altLang="en-US" sz="1200" b="0" dirty="0">
+                        <a:solidFill>
+                          <a:schemeClr val="tx1"/>
+                        </a:solidFill>
+                      </a:endParaRPr>
+                    </a:p>
+                  </a:txBody>
+                  <a:tcPr>
+                    <a:solidFill>
+                      <a:schemeClr val="bg2">
+                        <a:lumMod val="90000"/>
+                      </a:schemeClr>
+                    </a:solidFill>
+                  </a:tcPr>
+                </a:tc>
+                <a:extLst>
+                  <a:ext uri="{0D108BD9-81ED-4DB2-BD59-A6C34878D82A}">
+                    <a16:rowId xmlns:a16="http://schemas.microsoft.com/office/drawing/2014/main" val="3648478182"/>
+                  </a:ext>
+                </a:extLst>
+              </a:tr>
+              <a:tr h="323704">
+                <a:tc>
+                  <a:txBody>
+                    <a:bodyPr/>
+                    <a:lstStyle/>
+                    <a:p>
+                      <a:pPr algn="ctr" latinLnBrk="1"/>
+                      <a:endParaRPr lang="ko-KR" altLang="en-US" sz="1200" b="0" dirty="0">
+                        <a:solidFill>
+                          <a:schemeClr val="bg1"/>
+                        </a:solidFill>
+                      </a:endParaRPr>
+                    </a:p>
+                  </a:txBody>
+                  <a:tcPr>
+                    <a:solidFill>
+                      <a:srgbClr val="0606B1"/>
+                    </a:solidFill>
+                  </a:tcPr>
+                </a:tc>
+                <a:tc>
+                  <a:txBody>
+                    <a:bodyPr/>
+                    <a:lstStyle/>
+                    <a:p>
+                      <a:pPr algn="ctr" latinLnBrk="1"/>
+                      <a:endParaRPr lang="ko-KR" altLang="en-US" sz="1200" b="0" dirty="0">
+                        <a:solidFill>
+                          <a:schemeClr val="tx1"/>
+                        </a:solidFill>
+                      </a:endParaRPr>
+                    </a:p>
+                  </a:txBody>
+                  <a:tcPr>
+                    <a:solidFill>
+                      <a:schemeClr val="bg2">
+                        <a:lumMod val="90000"/>
+                      </a:schemeClr>
+                    </a:solidFill>
+                  </a:tcPr>
+                </a:tc>
+                <a:extLst>
+                  <a:ext uri="{0D108BD9-81ED-4DB2-BD59-A6C34878D82A}">
+                    <a16:rowId xmlns:a16="http://schemas.microsoft.com/office/drawing/2014/main" val="446722239"/>
+                  </a:ext>
+                </a:extLst>
+              </a:tr>
+            </a:tbl>
+          </a:graphicData>
+        </a:graphic>
+      </p:graphicFrame>
+      <p:graphicFrame>
+        <p:nvGraphicFramePr>
+          <p:cNvPr id="11" name="표 10">
+            <a:extLst>
+              <a:ext uri="{FF2B5EF4-FFF2-40B4-BE49-F238E27FC236}">
+                <a16:creationId xmlns:a16="http://schemas.microsoft.com/office/drawing/2014/main" id="{E26F0737-6CB9-20C5-242B-F5B82DDB6EAC}"/>
+              </a:ext>
+            </a:extLst>
+          </p:cNvPr>
+          <p:cNvGraphicFramePr>
+            <a:graphicFrameLocks noGrp="1"/>
+          </p:cNvGraphicFramePr>
+          <p:nvPr/>
+        </p:nvGraphicFramePr>
+        <p:xfrm>
+          <a:off x="7981385" y="3708134"/>
+          <a:ext cx="3751906" cy="2518264"/>
+        </p:xfrm>
+        <a:graphic>
+          <a:graphicData uri="http://schemas.openxmlformats.org/drawingml/2006/table">
+            <a:tbl>
+              <a:tblPr firstRow="1" bandRow="1">
+                <a:tableStyleId>{21E4AEA4-8DFA-4A89-87EB-49C32662AFE0}</a:tableStyleId>
+              </a:tblPr>
+              <a:tblGrid>
+                <a:gridCol w="347803">
+                  <a:extLst>
+                    <a:ext uri="{9D8B030D-6E8A-4147-A177-3AD203B41FA5}">
+                      <a16:colId xmlns:a16="http://schemas.microsoft.com/office/drawing/2014/main" val="1561798973"/>
+                    </a:ext>
+                  </a:extLst>
+                </a:gridCol>
+                <a:gridCol w="3404103">
+                  <a:extLst>
+                    <a:ext uri="{9D8B030D-6E8A-4147-A177-3AD203B41FA5}">
+                      <a16:colId xmlns:a16="http://schemas.microsoft.com/office/drawing/2014/main" val="551442296"/>
+                    </a:ext>
+                  </a:extLst>
+                </a:gridCol>
+              </a:tblGrid>
+              <a:tr h="323704">
+                <a:tc gridSpan="2">
+                  <a:txBody>
+                    <a:bodyPr/>
+                    <a:lstStyle/>
+                    <a:p>
+                      <a:pPr algn="ctr" latinLnBrk="1"/>
+                      <a:r>
+                        <a:rPr lang="ko-KR" altLang="en-US" sz="1000" b="1" dirty="0">
+                          <a:solidFill>
+                            <a:schemeClr val="bg1"/>
+                          </a:solidFill>
+                        </a:rPr>
+                        <a:t>개발 사항</a:t>
+                      </a:r>
+                    </a:p>
+                  </a:txBody>
+                  <a:tcPr anchor="ctr">
+                    <a:solidFill>
+                      <a:srgbClr val="0606B1"/>
+                    </a:solidFill>
+                  </a:tcPr>
+                </a:tc>
+                <a:tc hMerge="1">
+                  <a:txBody>
+                    <a:bodyPr/>
+                    <a:lstStyle/>
+                    <a:p>
+                      <a:pPr latinLnBrk="1"/>
+                      <a:endParaRPr lang="ko-KR" altLang="en-US"/>
+                    </a:p>
+                  </a:txBody>
+                  <a:tcPr/>
+                </a:tc>
+                <a:extLst>
+                  <a:ext uri="{0D108BD9-81ED-4DB2-BD59-A6C34878D82A}">
+                    <a16:rowId xmlns:a16="http://schemas.microsoft.com/office/drawing/2014/main" val="4015230081"/>
+                  </a:ext>
+                </a:extLst>
+              </a:tr>
+              <a:tr h="323704">
+                <a:tc>
+                  <a:txBody>
+                    <a:bodyPr/>
+                    <a:lstStyle/>
+                    <a:p>
+                      <a:endParaRPr lang="ko-KR" altLang="en-US" b="0" dirty="0">
+                        <a:solidFill>
+                          <a:schemeClr val="bg1"/>
+                        </a:solidFill>
+                      </a:endParaRPr>
+                    </a:p>
+                  </a:txBody>
+                  <a:tcPr>
+                    <a:solidFill>
+                      <a:srgbClr val="0606B1"/>
+                    </a:solidFill>
+                  </a:tcPr>
+                </a:tc>
+                <a:tc>
+                  <a:txBody>
+                    <a:bodyPr/>
+                    <a:lstStyle/>
+                    <a:p>
+                      <a:pPr latinLnBrk="1"/>
+                      <a:endParaRPr lang="ko-KR" altLang="en-US" sz="1200" b="0" dirty="0">
+                        <a:solidFill>
+                          <a:schemeClr val="tx1"/>
+                        </a:solidFill>
+                      </a:endParaRPr>
+                    </a:p>
+                  </a:txBody>
+                  <a:tcPr>
+                    <a:solidFill>
+                      <a:schemeClr val="bg2">
+                        <a:lumMod val="90000"/>
+                      </a:schemeClr>
+                    </a:solidFill>
+                  </a:tcPr>
+                </a:tc>
+                <a:extLst>
+                  <a:ext uri="{0D108BD9-81ED-4DB2-BD59-A6C34878D82A}">
+                    <a16:rowId xmlns:a16="http://schemas.microsoft.com/office/drawing/2014/main" val="346920378"/>
+                  </a:ext>
+                </a:extLst>
+              </a:tr>
+              <a:tr h="323704">
+                <a:tc>
+                  <a:txBody>
+                    <a:bodyPr/>
+                    <a:lstStyle/>
+                    <a:p>
+                      <a:endParaRPr lang="ko-KR" altLang="en-US" b="0">
+                        <a:solidFill>
+                          <a:schemeClr val="bg1"/>
+                        </a:solidFill>
+                      </a:endParaRPr>
+                    </a:p>
+                  </a:txBody>
+                  <a:tcPr>
+                    <a:solidFill>
+                      <a:srgbClr val="0606B1"/>
+                    </a:solidFill>
+                  </a:tcPr>
+                </a:tc>
+                <a:tc>
+                  <a:txBody>
+                    <a:bodyPr/>
+                    <a:lstStyle/>
+                    <a:p>
+                      <a:pPr latinLnBrk="1"/>
+                      <a:endParaRPr lang="ko-KR" altLang="en-US" sz="1200" b="0" dirty="0">
+                        <a:solidFill>
+                          <a:schemeClr val="tx1"/>
+                        </a:solidFill>
+                      </a:endParaRPr>
+                    </a:p>
+                  </a:txBody>
+                  <a:tcPr>
+                    <a:solidFill>
+                      <a:schemeClr val="bg2">
+                        <a:lumMod val="90000"/>
+                      </a:schemeClr>
+                    </a:solidFill>
+                  </a:tcPr>
+                </a:tc>
+                <a:extLst>
+                  <a:ext uri="{0D108BD9-81ED-4DB2-BD59-A6C34878D82A}">
+                    <a16:rowId xmlns:a16="http://schemas.microsoft.com/office/drawing/2014/main" val="2403100823"/>
+                  </a:ext>
+                </a:extLst>
+              </a:tr>
+              <a:tr h="323704">
+                <a:tc>
+                  <a:txBody>
+                    <a:bodyPr/>
+                    <a:lstStyle/>
+                    <a:p>
+                      <a:endParaRPr lang="ko-KR" altLang="en-US" b="0">
+                        <a:solidFill>
+                          <a:schemeClr val="bg1"/>
+                        </a:solidFill>
+                      </a:endParaRPr>
+                    </a:p>
+                  </a:txBody>
+                  <a:tcPr>
+                    <a:solidFill>
+                      <a:srgbClr val="0606B1"/>
+                    </a:solidFill>
+                  </a:tcPr>
+                </a:tc>
+                <a:tc>
+                  <a:txBody>
+                    <a:bodyPr/>
+                    <a:lstStyle/>
+                    <a:p>
+                      <a:pPr latinLnBrk="1"/>
+                      <a:endParaRPr lang="ko-KR" altLang="en-US" sz="1200" b="0" dirty="0">
+                        <a:solidFill>
+                          <a:schemeClr val="tx1"/>
+                        </a:solidFill>
+                      </a:endParaRPr>
+                    </a:p>
+                  </a:txBody>
+                  <a:tcPr>
+                    <a:solidFill>
+                      <a:schemeClr val="bg2">
+                        <a:lumMod val="90000"/>
+                      </a:schemeClr>
+                    </a:solidFill>
+                  </a:tcPr>
+                </a:tc>
+                <a:extLst>
+                  <a:ext uri="{0D108BD9-81ED-4DB2-BD59-A6C34878D82A}">
+                    <a16:rowId xmlns:a16="http://schemas.microsoft.com/office/drawing/2014/main" val="4202920133"/>
+                  </a:ext>
+                </a:extLst>
+              </a:tr>
+              <a:tr h="323704">
+                <a:tc>
+                  <a:txBody>
+                    <a:bodyPr/>
+                    <a:lstStyle/>
+                    <a:p>
+                      <a:endParaRPr lang="ko-KR" altLang="en-US" b="0">
+                        <a:solidFill>
+                          <a:schemeClr val="bg1"/>
+                        </a:solidFill>
+                      </a:endParaRPr>
+                    </a:p>
+                  </a:txBody>
+                  <a:tcPr>
+                    <a:solidFill>
+                      <a:srgbClr val="0606B1"/>
+                    </a:solidFill>
+                  </a:tcPr>
+                </a:tc>
+                <a:tc>
+                  <a:txBody>
+                    <a:bodyPr/>
+                    <a:lstStyle/>
+                    <a:p>
+                      <a:pPr latinLnBrk="1"/>
+                      <a:endParaRPr lang="ko-KR" altLang="en-US" sz="1200" b="0" dirty="0">
+                        <a:solidFill>
+                          <a:schemeClr val="tx1"/>
+                        </a:solidFill>
+                      </a:endParaRPr>
+                    </a:p>
+                  </a:txBody>
+                  <a:tcPr>
+                    <a:solidFill>
+                      <a:schemeClr val="bg2">
+                        <a:lumMod val="90000"/>
+                      </a:schemeClr>
+                    </a:solidFill>
+                  </a:tcPr>
+                </a:tc>
+                <a:extLst>
+                  <a:ext uri="{0D108BD9-81ED-4DB2-BD59-A6C34878D82A}">
+                    <a16:rowId xmlns:a16="http://schemas.microsoft.com/office/drawing/2014/main" val="1261792466"/>
+                  </a:ext>
+                </a:extLst>
+              </a:tr>
+              <a:tr h="323704">
+                <a:tc>
+                  <a:txBody>
+                    <a:bodyPr/>
+                    <a:lstStyle/>
+                    <a:p>
+                      <a:endParaRPr lang="ko-KR" altLang="en-US" b="0" dirty="0">
+                        <a:solidFill>
+                          <a:schemeClr val="bg1"/>
+                        </a:solidFill>
+                      </a:endParaRPr>
+                    </a:p>
+                  </a:txBody>
+                  <a:tcPr>
+                    <a:solidFill>
+                      <a:srgbClr val="0606B1"/>
+                    </a:solidFill>
+                  </a:tcPr>
+                </a:tc>
+                <a:tc>
+                  <a:txBody>
+                    <a:bodyPr/>
+                    <a:lstStyle/>
+                    <a:p>
+                      <a:pPr latinLnBrk="1"/>
+                      <a:endParaRPr lang="ko-KR" altLang="en-US" sz="1200" b="0" dirty="0">
+                        <a:solidFill>
+                          <a:schemeClr val="tx1"/>
+                        </a:solidFill>
+                      </a:endParaRPr>
+                    </a:p>
+                  </a:txBody>
+                  <a:tcPr>
+                    <a:solidFill>
+                      <a:schemeClr val="bg2">
+                        <a:lumMod val="90000"/>
+                      </a:schemeClr>
+                    </a:solidFill>
+                  </a:tcPr>
+                </a:tc>
+                <a:extLst>
+                  <a:ext uri="{0D108BD9-81ED-4DB2-BD59-A6C34878D82A}">
+                    <a16:rowId xmlns:a16="http://schemas.microsoft.com/office/drawing/2014/main" val="2155762507"/>
+                  </a:ext>
+                </a:extLst>
+              </a:tr>
+              <a:tr h="323704">
+                <a:tc>
+                  <a:txBody>
+                    <a:bodyPr/>
+                    <a:lstStyle/>
+                    <a:p>
+                      <a:endParaRPr lang="ko-KR" altLang="en-US" b="0" dirty="0">
+                        <a:solidFill>
+                          <a:schemeClr val="bg1"/>
+                        </a:solidFill>
+                      </a:endParaRPr>
+                    </a:p>
+                  </a:txBody>
+                  <a:tcPr>
+                    <a:solidFill>
+                      <a:srgbClr val="0606B1"/>
+                    </a:solidFill>
+                  </a:tcPr>
+                </a:tc>
+                <a:tc>
+                  <a:txBody>
+                    <a:bodyPr/>
+                    <a:lstStyle/>
+                    <a:p>
+                      <a:pPr latinLnBrk="1"/>
+                      <a:endParaRPr lang="ko-KR" altLang="en-US" sz="1200" b="0" dirty="0">
+                        <a:solidFill>
+                          <a:schemeClr val="tx1"/>
+                        </a:solidFill>
+                      </a:endParaRPr>
+                    </a:p>
+                  </a:txBody>
+                  <a:tcPr>
+                    <a:solidFill>
+                      <a:schemeClr val="bg2">
+                        <a:lumMod val="90000"/>
+                      </a:schemeClr>
+                    </a:solidFill>
+                  </a:tcPr>
+                </a:tc>
+                <a:extLst>
+                  <a:ext uri="{0D108BD9-81ED-4DB2-BD59-A6C34878D82A}">
+                    <a16:rowId xmlns:a16="http://schemas.microsoft.com/office/drawing/2014/main" val="4045075981"/>
+                  </a:ext>
+                </a:extLst>
+              </a:tr>
+            </a:tbl>
+          </a:graphicData>
+        </a:graphic>
+      </p:graphicFrame>
+      <p:sp>
+        <p:nvSpPr>
+          <p:cNvPr id="14" name="직사각형 13">
+            <a:extLst>
+              <a:ext uri="{FF2B5EF4-FFF2-40B4-BE49-F238E27FC236}">
+                <a16:creationId xmlns:a16="http://schemas.microsoft.com/office/drawing/2014/main" id="{FAAA9368-7E60-897E-7512-BE3261AA8024}"/>
+              </a:ext>
+            </a:extLst>
+          </p:cNvPr>
+          <p:cNvSpPr/>
+          <p:nvPr/>
+        </p:nvSpPr>
+        <p:spPr>
+          <a:xfrm>
+            <a:off x="429537" y="1246205"/>
+            <a:ext cx="7157267" cy="4980194"/>
+          </a:xfrm>
+          <a:prstGeom prst="rect">
+            <a:avLst/>
+          </a:prstGeom>
+        </p:spPr>
+        <p:style>
+          <a:lnRef idx="2">
+            <a:schemeClr val="accent1">
+              <a:shade val="15000"/>
+            </a:schemeClr>
+          </a:lnRef>
+          <a:fillRef idx="1">
+            <a:schemeClr val="accent1"/>
+          </a:fillRef>
+          <a:effectRef idx="0">
+            <a:schemeClr val="accent1"/>
+          </a:effectRef>
+          <a:fontRef idx="minor">
+            <a:schemeClr val="lt1"/>
+          </a:fontRef>
+        </p:style>
+        <p:txBody>
+          <a:bodyPr rtlCol="0" anchor="ctr"/>
+          <a:lstStyle/>
+          <a:p>
+            <a:pPr algn="ctr" fontAlgn="t"/>
+            <a:r>
+              <a:rPr lang="ko-KR" altLang="en-US"/>
+              <a:t>이미지</a:t>
+            </a:r>
+            <a:endParaRPr lang="ko-KR" altLang="ko-KR" dirty="0"/>
+          </a:p>
+        </p:txBody>
+      </p:sp>
+    </p:spTree>
+    <p:extLst>
+      <p:ext uri="{BB962C8B-B14F-4D97-AF65-F5344CB8AC3E}">
+        <p14:creationId xmlns:p14="http://schemas.microsoft.com/office/powerpoint/2010/main" val="3954737922"/>
+      </p:ext>
+    </p:extLst>
+  </p:cSld>
+  <p:clrMapOvr>
+    <a:masterClrMapping/>
+  </p:clrMapOvr>
+</p:sld>
+</file>
+
+<file path=ppt/slides/slide5.xml><?xml version="1.0" encoding="utf-8"?>
 <p:sld xmlns:a="http://schemas.openxmlformats.org/drawingml/2006/main" xmlns:r="http://schemas.openxmlformats.org/officeDocument/2006/relationships" xmlns:p="http://schemas.openxmlformats.org/presentationml/2006/main">
   <p:cSld>
     <p:spTree>
@@ -24103,7 +25460,7 @@
 </p:sld>
 </file>
 
-<file path=ppt/slides/slide5.xml><?xml version="1.0" encoding="utf-8"?>
+<file path=ppt/slides/slide6.xml><?xml version="1.0" encoding="utf-8"?>
 <p:sld xmlns:a="http://schemas.openxmlformats.org/drawingml/2006/main" xmlns:r="http://schemas.openxmlformats.org/officeDocument/2006/relationships" xmlns:p="http://schemas.openxmlformats.org/presentationml/2006/main">
   <p:cSld>
     <p:spTree>
@@ -25293,7 +26650,7 @@
 </p:sld>
 </file>
 
-<file path=ppt/slides/slide6.xml><?xml version="1.0" encoding="utf-8"?>
+<file path=ppt/slides/slide7.xml><?xml version="1.0" encoding="utf-8"?>
 <p:sld xmlns:a="http://schemas.openxmlformats.org/drawingml/2006/main" xmlns:r="http://schemas.openxmlformats.org/officeDocument/2006/relationships" xmlns:p="http://schemas.openxmlformats.org/presentationml/2006/main">
   <p:cSld>
     <p:spTree>
@@ -26483,7 +27840,7 @@
 </p:sld>
 </file>
 
-<file path=ppt/slides/slide7.xml><?xml version="1.0" encoding="utf-8"?>
+<file path=ppt/slides/slide8.xml><?xml version="1.0" encoding="utf-8"?>
 <p:sld xmlns:a="http://schemas.openxmlformats.org/drawingml/2006/main" xmlns:r="http://schemas.openxmlformats.org/officeDocument/2006/relationships" xmlns:p="http://schemas.openxmlformats.org/presentationml/2006/main">
   <p:cSld>
     <p:spTree>
@@ -27673,7 +29030,7 @@
 </p:sld>
 </file>
 
-<file path=ppt/slides/slide8.xml><?xml version="1.0" encoding="utf-8"?>
+<file path=ppt/slides/slide9.xml><?xml version="1.0" encoding="utf-8"?>
 <p:sld xmlns:a="http://schemas.openxmlformats.org/drawingml/2006/main" xmlns:r="http://schemas.openxmlformats.org/officeDocument/2006/relationships" xmlns:p="http://schemas.openxmlformats.org/presentationml/2006/main">
   <p:cSld>
     <p:spTree>

--- a/TeamProject_스토리보드.pptx
+++ b/TeamProject_스토리보드.pptx
@@ -21734,1181 +21734,9 @@
           <a:chExt cx="0" cy="0"/>
         </a:xfrm>
       </p:grpSpPr>
-      <p:graphicFrame>
-        <p:nvGraphicFramePr>
-          <p:cNvPr id="6" name="표 5">
-            <a:extLst>
-              <a:ext uri="{FF2B5EF4-FFF2-40B4-BE49-F238E27FC236}">
-                <a16:creationId xmlns:a16="http://schemas.microsoft.com/office/drawing/2014/main" id="{6BB240B6-AE7C-5C3D-7D56-7F046D62CB96}"/>
-              </a:ext>
-            </a:extLst>
-          </p:cNvPr>
-          <p:cNvGraphicFramePr>
-            <a:graphicFrameLocks noGrp="1"/>
-          </p:cNvGraphicFramePr>
-          <p:nvPr>
-            <p:extLst>
-              <p:ext uri="{D42A27DB-BD31-4B8C-83A1-F6EECF244321}">
-                <p14:modId xmlns:p14="http://schemas.microsoft.com/office/powerpoint/2010/main" val="3956855427"/>
-              </p:ext>
-            </p:extLst>
-          </p:nvPr>
-        </p:nvGraphicFramePr>
-        <p:xfrm>
-          <a:off x="429537" y="402794"/>
-          <a:ext cx="11303754" cy="647408"/>
-        </p:xfrm>
-        <a:graphic>
-          <a:graphicData uri="http://schemas.openxmlformats.org/drawingml/2006/table">
-            <a:tbl>
-              <a:tblPr firstRow="1" bandRow="1">
-                <a:tableStyleId>{21E4AEA4-8DFA-4A89-87EB-49C32662AFE0}</a:tableStyleId>
-              </a:tblPr>
-              <a:tblGrid>
-                <a:gridCol w="1883959">
-                  <a:extLst>
-                    <a:ext uri="{9D8B030D-6E8A-4147-A177-3AD203B41FA5}">
-                      <a16:colId xmlns:a16="http://schemas.microsoft.com/office/drawing/2014/main" val="3242262009"/>
-                    </a:ext>
-                  </a:extLst>
-                </a:gridCol>
-                <a:gridCol w="1883959">
-                  <a:extLst>
-                    <a:ext uri="{9D8B030D-6E8A-4147-A177-3AD203B41FA5}">
-                      <a16:colId xmlns:a16="http://schemas.microsoft.com/office/drawing/2014/main" val="3090356556"/>
-                    </a:ext>
-                  </a:extLst>
-                </a:gridCol>
-                <a:gridCol w="1883959">
-                  <a:extLst>
-                    <a:ext uri="{9D8B030D-6E8A-4147-A177-3AD203B41FA5}">
-                      <a16:colId xmlns:a16="http://schemas.microsoft.com/office/drawing/2014/main" val="2238212506"/>
-                    </a:ext>
-                  </a:extLst>
-                </a:gridCol>
-                <a:gridCol w="1883959">
-                  <a:extLst>
-                    <a:ext uri="{9D8B030D-6E8A-4147-A177-3AD203B41FA5}">
-                      <a16:colId xmlns:a16="http://schemas.microsoft.com/office/drawing/2014/main" val="3613539704"/>
-                    </a:ext>
-                  </a:extLst>
-                </a:gridCol>
-                <a:gridCol w="1883959">
-                  <a:extLst>
-                    <a:ext uri="{9D8B030D-6E8A-4147-A177-3AD203B41FA5}">
-                      <a16:colId xmlns:a16="http://schemas.microsoft.com/office/drawing/2014/main" val="1370219426"/>
-                    </a:ext>
-                  </a:extLst>
-                </a:gridCol>
-                <a:gridCol w="1883959">
-                  <a:extLst>
-                    <a:ext uri="{9D8B030D-6E8A-4147-A177-3AD203B41FA5}">
-                      <a16:colId xmlns:a16="http://schemas.microsoft.com/office/drawing/2014/main" val="2741617997"/>
-                    </a:ext>
-                  </a:extLst>
-                </a:gridCol>
-              </a:tblGrid>
-              <a:tr h="323704">
-                <a:tc>
-                  <a:txBody>
-                    <a:bodyPr/>
-                    <a:lstStyle/>
-                    <a:p>
-                      <a:pPr algn="ctr" latinLnBrk="1"/>
-                      <a:r>
-                        <a:rPr lang="ko-KR" altLang="en-US" sz="1200" b="1" dirty="0">
-                          <a:solidFill>
-                            <a:schemeClr val="bg1"/>
-                          </a:solidFill>
-                        </a:rPr>
-                        <a:t>페이지명</a:t>
-                      </a:r>
-                    </a:p>
-                  </a:txBody>
-                  <a:tcPr>
-                    <a:solidFill>
-                      <a:srgbClr val="0606B1"/>
-                    </a:solidFill>
-                  </a:tcPr>
-                </a:tc>
-                <a:tc>
-                  <a:txBody>
-                    <a:bodyPr/>
-                    <a:lstStyle/>
-                    <a:p>
-                      <a:pPr algn="ctr" latinLnBrk="1"/>
-                      <a:endParaRPr lang="ko-KR" altLang="en-US" sz="1200" b="1" dirty="0">
-                        <a:solidFill>
-                          <a:schemeClr val="tx1"/>
-                        </a:solidFill>
-                      </a:endParaRPr>
-                    </a:p>
-                  </a:txBody>
-                  <a:tcPr>
-                    <a:solidFill>
-                      <a:schemeClr val="bg2">
-                        <a:lumMod val="90000"/>
-                      </a:schemeClr>
-                    </a:solidFill>
-                  </a:tcPr>
-                </a:tc>
-                <a:tc>
-                  <a:txBody>
-                    <a:bodyPr/>
-                    <a:lstStyle/>
-                    <a:p>
-                      <a:pPr algn="ctr" latinLnBrk="1"/>
-                      <a:r>
-                        <a:rPr lang="ko-KR" altLang="en-US" sz="1200" b="1" dirty="0">
-                          <a:solidFill>
-                            <a:schemeClr val="bg1"/>
-                          </a:solidFill>
-                        </a:rPr>
-                        <a:t>담당자</a:t>
-                      </a:r>
-                    </a:p>
-                  </a:txBody>
-                  <a:tcPr>
-                    <a:solidFill>
-                      <a:srgbClr val="0606B1"/>
-                    </a:solidFill>
-                  </a:tcPr>
-                </a:tc>
-                <a:tc>
-                  <a:txBody>
-                    <a:bodyPr/>
-                    <a:lstStyle/>
-                    <a:p>
-                      <a:pPr algn="ctr" latinLnBrk="1"/>
-                      <a:endParaRPr lang="ko-KR" altLang="en-US" sz="1200" b="1" dirty="0">
-                        <a:solidFill>
-                          <a:schemeClr val="tx1"/>
-                        </a:solidFill>
-                      </a:endParaRPr>
-                    </a:p>
-                  </a:txBody>
-                  <a:tcPr>
-                    <a:solidFill>
-                      <a:schemeClr val="bg2">
-                        <a:lumMod val="90000"/>
-                      </a:schemeClr>
-                    </a:solidFill>
-                  </a:tcPr>
-                </a:tc>
-                <a:tc>
-                  <a:txBody>
-                    <a:bodyPr/>
-                    <a:lstStyle/>
-                    <a:p>
-                      <a:pPr algn="ctr" latinLnBrk="1"/>
-                      <a:r>
-                        <a:rPr lang="ko-KR" altLang="en-US" sz="1200" b="1" dirty="0">
-                          <a:solidFill>
-                            <a:schemeClr val="bg1"/>
-                          </a:solidFill>
-                        </a:rPr>
-                        <a:t>작성일자</a:t>
-                      </a:r>
-                    </a:p>
-                  </a:txBody>
-                  <a:tcPr>
-                    <a:solidFill>
-                      <a:srgbClr val="0606B1"/>
-                    </a:solidFill>
-                  </a:tcPr>
-                </a:tc>
-                <a:tc>
-                  <a:txBody>
-                    <a:bodyPr/>
-                    <a:lstStyle/>
-                    <a:p>
-                      <a:pPr algn="ctr" latinLnBrk="1"/>
-                      <a:endParaRPr lang="ko-KR" altLang="en-US" sz="1200" b="1" dirty="0">
-                        <a:solidFill>
-                          <a:schemeClr val="tx1"/>
-                        </a:solidFill>
-                      </a:endParaRPr>
-                    </a:p>
-                  </a:txBody>
-                  <a:tcPr>
-                    <a:solidFill>
-                      <a:schemeClr val="bg2">
-                        <a:lumMod val="90000"/>
-                      </a:schemeClr>
-                    </a:solidFill>
-                  </a:tcPr>
-                </a:tc>
-                <a:extLst>
-                  <a:ext uri="{0D108BD9-81ED-4DB2-BD59-A6C34878D82A}">
-                    <a16:rowId xmlns:a16="http://schemas.microsoft.com/office/drawing/2014/main" val="3368404299"/>
-                  </a:ext>
-                </a:extLst>
-              </a:tr>
-              <a:tr h="323704">
-                <a:tc>
-                  <a:txBody>
-                    <a:bodyPr/>
-                    <a:lstStyle/>
-                    <a:p>
-                      <a:pPr algn="ctr" latinLnBrk="1"/>
-                      <a:r>
-                        <a:rPr lang="ko-KR" altLang="en-US" sz="1200" b="1" dirty="0">
-                          <a:solidFill>
-                            <a:schemeClr val="bg1"/>
-                          </a:solidFill>
-                        </a:rPr>
-                        <a:t>단위 업무</a:t>
-                      </a:r>
-                    </a:p>
-                  </a:txBody>
-                  <a:tcPr>
-                    <a:solidFill>
-                      <a:srgbClr val="0606B1"/>
-                    </a:solidFill>
-                  </a:tcPr>
-                </a:tc>
-                <a:tc>
-                  <a:txBody>
-                    <a:bodyPr/>
-                    <a:lstStyle/>
-                    <a:p>
-                      <a:pPr algn="ctr" latinLnBrk="1"/>
-                      <a:endParaRPr lang="ko-KR" altLang="en-US" sz="1200" b="1" dirty="0">
-                        <a:solidFill>
-                          <a:schemeClr val="tx1"/>
-                        </a:solidFill>
-                      </a:endParaRPr>
-                    </a:p>
-                  </a:txBody>
-                  <a:tcPr>
-                    <a:solidFill>
-                      <a:schemeClr val="bg2">
-                        <a:lumMod val="90000"/>
-                      </a:schemeClr>
-                    </a:solidFill>
-                  </a:tcPr>
-                </a:tc>
-                <a:tc>
-                  <a:txBody>
-                    <a:bodyPr/>
-                    <a:lstStyle/>
-                    <a:p>
-                      <a:pPr algn="ctr" latinLnBrk="1"/>
-                      <a:r>
-                        <a:rPr lang="ko-KR" altLang="en-US" sz="1200" b="1" dirty="0">
-                          <a:solidFill>
-                            <a:schemeClr val="bg1"/>
-                          </a:solidFill>
-                        </a:rPr>
-                        <a:t>디렉토리</a:t>
-                      </a:r>
-                      <a:endParaRPr lang="en-US" altLang="ko-KR" sz="1200" b="1" dirty="0">
-                        <a:solidFill>
-                          <a:schemeClr val="bg1"/>
-                        </a:solidFill>
-                      </a:endParaRPr>
-                    </a:p>
-                  </a:txBody>
-                  <a:tcPr>
-                    <a:solidFill>
-                      <a:srgbClr val="0606B1"/>
-                    </a:solidFill>
-                  </a:tcPr>
-                </a:tc>
-                <a:tc gridSpan="3">
-                  <a:txBody>
-                    <a:bodyPr/>
-                    <a:lstStyle/>
-                    <a:p>
-                      <a:pPr algn="ctr" latinLnBrk="1"/>
-                      <a:endParaRPr lang="ko-KR" altLang="en-US" sz="1200" b="1" dirty="0">
-                        <a:solidFill>
-                          <a:schemeClr val="tx1"/>
-                        </a:solidFill>
-                      </a:endParaRPr>
-                    </a:p>
-                  </a:txBody>
-                  <a:tcPr>
-                    <a:solidFill>
-                      <a:schemeClr val="bg2">
-                        <a:lumMod val="90000"/>
-                      </a:schemeClr>
-                    </a:solidFill>
-                  </a:tcPr>
-                </a:tc>
-                <a:tc hMerge="1">
-                  <a:txBody>
-                    <a:bodyPr/>
-                    <a:lstStyle/>
-                    <a:p>
-                      <a:pPr algn="ctr" latinLnBrk="1"/>
-                      <a:endParaRPr lang="ko-KR" altLang="en-US" sz="1200" b="1" dirty="0">
-                        <a:solidFill>
-                          <a:schemeClr val="bg1"/>
-                        </a:solidFill>
-                      </a:endParaRPr>
-                    </a:p>
-                  </a:txBody>
-                  <a:tcPr>
-                    <a:solidFill>
-                      <a:srgbClr val="0606B1"/>
-                    </a:solidFill>
-                  </a:tcPr>
-                </a:tc>
-                <a:tc hMerge="1">
-                  <a:txBody>
-                    <a:bodyPr/>
-                    <a:lstStyle/>
-                    <a:p>
-                      <a:pPr algn="ctr" latinLnBrk="1"/>
-                      <a:endParaRPr lang="ko-KR" altLang="en-US" sz="1200" b="1" dirty="0">
-                        <a:solidFill>
-                          <a:schemeClr val="tx1"/>
-                        </a:solidFill>
-                      </a:endParaRPr>
-                    </a:p>
-                  </a:txBody>
-                  <a:tcPr>
-                    <a:solidFill>
-                      <a:schemeClr val="bg2">
-                        <a:lumMod val="90000"/>
-                      </a:schemeClr>
-                    </a:solidFill>
-                  </a:tcPr>
-                </a:tc>
-                <a:extLst>
-                  <a:ext uri="{0D108BD9-81ED-4DB2-BD59-A6C34878D82A}">
-                    <a16:rowId xmlns:a16="http://schemas.microsoft.com/office/drawing/2014/main" val="2463675469"/>
-                  </a:ext>
-                </a:extLst>
-              </a:tr>
-            </a:tbl>
-          </a:graphicData>
-        </a:graphic>
-      </p:graphicFrame>
-      <p:graphicFrame>
-        <p:nvGraphicFramePr>
-          <p:cNvPr id="9" name="표 8">
-            <a:extLst>
-              <a:ext uri="{FF2B5EF4-FFF2-40B4-BE49-F238E27FC236}">
-                <a16:creationId xmlns:a16="http://schemas.microsoft.com/office/drawing/2014/main" id="{B089E8F5-49D0-5DEC-8902-AF2EE4148835}"/>
-              </a:ext>
-            </a:extLst>
-          </p:cNvPr>
-          <p:cNvGraphicFramePr>
-            <a:graphicFrameLocks noGrp="1"/>
-          </p:cNvGraphicFramePr>
-          <p:nvPr>
-            <p:extLst>
-              <p:ext uri="{D42A27DB-BD31-4B8C-83A1-F6EECF244321}">
-                <p14:modId xmlns:p14="http://schemas.microsoft.com/office/powerpoint/2010/main" val="1837679373"/>
-              </p:ext>
-            </p:extLst>
-          </p:nvPr>
-        </p:nvGraphicFramePr>
-        <p:xfrm>
-          <a:off x="7981385" y="1246204"/>
-          <a:ext cx="3751906" cy="2265928"/>
-        </p:xfrm>
-        <a:graphic>
-          <a:graphicData uri="http://schemas.openxmlformats.org/drawingml/2006/table">
-            <a:tbl>
-              <a:tblPr firstRow="1" bandRow="1">
-                <a:tableStyleId>{21E4AEA4-8DFA-4A89-87EB-49C32662AFE0}</a:tableStyleId>
-              </a:tblPr>
-              <a:tblGrid>
-                <a:gridCol w="347803">
-                  <a:extLst>
-                    <a:ext uri="{9D8B030D-6E8A-4147-A177-3AD203B41FA5}">
-                      <a16:colId xmlns:a16="http://schemas.microsoft.com/office/drawing/2014/main" val="3158124838"/>
-                    </a:ext>
-                  </a:extLst>
-                </a:gridCol>
-                <a:gridCol w="3404103">
-                  <a:extLst>
-                    <a:ext uri="{9D8B030D-6E8A-4147-A177-3AD203B41FA5}">
-                      <a16:colId xmlns:a16="http://schemas.microsoft.com/office/drawing/2014/main" val="1481499720"/>
-                    </a:ext>
-                  </a:extLst>
-                </a:gridCol>
-              </a:tblGrid>
-              <a:tr h="323704">
-                <a:tc gridSpan="2">
-                  <a:txBody>
-                    <a:bodyPr/>
-                    <a:lstStyle/>
-                    <a:p>
-                      <a:pPr algn="ctr" latinLnBrk="1"/>
-                      <a:r>
-                        <a:rPr lang="ko-KR" altLang="en-US" sz="1000" b="1" dirty="0">
-                          <a:solidFill>
-                            <a:schemeClr val="bg1"/>
-                          </a:solidFill>
-                        </a:rPr>
-                        <a:t>화면 설계</a:t>
-                      </a:r>
-                    </a:p>
-                  </a:txBody>
-                  <a:tcPr anchor="ctr">
-                    <a:solidFill>
-                      <a:srgbClr val="0606B1"/>
-                    </a:solidFill>
-                  </a:tcPr>
-                </a:tc>
-                <a:tc hMerge="1">
-                  <a:txBody>
-                    <a:bodyPr/>
-                    <a:lstStyle/>
-                    <a:p>
-                      <a:pPr latinLnBrk="1"/>
-                      <a:endParaRPr lang="ko-KR" altLang="en-US"/>
-                    </a:p>
-                  </a:txBody>
-                  <a:tcPr/>
-                </a:tc>
-                <a:extLst>
-                  <a:ext uri="{0D108BD9-81ED-4DB2-BD59-A6C34878D82A}">
-                    <a16:rowId xmlns:a16="http://schemas.microsoft.com/office/drawing/2014/main" val="2929313486"/>
-                  </a:ext>
-                </a:extLst>
-              </a:tr>
-              <a:tr h="323704">
-                <a:tc>
-                  <a:txBody>
-                    <a:bodyPr/>
-                    <a:lstStyle/>
-                    <a:p>
-                      <a:pPr algn="ctr" latinLnBrk="1"/>
-                      <a:r>
-                        <a:rPr lang="en-US" altLang="ko-KR" sz="1200" b="0" dirty="0">
-                          <a:solidFill>
-                            <a:schemeClr val="bg1"/>
-                          </a:solidFill>
-                        </a:rPr>
-                        <a:t>1</a:t>
-                      </a:r>
-                      <a:endParaRPr lang="ko-KR" altLang="en-US" sz="1200" b="0" dirty="0">
-                        <a:solidFill>
-                          <a:schemeClr val="bg1"/>
-                        </a:solidFill>
-                      </a:endParaRPr>
-                    </a:p>
-                  </a:txBody>
-                  <a:tcPr>
-                    <a:solidFill>
-                      <a:srgbClr val="0606B1"/>
-                    </a:solidFill>
-                  </a:tcPr>
-                </a:tc>
-                <a:tc>
-                  <a:txBody>
-                    <a:bodyPr/>
-                    <a:lstStyle/>
-                    <a:p>
-                      <a:pPr algn="ctr" latinLnBrk="1"/>
-                      <a:endParaRPr lang="ko-KR" altLang="en-US" sz="1200" b="0" dirty="0">
-                        <a:solidFill>
-                          <a:schemeClr val="tx1"/>
-                        </a:solidFill>
-                      </a:endParaRPr>
-                    </a:p>
-                  </a:txBody>
-                  <a:tcPr>
-                    <a:solidFill>
-                      <a:schemeClr val="bg2">
-                        <a:lumMod val="90000"/>
-                      </a:schemeClr>
-                    </a:solidFill>
-                  </a:tcPr>
-                </a:tc>
-                <a:extLst>
-                  <a:ext uri="{0D108BD9-81ED-4DB2-BD59-A6C34878D82A}">
-                    <a16:rowId xmlns:a16="http://schemas.microsoft.com/office/drawing/2014/main" val="327929392"/>
-                  </a:ext>
-                </a:extLst>
-              </a:tr>
-              <a:tr h="323704">
-                <a:tc>
-                  <a:txBody>
-                    <a:bodyPr/>
-                    <a:lstStyle/>
-                    <a:p>
-                      <a:pPr algn="ctr" latinLnBrk="1"/>
-                      <a:r>
-                        <a:rPr lang="en-US" altLang="ko-KR" sz="1200" b="0" dirty="0">
-                          <a:solidFill>
-                            <a:schemeClr val="bg1"/>
-                          </a:solidFill>
-                        </a:rPr>
-                        <a:t>2</a:t>
-                      </a:r>
-                      <a:endParaRPr lang="ko-KR" altLang="en-US" sz="1200" b="0" dirty="0">
-                        <a:solidFill>
-                          <a:schemeClr val="bg1"/>
-                        </a:solidFill>
-                      </a:endParaRPr>
-                    </a:p>
-                  </a:txBody>
-                  <a:tcPr>
-                    <a:solidFill>
-                      <a:srgbClr val="0606B1"/>
-                    </a:solidFill>
-                  </a:tcPr>
-                </a:tc>
-                <a:tc>
-                  <a:txBody>
-                    <a:bodyPr/>
-                    <a:lstStyle/>
-                    <a:p>
-                      <a:pPr algn="ctr" latinLnBrk="1"/>
-                      <a:endParaRPr lang="ko-KR" altLang="en-US" sz="1200" b="0" dirty="0">
-                        <a:solidFill>
-                          <a:schemeClr val="tx1"/>
-                        </a:solidFill>
-                      </a:endParaRPr>
-                    </a:p>
-                  </a:txBody>
-                  <a:tcPr>
-                    <a:solidFill>
-                      <a:schemeClr val="bg2">
-                        <a:lumMod val="90000"/>
-                      </a:schemeClr>
-                    </a:solidFill>
-                  </a:tcPr>
-                </a:tc>
-                <a:extLst>
-                  <a:ext uri="{0D108BD9-81ED-4DB2-BD59-A6C34878D82A}">
-                    <a16:rowId xmlns:a16="http://schemas.microsoft.com/office/drawing/2014/main" val="3645964331"/>
-                  </a:ext>
-                </a:extLst>
-              </a:tr>
-              <a:tr h="323704">
-                <a:tc>
-                  <a:txBody>
-                    <a:bodyPr/>
-                    <a:lstStyle/>
-                    <a:p>
-                      <a:pPr algn="ctr" latinLnBrk="1"/>
-                      <a:r>
-                        <a:rPr lang="en-US" altLang="ko-KR" sz="1200" b="0" dirty="0">
-                          <a:solidFill>
-                            <a:schemeClr val="bg1"/>
-                          </a:solidFill>
-                        </a:rPr>
-                        <a:t>3</a:t>
-                      </a:r>
-                      <a:endParaRPr lang="ko-KR" altLang="en-US" sz="1200" b="0" dirty="0">
-                        <a:solidFill>
-                          <a:schemeClr val="bg1"/>
-                        </a:solidFill>
-                      </a:endParaRPr>
-                    </a:p>
-                  </a:txBody>
-                  <a:tcPr>
-                    <a:solidFill>
-                      <a:srgbClr val="0606B1"/>
-                    </a:solidFill>
-                  </a:tcPr>
-                </a:tc>
-                <a:tc>
-                  <a:txBody>
-                    <a:bodyPr/>
-                    <a:lstStyle/>
-                    <a:p>
-                      <a:pPr algn="ctr" latinLnBrk="1"/>
-                      <a:endParaRPr lang="ko-KR" altLang="en-US" sz="1200" b="0" dirty="0">
-                        <a:solidFill>
-                          <a:schemeClr val="tx1"/>
-                        </a:solidFill>
-                      </a:endParaRPr>
-                    </a:p>
-                  </a:txBody>
-                  <a:tcPr>
-                    <a:solidFill>
-                      <a:schemeClr val="bg2">
-                        <a:lumMod val="90000"/>
-                      </a:schemeClr>
-                    </a:solidFill>
-                  </a:tcPr>
-                </a:tc>
-                <a:extLst>
-                  <a:ext uri="{0D108BD9-81ED-4DB2-BD59-A6C34878D82A}">
-                    <a16:rowId xmlns:a16="http://schemas.microsoft.com/office/drawing/2014/main" val="3551319414"/>
-                  </a:ext>
-                </a:extLst>
-              </a:tr>
-              <a:tr h="323704">
-                <a:tc>
-                  <a:txBody>
-                    <a:bodyPr/>
-                    <a:lstStyle/>
-                    <a:p>
-                      <a:pPr algn="ctr" latinLnBrk="1"/>
-                      <a:r>
-                        <a:rPr lang="en-US" altLang="ko-KR" sz="1200" b="0" dirty="0">
-                          <a:solidFill>
-                            <a:schemeClr val="bg1"/>
-                          </a:solidFill>
-                        </a:rPr>
-                        <a:t>4</a:t>
-                      </a:r>
-                      <a:endParaRPr lang="ko-KR" altLang="en-US" sz="1200" b="0" dirty="0">
-                        <a:solidFill>
-                          <a:schemeClr val="bg1"/>
-                        </a:solidFill>
-                      </a:endParaRPr>
-                    </a:p>
-                  </a:txBody>
-                  <a:tcPr>
-                    <a:solidFill>
-                      <a:srgbClr val="0606B1"/>
-                    </a:solidFill>
-                  </a:tcPr>
-                </a:tc>
-                <a:tc>
-                  <a:txBody>
-                    <a:bodyPr/>
-                    <a:lstStyle/>
-                    <a:p>
-                      <a:pPr algn="ctr" latinLnBrk="1"/>
-                      <a:endParaRPr lang="ko-KR" altLang="en-US" sz="1200" b="0" dirty="0">
-                        <a:solidFill>
-                          <a:schemeClr val="tx1"/>
-                        </a:solidFill>
-                      </a:endParaRPr>
-                    </a:p>
-                  </a:txBody>
-                  <a:tcPr>
-                    <a:solidFill>
-                      <a:schemeClr val="bg2">
-                        <a:lumMod val="90000"/>
-                      </a:schemeClr>
-                    </a:solidFill>
-                  </a:tcPr>
-                </a:tc>
-                <a:extLst>
-                  <a:ext uri="{0D108BD9-81ED-4DB2-BD59-A6C34878D82A}">
-                    <a16:rowId xmlns:a16="http://schemas.microsoft.com/office/drawing/2014/main" val="2280189527"/>
-                  </a:ext>
-                </a:extLst>
-              </a:tr>
-              <a:tr h="323704">
-                <a:tc>
-                  <a:txBody>
-                    <a:bodyPr/>
-                    <a:lstStyle/>
-                    <a:p>
-                      <a:pPr algn="ctr" latinLnBrk="1"/>
-                      <a:endParaRPr lang="ko-KR" altLang="en-US" sz="1200" b="0" dirty="0">
-                        <a:solidFill>
-                          <a:schemeClr val="bg1"/>
-                        </a:solidFill>
-                      </a:endParaRPr>
-                    </a:p>
-                  </a:txBody>
-                  <a:tcPr>
-                    <a:solidFill>
-                      <a:srgbClr val="0606B1"/>
-                    </a:solidFill>
-                  </a:tcPr>
-                </a:tc>
-                <a:tc>
-                  <a:txBody>
-                    <a:bodyPr/>
-                    <a:lstStyle/>
-                    <a:p>
-                      <a:pPr algn="ctr" latinLnBrk="1"/>
-                      <a:endParaRPr lang="ko-KR" altLang="en-US" sz="1200" b="0" dirty="0">
-                        <a:solidFill>
-                          <a:schemeClr val="tx1"/>
-                        </a:solidFill>
-                      </a:endParaRPr>
-                    </a:p>
-                  </a:txBody>
-                  <a:tcPr>
-                    <a:solidFill>
-                      <a:schemeClr val="bg2">
-                        <a:lumMod val="90000"/>
-                      </a:schemeClr>
-                    </a:solidFill>
-                  </a:tcPr>
-                </a:tc>
-                <a:extLst>
-                  <a:ext uri="{0D108BD9-81ED-4DB2-BD59-A6C34878D82A}">
-                    <a16:rowId xmlns:a16="http://schemas.microsoft.com/office/drawing/2014/main" val="3648478182"/>
-                  </a:ext>
-                </a:extLst>
-              </a:tr>
-              <a:tr h="323704">
-                <a:tc>
-                  <a:txBody>
-                    <a:bodyPr/>
-                    <a:lstStyle/>
-                    <a:p>
-                      <a:pPr algn="ctr" latinLnBrk="1"/>
-                      <a:endParaRPr lang="ko-KR" altLang="en-US" sz="1200" b="0" dirty="0">
-                        <a:solidFill>
-                          <a:schemeClr val="bg1"/>
-                        </a:solidFill>
-                      </a:endParaRPr>
-                    </a:p>
-                  </a:txBody>
-                  <a:tcPr>
-                    <a:solidFill>
-                      <a:srgbClr val="0606B1"/>
-                    </a:solidFill>
-                  </a:tcPr>
-                </a:tc>
-                <a:tc>
-                  <a:txBody>
-                    <a:bodyPr/>
-                    <a:lstStyle/>
-                    <a:p>
-                      <a:pPr algn="ctr" latinLnBrk="1"/>
-                      <a:endParaRPr lang="ko-KR" altLang="en-US" sz="1200" b="0" dirty="0">
-                        <a:solidFill>
-                          <a:schemeClr val="tx1"/>
-                        </a:solidFill>
-                      </a:endParaRPr>
-                    </a:p>
-                  </a:txBody>
-                  <a:tcPr>
-                    <a:solidFill>
-                      <a:schemeClr val="bg2">
-                        <a:lumMod val="90000"/>
-                      </a:schemeClr>
-                    </a:solidFill>
-                  </a:tcPr>
-                </a:tc>
-                <a:extLst>
-                  <a:ext uri="{0D108BD9-81ED-4DB2-BD59-A6C34878D82A}">
-                    <a16:rowId xmlns:a16="http://schemas.microsoft.com/office/drawing/2014/main" val="446722239"/>
-                  </a:ext>
-                </a:extLst>
-              </a:tr>
-            </a:tbl>
-          </a:graphicData>
-        </a:graphic>
-      </p:graphicFrame>
-      <p:graphicFrame>
-        <p:nvGraphicFramePr>
-          <p:cNvPr id="11" name="표 10">
-            <a:extLst>
-              <a:ext uri="{FF2B5EF4-FFF2-40B4-BE49-F238E27FC236}">
-                <a16:creationId xmlns:a16="http://schemas.microsoft.com/office/drawing/2014/main" id="{6EC6C58D-59C7-09E6-48AB-BE73F6F0CE66}"/>
-              </a:ext>
-            </a:extLst>
-          </p:cNvPr>
-          <p:cNvGraphicFramePr>
-            <a:graphicFrameLocks noGrp="1"/>
-          </p:cNvGraphicFramePr>
-          <p:nvPr>
-            <p:extLst>
-              <p:ext uri="{D42A27DB-BD31-4B8C-83A1-F6EECF244321}">
-                <p14:modId xmlns:p14="http://schemas.microsoft.com/office/powerpoint/2010/main" val="708904859"/>
-              </p:ext>
-            </p:extLst>
-          </p:nvPr>
-        </p:nvGraphicFramePr>
-        <p:xfrm>
-          <a:off x="7981385" y="3708134"/>
-          <a:ext cx="3751906" cy="2518264"/>
-        </p:xfrm>
-        <a:graphic>
-          <a:graphicData uri="http://schemas.openxmlformats.org/drawingml/2006/table">
-            <a:tbl>
-              <a:tblPr firstRow="1" bandRow="1">
-                <a:tableStyleId>{21E4AEA4-8DFA-4A89-87EB-49C32662AFE0}</a:tableStyleId>
-              </a:tblPr>
-              <a:tblGrid>
-                <a:gridCol w="347803">
-                  <a:extLst>
-                    <a:ext uri="{9D8B030D-6E8A-4147-A177-3AD203B41FA5}">
-                      <a16:colId xmlns:a16="http://schemas.microsoft.com/office/drawing/2014/main" val="1561798973"/>
-                    </a:ext>
-                  </a:extLst>
-                </a:gridCol>
-                <a:gridCol w="3404103">
-                  <a:extLst>
-                    <a:ext uri="{9D8B030D-6E8A-4147-A177-3AD203B41FA5}">
-                      <a16:colId xmlns:a16="http://schemas.microsoft.com/office/drawing/2014/main" val="551442296"/>
-                    </a:ext>
-                  </a:extLst>
-                </a:gridCol>
-              </a:tblGrid>
-              <a:tr h="323704">
-                <a:tc gridSpan="2">
-                  <a:txBody>
-                    <a:bodyPr/>
-                    <a:lstStyle/>
-                    <a:p>
-                      <a:pPr algn="ctr" latinLnBrk="1"/>
-                      <a:r>
-                        <a:rPr lang="ko-KR" altLang="en-US" sz="1000" b="1" dirty="0">
-                          <a:solidFill>
-                            <a:schemeClr val="bg1"/>
-                          </a:solidFill>
-                        </a:rPr>
-                        <a:t>개발 사항</a:t>
-                      </a:r>
-                    </a:p>
-                  </a:txBody>
-                  <a:tcPr anchor="ctr">
-                    <a:solidFill>
-                      <a:srgbClr val="0606B1"/>
-                    </a:solidFill>
-                  </a:tcPr>
-                </a:tc>
-                <a:tc hMerge="1">
-                  <a:txBody>
-                    <a:bodyPr/>
-                    <a:lstStyle/>
-                    <a:p>
-                      <a:pPr latinLnBrk="1"/>
-                      <a:endParaRPr lang="ko-KR" altLang="en-US"/>
-                    </a:p>
-                  </a:txBody>
-                  <a:tcPr/>
-                </a:tc>
-                <a:extLst>
-                  <a:ext uri="{0D108BD9-81ED-4DB2-BD59-A6C34878D82A}">
-                    <a16:rowId xmlns:a16="http://schemas.microsoft.com/office/drawing/2014/main" val="4015230081"/>
-                  </a:ext>
-                </a:extLst>
-              </a:tr>
-              <a:tr h="323704">
-                <a:tc>
-                  <a:txBody>
-                    <a:bodyPr/>
-                    <a:lstStyle/>
-                    <a:p>
-                      <a:endParaRPr lang="ko-KR" altLang="en-US" b="0" dirty="0">
-                        <a:solidFill>
-                          <a:schemeClr val="bg1"/>
-                        </a:solidFill>
-                      </a:endParaRPr>
-                    </a:p>
-                  </a:txBody>
-                  <a:tcPr>
-                    <a:solidFill>
-                      <a:srgbClr val="0606B1"/>
-                    </a:solidFill>
-                  </a:tcPr>
-                </a:tc>
-                <a:tc>
-                  <a:txBody>
-                    <a:bodyPr/>
-                    <a:lstStyle/>
-                    <a:p>
-                      <a:pPr latinLnBrk="1"/>
-                      <a:endParaRPr lang="ko-KR" altLang="en-US" sz="1200" b="0" dirty="0">
-                        <a:solidFill>
-                          <a:schemeClr val="tx1"/>
-                        </a:solidFill>
-                      </a:endParaRPr>
-                    </a:p>
-                  </a:txBody>
-                  <a:tcPr>
-                    <a:solidFill>
-                      <a:schemeClr val="bg2">
-                        <a:lumMod val="90000"/>
-                      </a:schemeClr>
-                    </a:solidFill>
-                  </a:tcPr>
-                </a:tc>
-                <a:extLst>
-                  <a:ext uri="{0D108BD9-81ED-4DB2-BD59-A6C34878D82A}">
-                    <a16:rowId xmlns:a16="http://schemas.microsoft.com/office/drawing/2014/main" val="346920378"/>
-                  </a:ext>
-                </a:extLst>
-              </a:tr>
-              <a:tr h="323704">
-                <a:tc>
-                  <a:txBody>
-                    <a:bodyPr/>
-                    <a:lstStyle/>
-                    <a:p>
-                      <a:endParaRPr lang="ko-KR" altLang="en-US" b="0">
-                        <a:solidFill>
-                          <a:schemeClr val="bg1"/>
-                        </a:solidFill>
-                      </a:endParaRPr>
-                    </a:p>
-                  </a:txBody>
-                  <a:tcPr>
-                    <a:solidFill>
-                      <a:srgbClr val="0606B1"/>
-                    </a:solidFill>
-                  </a:tcPr>
-                </a:tc>
-                <a:tc>
-                  <a:txBody>
-                    <a:bodyPr/>
-                    <a:lstStyle/>
-                    <a:p>
-                      <a:pPr latinLnBrk="1"/>
-                      <a:endParaRPr lang="ko-KR" altLang="en-US" sz="1200" b="0" dirty="0">
-                        <a:solidFill>
-                          <a:schemeClr val="tx1"/>
-                        </a:solidFill>
-                      </a:endParaRPr>
-                    </a:p>
-                  </a:txBody>
-                  <a:tcPr>
-                    <a:solidFill>
-                      <a:schemeClr val="bg2">
-                        <a:lumMod val="90000"/>
-                      </a:schemeClr>
-                    </a:solidFill>
-                  </a:tcPr>
-                </a:tc>
-                <a:extLst>
-                  <a:ext uri="{0D108BD9-81ED-4DB2-BD59-A6C34878D82A}">
-                    <a16:rowId xmlns:a16="http://schemas.microsoft.com/office/drawing/2014/main" val="2403100823"/>
-                  </a:ext>
-                </a:extLst>
-              </a:tr>
-              <a:tr h="323704">
-                <a:tc>
-                  <a:txBody>
-                    <a:bodyPr/>
-                    <a:lstStyle/>
-                    <a:p>
-                      <a:endParaRPr lang="ko-KR" altLang="en-US" b="0">
-                        <a:solidFill>
-                          <a:schemeClr val="bg1"/>
-                        </a:solidFill>
-                      </a:endParaRPr>
-                    </a:p>
-                  </a:txBody>
-                  <a:tcPr>
-                    <a:solidFill>
-                      <a:srgbClr val="0606B1"/>
-                    </a:solidFill>
-                  </a:tcPr>
-                </a:tc>
-                <a:tc>
-                  <a:txBody>
-                    <a:bodyPr/>
-                    <a:lstStyle/>
-                    <a:p>
-                      <a:pPr latinLnBrk="1"/>
-                      <a:endParaRPr lang="ko-KR" altLang="en-US" sz="1200" b="0" dirty="0">
-                        <a:solidFill>
-                          <a:schemeClr val="tx1"/>
-                        </a:solidFill>
-                      </a:endParaRPr>
-                    </a:p>
-                  </a:txBody>
-                  <a:tcPr>
-                    <a:solidFill>
-                      <a:schemeClr val="bg2">
-                        <a:lumMod val="90000"/>
-                      </a:schemeClr>
-                    </a:solidFill>
-                  </a:tcPr>
-                </a:tc>
-                <a:extLst>
-                  <a:ext uri="{0D108BD9-81ED-4DB2-BD59-A6C34878D82A}">
-                    <a16:rowId xmlns:a16="http://schemas.microsoft.com/office/drawing/2014/main" val="4202920133"/>
-                  </a:ext>
-                </a:extLst>
-              </a:tr>
-              <a:tr h="323704">
-                <a:tc>
-                  <a:txBody>
-                    <a:bodyPr/>
-                    <a:lstStyle/>
-                    <a:p>
-                      <a:endParaRPr lang="ko-KR" altLang="en-US" b="0">
-                        <a:solidFill>
-                          <a:schemeClr val="bg1"/>
-                        </a:solidFill>
-                      </a:endParaRPr>
-                    </a:p>
-                  </a:txBody>
-                  <a:tcPr>
-                    <a:solidFill>
-                      <a:srgbClr val="0606B1"/>
-                    </a:solidFill>
-                  </a:tcPr>
-                </a:tc>
-                <a:tc>
-                  <a:txBody>
-                    <a:bodyPr/>
-                    <a:lstStyle/>
-                    <a:p>
-                      <a:pPr latinLnBrk="1"/>
-                      <a:endParaRPr lang="ko-KR" altLang="en-US" sz="1200" b="0" dirty="0">
-                        <a:solidFill>
-                          <a:schemeClr val="tx1"/>
-                        </a:solidFill>
-                      </a:endParaRPr>
-                    </a:p>
-                  </a:txBody>
-                  <a:tcPr>
-                    <a:solidFill>
-                      <a:schemeClr val="bg2">
-                        <a:lumMod val="90000"/>
-                      </a:schemeClr>
-                    </a:solidFill>
-                  </a:tcPr>
-                </a:tc>
-                <a:extLst>
-                  <a:ext uri="{0D108BD9-81ED-4DB2-BD59-A6C34878D82A}">
-                    <a16:rowId xmlns:a16="http://schemas.microsoft.com/office/drawing/2014/main" val="1261792466"/>
-                  </a:ext>
-                </a:extLst>
-              </a:tr>
-              <a:tr h="323704">
-                <a:tc>
-                  <a:txBody>
-                    <a:bodyPr/>
-                    <a:lstStyle/>
-                    <a:p>
-                      <a:endParaRPr lang="ko-KR" altLang="en-US" b="0" dirty="0">
-                        <a:solidFill>
-                          <a:schemeClr val="bg1"/>
-                        </a:solidFill>
-                      </a:endParaRPr>
-                    </a:p>
-                  </a:txBody>
-                  <a:tcPr>
-                    <a:solidFill>
-                      <a:srgbClr val="0606B1"/>
-                    </a:solidFill>
-                  </a:tcPr>
-                </a:tc>
-                <a:tc>
-                  <a:txBody>
-                    <a:bodyPr/>
-                    <a:lstStyle/>
-                    <a:p>
-                      <a:pPr latinLnBrk="1"/>
-                      <a:endParaRPr lang="ko-KR" altLang="en-US" sz="1200" b="0" dirty="0">
-                        <a:solidFill>
-                          <a:schemeClr val="tx1"/>
-                        </a:solidFill>
-                      </a:endParaRPr>
-                    </a:p>
-                  </a:txBody>
-                  <a:tcPr>
-                    <a:solidFill>
-                      <a:schemeClr val="bg2">
-                        <a:lumMod val="90000"/>
-                      </a:schemeClr>
-                    </a:solidFill>
-                  </a:tcPr>
-                </a:tc>
-                <a:extLst>
-                  <a:ext uri="{0D108BD9-81ED-4DB2-BD59-A6C34878D82A}">
-                    <a16:rowId xmlns:a16="http://schemas.microsoft.com/office/drawing/2014/main" val="2155762507"/>
-                  </a:ext>
-                </a:extLst>
-              </a:tr>
-              <a:tr h="323704">
-                <a:tc>
-                  <a:txBody>
-                    <a:bodyPr/>
-                    <a:lstStyle/>
-                    <a:p>
-                      <a:endParaRPr lang="ko-KR" altLang="en-US" b="0" dirty="0">
-                        <a:solidFill>
-                          <a:schemeClr val="bg1"/>
-                        </a:solidFill>
-                      </a:endParaRPr>
-                    </a:p>
-                  </a:txBody>
-                  <a:tcPr>
-                    <a:solidFill>
-                      <a:srgbClr val="0606B1"/>
-                    </a:solidFill>
-                  </a:tcPr>
-                </a:tc>
-                <a:tc>
-                  <a:txBody>
-                    <a:bodyPr/>
-                    <a:lstStyle/>
-                    <a:p>
-                      <a:pPr latinLnBrk="1"/>
-                      <a:endParaRPr lang="ko-KR" altLang="en-US" sz="1200" b="0" dirty="0">
-                        <a:solidFill>
-                          <a:schemeClr val="tx1"/>
-                        </a:solidFill>
-                      </a:endParaRPr>
-                    </a:p>
-                  </a:txBody>
-                  <a:tcPr>
-                    <a:solidFill>
-                      <a:schemeClr val="bg2">
-                        <a:lumMod val="90000"/>
-                      </a:schemeClr>
-                    </a:solidFill>
-                  </a:tcPr>
-                </a:tc>
-                <a:extLst>
-                  <a:ext uri="{0D108BD9-81ED-4DB2-BD59-A6C34878D82A}">
-                    <a16:rowId xmlns:a16="http://schemas.microsoft.com/office/drawing/2014/main" val="4045075981"/>
-                  </a:ext>
-                </a:extLst>
-              </a:tr>
-            </a:tbl>
-          </a:graphicData>
-        </a:graphic>
-      </p:graphicFrame>
-      <p:sp>
-        <p:nvSpPr>
-          <p:cNvPr id="14" name="직사각형 13">
-            <a:extLst>
-              <a:ext uri="{FF2B5EF4-FFF2-40B4-BE49-F238E27FC236}">
-                <a16:creationId xmlns:a16="http://schemas.microsoft.com/office/drawing/2014/main" id="{D458AFA0-FBD2-F5BA-0FA7-CD61B624F459}"/>
-              </a:ext>
-            </a:extLst>
-          </p:cNvPr>
-          <p:cNvSpPr/>
-          <p:nvPr/>
-        </p:nvSpPr>
-        <p:spPr>
-          <a:xfrm>
-            <a:off x="429537" y="1246205"/>
-            <a:ext cx="7157267" cy="4980194"/>
-          </a:xfrm>
-          <a:prstGeom prst="rect">
-            <a:avLst/>
-          </a:prstGeom>
-        </p:spPr>
-        <p:style>
-          <a:lnRef idx="2">
-            <a:schemeClr val="accent1">
-              <a:shade val="15000"/>
-            </a:schemeClr>
-          </a:lnRef>
-          <a:fillRef idx="1">
-            <a:schemeClr val="accent1"/>
-          </a:fillRef>
-          <a:effectRef idx="0">
-            <a:schemeClr val="accent1"/>
-          </a:effectRef>
-          <a:fontRef idx="minor">
-            <a:schemeClr val="lt1"/>
-          </a:fontRef>
-        </p:style>
-        <p:txBody>
-          <a:bodyPr rtlCol="0" anchor="ctr"/>
-          <a:lstStyle/>
-          <a:p>
-            <a:pPr algn="ctr" fontAlgn="t"/>
-            <a:r>
-              <a:rPr lang="ko-KR" altLang="en-US"/>
-              <a:t>이미지</a:t>
-            </a:r>
-            <a:endParaRPr lang="ko-KR" altLang="ko-KR" dirty="0"/>
-          </a:p>
-        </p:txBody>
-      </p:sp>
       <p:pic>
         <p:nvPicPr>
-          <p:cNvPr id="3" name="그림 2">
+          <p:cNvPr id="12" name="그림 11">
             <a:extLst>
               <a:ext uri="{FF2B5EF4-FFF2-40B4-BE49-F238E27FC236}">
                 <a16:creationId xmlns:a16="http://schemas.microsoft.com/office/drawing/2014/main" id="{632FBA7E-88EA-20E0-F07C-3182437B362B}"/>
@@ -22928,7 +21756,7 @@
         </p:blipFill>
         <p:spPr>
           <a:xfrm>
-            <a:off x="85881" y="9053"/>
+            <a:off x="0" y="0"/>
             <a:ext cx="12020238" cy="6858000"/>
           </a:xfrm>
           <a:prstGeom prst="rect">
@@ -22938,7 +21766,7 @@
       </p:pic>
       <p:sp>
         <p:nvSpPr>
-          <p:cNvPr id="4" name="직사각형 3">
+          <p:cNvPr id="13" name="직사각형 12">
             <a:extLst>
               <a:ext uri="{FF2B5EF4-FFF2-40B4-BE49-F238E27FC236}">
                 <a16:creationId xmlns:a16="http://schemas.microsoft.com/office/drawing/2014/main" id="{E6F94067-AE1E-E049-9ADF-2855036F30C7}"/>
@@ -22990,7 +21818,7 @@
       </p:sp>
       <p:sp>
         <p:nvSpPr>
-          <p:cNvPr id="5" name="말풍선: 모서리가 둥근 사각형 4">
+          <p:cNvPr id="15" name="말풍선: 모서리가 둥근 사각형 14">
             <a:extLst>
               <a:ext uri="{FF2B5EF4-FFF2-40B4-BE49-F238E27FC236}">
                 <a16:creationId xmlns:a16="http://schemas.microsoft.com/office/drawing/2014/main" id="{89AD33AD-B010-442E-0A28-87994F2F0F88}"/>

--- a/TeamProject_스토리보드.pptx
+++ b/TeamProject_스토리보드.pptx
@@ -21360,7 +21360,7 @@
         <p:spPr>
           <a:xfrm>
             <a:off x="452672" y="3059668"/>
-            <a:ext cx="4771177" cy="369332"/>
+            <a:ext cx="2000817" cy="369332"/>
           </a:xfrm>
           <a:prstGeom prst="rect">
             <a:avLst/>
@@ -21412,9 +21412,283 @@
           </a:bodyPr>
           <a:lstStyle/>
           <a:p>
+            <a:pPr algn="ctr"/>
             <a:r>
               <a:rPr lang="ko-KR" altLang="en-US" dirty="0"/>
-              <a:t>주제 선정</a:t>
+              <a:t>주제 선정 이유</a:t>
+            </a:r>
+          </a:p>
+        </p:txBody>
+      </p:sp>
+      <p:sp>
+        <p:nvSpPr>
+          <p:cNvPr id="14" name="TextBox 13">
+            <a:extLst>
+              <a:ext uri="{FF2B5EF4-FFF2-40B4-BE49-F238E27FC236}">
+                <a16:creationId xmlns:a16="http://schemas.microsoft.com/office/drawing/2014/main" id="{3DADC88A-5E4A-D4F5-76FC-742E94CB040E}"/>
+              </a:ext>
+            </a:extLst>
+          </p:cNvPr>
+          <p:cNvSpPr txBox="1"/>
+          <p:nvPr/>
+        </p:nvSpPr>
+        <p:spPr>
+          <a:xfrm>
+            <a:off x="452672" y="3864352"/>
+            <a:ext cx="10511075" cy="123111"/>
+          </a:xfrm>
+          <a:prstGeom prst="rect">
+            <a:avLst/>
+          </a:prstGeom>
+          <a:gradFill flip="none" rotWithShape="1">
+            <a:gsLst>
+              <a:gs pos="0">
+                <a:schemeClr val="accent2">
+                  <a:lumMod val="67000"/>
+                </a:schemeClr>
+              </a:gs>
+              <a:gs pos="48000">
+                <a:schemeClr val="accent2">
+                  <a:lumMod val="97000"/>
+                  <a:lumOff val="3000"/>
+                </a:schemeClr>
+              </a:gs>
+              <a:gs pos="100000">
+                <a:schemeClr val="accent2">
+                  <a:lumMod val="60000"/>
+                  <a:lumOff val="40000"/>
+                </a:schemeClr>
+              </a:gs>
+            </a:gsLst>
+            <a:lin ang="16200000" scaled="1"/>
+            <a:tileRect/>
+          </a:gradFill>
+          <a:ln>
+            <a:noFill/>
+          </a:ln>
+        </p:spPr>
+        <p:style>
+          <a:lnRef idx="0">
+            <a:scrgbClr r="0" g="0" b="0"/>
+          </a:lnRef>
+          <a:fillRef idx="0">
+            <a:scrgbClr r="0" g="0" b="0"/>
+          </a:fillRef>
+          <a:effectRef idx="0">
+            <a:scrgbClr r="0" g="0" b="0"/>
+          </a:effectRef>
+          <a:fontRef idx="minor">
+            <a:schemeClr val="lt1"/>
+          </a:fontRef>
+        </p:style>
+        <p:txBody>
+          <a:bodyPr wrap="square" rtlCol="0">
+            <a:spAutoFit/>
+          </a:bodyPr>
+          <a:lstStyle/>
+          <a:p>
+            <a:endParaRPr lang="ko-KR" altLang="en-US" sz="200" dirty="0"/>
+          </a:p>
+        </p:txBody>
+      </p:sp>
+      <p:sp>
+        <p:nvSpPr>
+          <p:cNvPr id="19" name="TextBox 18">
+            <a:extLst>
+              <a:ext uri="{FF2B5EF4-FFF2-40B4-BE49-F238E27FC236}">
+                <a16:creationId xmlns:a16="http://schemas.microsoft.com/office/drawing/2014/main" id="{AB1BD255-1E8A-E0E4-C703-EBDDA66441E0}"/>
+              </a:ext>
+            </a:extLst>
+          </p:cNvPr>
+          <p:cNvSpPr txBox="1"/>
+          <p:nvPr/>
+        </p:nvSpPr>
+        <p:spPr>
+          <a:xfrm>
+            <a:off x="1070183" y="5325358"/>
+            <a:ext cx="1783534" cy="461665"/>
+          </a:xfrm>
+          <a:prstGeom prst="rect">
+            <a:avLst/>
+          </a:prstGeom>
+          <a:noFill/>
+        </p:spPr>
+        <p:txBody>
+          <a:bodyPr wrap="square" rtlCol="0">
+            <a:spAutoFit/>
+          </a:bodyPr>
+          <a:lstStyle/>
+          <a:p>
+            <a:r>
+              <a:rPr lang="ko-KR" altLang="en-US" sz="1200" dirty="0"/>
+              <a:t>풀스택 기술을</a:t>
+            </a:r>
+            <a:endParaRPr lang="en-US" altLang="ko-KR" sz="1200" dirty="0"/>
+          </a:p>
+          <a:p>
+            <a:r>
+              <a:rPr lang="ko-KR" altLang="en-US" sz="1200" dirty="0"/>
+              <a:t>활용한 프로젝트 구현</a:t>
+            </a:r>
+          </a:p>
+        </p:txBody>
+      </p:sp>
+      <p:sp>
+        <p:nvSpPr>
+          <p:cNvPr id="20" name="TextBox 19">
+            <a:extLst>
+              <a:ext uri="{FF2B5EF4-FFF2-40B4-BE49-F238E27FC236}">
+                <a16:creationId xmlns:a16="http://schemas.microsoft.com/office/drawing/2014/main" id="{4CCD4593-0ECF-092B-0F7B-34B3C725D756}"/>
+              </a:ext>
+            </a:extLst>
+          </p:cNvPr>
+          <p:cNvSpPr txBox="1"/>
+          <p:nvPr/>
+        </p:nvSpPr>
+        <p:spPr>
+          <a:xfrm>
+            <a:off x="4337550" y="5325359"/>
+            <a:ext cx="2353902" cy="276999"/>
+          </a:xfrm>
+          <a:prstGeom prst="rect">
+            <a:avLst/>
+          </a:prstGeom>
+          <a:noFill/>
+        </p:spPr>
+        <p:txBody>
+          <a:bodyPr wrap="square" rtlCol="0">
+            <a:spAutoFit/>
+          </a:bodyPr>
+          <a:lstStyle/>
+          <a:p>
+            <a:r>
+              <a:rPr lang="ko-KR" altLang="en-US" sz="1200" dirty="0"/>
+              <a:t>비즈니스 로직을 반영한 모델링</a:t>
+            </a:r>
+          </a:p>
+        </p:txBody>
+      </p:sp>
+      <p:pic>
+        <p:nvPicPr>
+          <p:cNvPr id="32" name="그림 31">
+            <a:extLst>
+              <a:ext uri="{FF2B5EF4-FFF2-40B4-BE49-F238E27FC236}">
+                <a16:creationId xmlns:a16="http://schemas.microsoft.com/office/drawing/2014/main" id="{D1A2C9C4-8450-A5F0-3A88-7F179AA27A93}"/>
+              </a:ext>
+            </a:extLst>
+          </p:cNvPr>
+          <p:cNvPicPr>
+            <a:picLocks noChangeAspect="1"/>
+          </p:cNvPicPr>
+          <p:nvPr/>
+        </p:nvPicPr>
+        <p:blipFill>
+          <a:blip r:embed="rId3"/>
+          <a:stretch>
+            <a:fillRect/>
+          </a:stretch>
+        </p:blipFill>
+        <p:spPr>
+          <a:xfrm>
+            <a:off x="5059752" y="4245169"/>
+            <a:ext cx="909498" cy="909498"/>
+          </a:xfrm>
+          <a:prstGeom prst="rect">
+            <a:avLst/>
+          </a:prstGeom>
+        </p:spPr>
+      </p:pic>
+      <p:pic>
+        <p:nvPicPr>
+          <p:cNvPr id="33" name="그림 32">
+            <a:extLst>
+              <a:ext uri="{FF2B5EF4-FFF2-40B4-BE49-F238E27FC236}">
+                <a16:creationId xmlns:a16="http://schemas.microsoft.com/office/drawing/2014/main" id="{8989300A-D1C0-EEA9-55AF-021D038B5E12}"/>
+              </a:ext>
+            </a:extLst>
+          </p:cNvPr>
+          <p:cNvPicPr>
+            <a:picLocks noChangeAspect="1"/>
+          </p:cNvPicPr>
+          <p:nvPr/>
+        </p:nvPicPr>
+        <p:blipFill>
+          <a:blip r:embed="rId4"/>
+          <a:stretch>
+            <a:fillRect/>
+          </a:stretch>
+        </p:blipFill>
+        <p:spPr>
+          <a:xfrm>
+            <a:off x="1221366" y="4271419"/>
+            <a:ext cx="910800" cy="910800"/>
+          </a:xfrm>
+          <a:prstGeom prst="rect">
+            <a:avLst/>
+          </a:prstGeom>
+        </p:spPr>
+      </p:pic>
+      <p:pic>
+        <p:nvPicPr>
+          <p:cNvPr id="35" name="그림 34">
+            <a:extLst>
+              <a:ext uri="{FF2B5EF4-FFF2-40B4-BE49-F238E27FC236}">
+                <a16:creationId xmlns:a16="http://schemas.microsoft.com/office/drawing/2014/main" id="{BB19A9A5-369A-2B2B-E3B7-8F54A37D3EC1}"/>
+              </a:ext>
+            </a:extLst>
+          </p:cNvPr>
+          <p:cNvPicPr>
+            <a:picLocks noChangeAspect="1"/>
+          </p:cNvPicPr>
+          <p:nvPr/>
+        </p:nvPicPr>
+        <p:blipFill>
+          <a:blip r:embed="rId5"/>
+          <a:stretch>
+            <a:fillRect/>
+          </a:stretch>
+        </p:blipFill>
+        <p:spPr>
+          <a:xfrm>
+            <a:off x="8896836" y="4203286"/>
+            <a:ext cx="910800" cy="910800"/>
+          </a:xfrm>
+          <a:prstGeom prst="rect">
+            <a:avLst/>
+          </a:prstGeom>
+        </p:spPr>
+      </p:pic>
+      <p:sp>
+        <p:nvSpPr>
+          <p:cNvPr id="36" name="TextBox 35">
+            <a:extLst>
+              <a:ext uri="{FF2B5EF4-FFF2-40B4-BE49-F238E27FC236}">
+                <a16:creationId xmlns:a16="http://schemas.microsoft.com/office/drawing/2014/main" id="{3D59AB60-BE53-2D30-68C5-594BD31AB7EC}"/>
+              </a:ext>
+            </a:extLst>
+          </p:cNvPr>
+          <p:cNvSpPr txBox="1"/>
+          <p:nvPr/>
+        </p:nvSpPr>
+        <p:spPr>
+          <a:xfrm>
+            <a:off x="8175285" y="5325358"/>
+            <a:ext cx="2353902" cy="461665"/>
+          </a:xfrm>
+          <a:prstGeom prst="rect">
+            <a:avLst/>
+          </a:prstGeom>
+          <a:noFill/>
+        </p:spPr>
+        <p:txBody>
+          <a:bodyPr wrap="square" rtlCol="0">
+            <a:spAutoFit/>
+          </a:bodyPr>
+          <a:lstStyle/>
+          <a:p>
+            <a:r>
+              <a:rPr lang="ko-KR" altLang="en-US" sz="1200" dirty="0"/>
+              <a:t>협업 중심의 프로젝트 수행으로 체계적인 일정 관리 능력 향상</a:t>
             </a:r>
           </a:p>
         </p:txBody>

--- a/TeamProject_스토리보드.pptx
+++ b/TeamProject_스토리보드.pptx
@@ -6,7 +6,7 @@
     <p:sldMasterId id="2147483867" r:id="rId2"/>
   </p:sldMasterIdLst>
   <p:notesMasterIdLst>
-    <p:notesMasterId r:id="rId14"/>
+    <p:notesMasterId r:id="rId15"/>
   </p:notesMasterIdLst>
   <p:sldIdLst>
     <p:sldId id="263" r:id="rId3"/>
@@ -20,6 +20,7 @@
     <p:sldId id="272" r:id="rId11"/>
     <p:sldId id="273" r:id="rId12"/>
     <p:sldId id="274" r:id="rId13"/>
+    <p:sldId id="278" r:id="rId14"/>
   </p:sldIdLst>
   <p:sldSz cx="12192000" cy="6858000"/>
   <p:notesSz cx="6858000" cy="9144000"/>
@@ -22126,7 +22127,7 @@
           <p:nvPr>
             <p:extLst>
               <p:ext uri="{D42A27DB-BD31-4B8C-83A1-F6EECF244321}">
-                <p14:modId xmlns:p14="http://schemas.microsoft.com/office/powerpoint/2010/main" val="3866855789"/>
+                <p14:modId xmlns:p14="http://schemas.microsoft.com/office/powerpoint/2010/main" val="3986498757"/>
               </p:ext>
             </p:extLst>
           </p:nvPr>
@@ -22237,7 +22238,7 @@
                             <a:schemeClr val="tx1"/>
                           </a:solidFill>
                         </a:rPr>
-                        <a:t>장바구니 추가</a:t>
+                        <a:t>수량</a:t>
                       </a:r>
                     </a:p>
                   </a:txBody>
@@ -22289,6 +22290,80 @@
                     <a:lstStyle/>
                     <a:p>
                       <a:pPr algn="l" latinLnBrk="1"/>
+                      <a:r>
+                        <a:rPr lang="ko-KR" altLang="en-US" sz="1200" b="0" dirty="0">
+                          <a:solidFill>
+                            <a:schemeClr val="tx1"/>
+                          </a:solidFill>
+                        </a:rPr>
+                        <a:t>장바구니</a:t>
+                      </a:r>
+                    </a:p>
+                  </a:txBody>
+                  <a:tcPr anchor="ctr">
+                    <a:solidFill>
+                      <a:schemeClr val="bg2">
+                        <a:lumMod val="90000"/>
+                      </a:schemeClr>
+                    </a:solidFill>
+                  </a:tcPr>
+                </a:tc>
+                <a:extLst>
+                  <a:ext uri="{0D108BD9-81ED-4DB2-BD59-A6C34878D82A}">
+                    <a16:rowId xmlns:a16="http://schemas.microsoft.com/office/drawing/2014/main" val="3645964331"/>
+                  </a:ext>
+                </a:extLst>
+              </a:tr>
+              <a:tr h="323704">
+                <a:tc>
+                  <a:txBody>
+                    <a:bodyPr/>
+                    <a:lstStyle/>
+                    <a:p>
+                      <a:pPr algn="ctr" latinLnBrk="1"/>
+                      <a:r>
+                        <a:rPr lang="en-US" altLang="ko-KR" sz="1200" b="0" dirty="0">
+                          <a:solidFill>
+                            <a:schemeClr val="bg1"/>
+                          </a:solidFill>
+                        </a:rPr>
+                        <a:t>3</a:t>
+                      </a:r>
+                      <a:endParaRPr lang="ko-KR" altLang="en-US" sz="1200" b="0" dirty="0">
+                        <a:solidFill>
+                          <a:schemeClr val="bg1"/>
+                        </a:solidFill>
+                      </a:endParaRPr>
+                    </a:p>
+                  </a:txBody>
+                  <a:tcPr anchor="ctr">
+                    <a:solidFill>
+                      <a:srgbClr val="0606B1"/>
+                    </a:solidFill>
+                  </a:tcPr>
+                </a:tc>
+                <a:tc>
+                  <a:txBody>
+                    <a:bodyPr/>
+                    <a:lstStyle/>
+                    <a:p>
+                      <a:pPr marL="0" marR="0" lvl="0" indent="0" algn="l" defTabSz="914400" rtl="0" eaLnBrk="1" fontAlgn="auto" latinLnBrk="1" hangingPunct="1">
+                        <a:lnSpc>
+                          <a:spcPct val="100000"/>
+                        </a:lnSpc>
+                        <a:spcBef>
+                          <a:spcPts val="0"/>
+                        </a:spcBef>
+                        <a:spcAft>
+                          <a:spcPts val="0"/>
+                        </a:spcAft>
+                        <a:buClrTx/>
+                        <a:buSzTx/>
+                        <a:buFontTx/>
+                        <a:buNone/>
+                        <a:tabLst/>
+                        <a:defRPr/>
+                      </a:pPr>
                       <a:r>
                         <a:rPr lang="ko-KR" altLang="en-US" sz="1200" b="0" dirty="0">
                           <a:solidFill>
@@ -22357,53 +22432,6 @@
                 </a:tc>
                 <a:extLst>
                   <a:ext uri="{0D108BD9-81ED-4DB2-BD59-A6C34878D82A}">
-                    <a16:rowId xmlns:a16="http://schemas.microsoft.com/office/drawing/2014/main" val="3645964331"/>
-                  </a:ext>
-                </a:extLst>
-              </a:tr>
-              <a:tr h="323704">
-                <a:tc>
-                  <a:txBody>
-                    <a:bodyPr/>
-                    <a:lstStyle/>
-                    <a:p>
-                      <a:pPr algn="ctr" latinLnBrk="1"/>
-                      <a:endParaRPr lang="ko-KR" altLang="en-US" sz="1200" b="0" dirty="0">
-                        <a:solidFill>
-                          <a:schemeClr val="bg1"/>
-                        </a:solidFill>
-                      </a:endParaRPr>
-                    </a:p>
-                  </a:txBody>
-                  <a:tcPr anchor="ctr">
-                    <a:solidFill>
-                      <a:srgbClr val="0606B1"/>
-                    </a:solidFill>
-                  </a:tcPr>
-                </a:tc>
-                <a:tc>
-                  <a:txBody>
-                    <a:bodyPr/>
-                    <a:lstStyle/>
-                    <a:p>
-                      <a:pPr algn="l" latinLnBrk="1"/>
-                      <a:endParaRPr lang="ko-KR" altLang="en-US" sz="1200" b="0" dirty="0">
-                        <a:solidFill>
-                          <a:schemeClr val="tx1"/>
-                        </a:solidFill>
-                      </a:endParaRPr>
-                    </a:p>
-                  </a:txBody>
-                  <a:tcPr anchor="ctr">
-                    <a:solidFill>
-                      <a:schemeClr val="bg2">
-                        <a:lumMod val="90000"/>
-                      </a:schemeClr>
-                    </a:solidFill>
-                  </a:tcPr>
-                </a:tc>
-                <a:extLst>
-                  <a:ext uri="{0D108BD9-81ED-4DB2-BD59-A6C34878D82A}">
                     <a16:rowId xmlns:a16="http://schemas.microsoft.com/office/drawing/2014/main" val="3551319414"/>
                   </a:ext>
                 </a:extLst>
@@ -22568,7 +22596,7 @@
           <p:nvPr>
             <p:extLst>
               <p:ext uri="{D42A27DB-BD31-4B8C-83A1-F6EECF244321}">
-                <p14:modId xmlns:p14="http://schemas.microsoft.com/office/powerpoint/2010/main" val="3217135116"/>
+                <p14:modId xmlns:p14="http://schemas.microsoft.com/office/powerpoint/2010/main" val="3939447497"/>
               </p:ext>
             </p:extLst>
           </p:nvPr>
@@ -22653,6 +22681,109 @@
                           </a:solidFill>
                         </a:rPr>
                         <a:t>1</a:t>
+                      </a:r>
+                      <a:endParaRPr lang="ko-KR" altLang="en-US" sz="1200" b="0" dirty="0">
+                        <a:solidFill>
+                          <a:schemeClr val="bg1"/>
+                        </a:solidFill>
+                      </a:endParaRPr>
+                    </a:p>
+                  </a:txBody>
+                  <a:tcPr anchor="ctr">
+                    <a:solidFill>
+                      <a:srgbClr val="0606B1"/>
+                    </a:solidFill>
+                  </a:tcPr>
+                </a:tc>
+                <a:tc>
+                  <a:txBody>
+                    <a:bodyPr/>
+                    <a:lstStyle/>
+                    <a:p>
+                      <a:pPr marL="0" marR="0" lvl="0" indent="0" algn="l" defTabSz="914400" rtl="0" eaLnBrk="1" fontAlgn="auto" latinLnBrk="1" hangingPunct="1">
+                        <a:lnSpc>
+                          <a:spcPct val="100000"/>
+                        </a:lnSpc>
+                        <a:spcBef>
+                          <a:spcPts val="0"/>
+                        </a:spcBef>
+                        <a:spcAft>
+                          <a:spcPts val="0"/>
+                        </a:spcAft>
+                        <a:buClrTx/>
+                        <a:buSzTx/>
+                        <a:buFontTx/>
+                        <a:buNone/>
+                        <a:tabLst/>
+                        <a:defRPr/>
+                      </a:pPr>
+                      <a:r>
+                        <a:rPr lang="ko-KR" altLang="en-US" sz="1200" b="0" dirty="0">
+                          <a:solidFill>
+                            <a:schemeClr val="tx1"/>
+                          </a:solidFill>
+                        </a:rPr>
+                        <a:t>수량 증가 감소 설정</a:t>
+                      </a:r>
+                      <a:r>
+                        <a:rPr lang="en-US" altLang="ko-KR" sz="1200" b="0" dirty="0">
+                          <a:solidFill>
+                            <a:schemeClr val="tx1"/>
+                          </a:solidFill>
+                        </a:rPr>
+                        <a:t>(</a:t>
+                      </a:r>
+                      <a:r>
+                        <a:rPr lang="ko-KR" altLang="en-US" sz="1200" b="0" dirty="0">
+                          <a:solidFill>
+                            <a:schemeClr val="tx1"/>
+                          </a:solidFill>
+                        </a:rPr>
+                        <a:t>직접 입력 가능</a:t>
+                      </a:r>
+                      <a:r>
+                        <a:rPr lang="en-US" altLang="ko-KR" sz="1200" b="0" dirty="0">
+                          <a:solidFill>
+                            <a:schemeClr val="tx1"/>
+                          </a:solidFill>
+                        </a:rPr>
+                        <a:t>)</a:t>
+                      </a:r>
+                      <a:endParaRPr lang="ko-KR" altLang="en-US" sz="1200" b="0" dirty="0">
+                        <a:solidFill>
+                          <a:schemeClr val="tx1"/>
+                        </a:solidFill>
+                      </a:endParaRPr>
+                    </a:p>
+                  </a:txBody>
+                  <a:tcPr anchor="ctr">
+                    <a:solidFill>
+                      <a:schemeClr val="bg2">
+                        <a:lumMod val="90000"/>
+                      </a:schemeClr>
+                    </a:solidFill>
+                  </a:tcPr>
+                </a:tc>
+                <a:extLst>
+                  <a:ext uri="{0D108BD9-81ED-4DB2-BD59-A6C34878D82A}">
+                    <a16:rowId xmlns:a16="http://schemas.microsoft.com/office/drawing/2014/main" val="346920378"/>
+                  </a:ext>
+                </a:extLst>
+              </a:tr>
+              <a:tr h="323704">
+                <a:tc>
+                  <a:txBody>
+                    <a:bodyPr/>
+                    <a:lstStyle/>
+                    <a:p>
+                      <a:pPr algn="ctr"/>
+                      <a:r>
+                        <a:rPr lang="en-US" altLang="ko-KR" sz="1200" b="0" dirty="0">
+                          <a:solidFill>
+                            <a:schemeClr val="bg1"/>
+                          </a:solidFill>
+                        </a:rPr>
+                        <a:t>2</a:t>
                       </a:r>
                       <a:endParaRPr lang="ko-KR" altLang="en-US" sz="1200" b="0" dirty="0">
                         <a:solidFill>
@@ -22725,7 +22856,7 @@
                 </a:tc>
                 <a:extLst>
                   <a:ext uri="{0D108BD9-81ED-4DB2-BD59-A6C34878D82A}">
-                    <a16:rowId xmlns:a16="http://schemas.microsoft.com/office/drawing/2014/main" val="346920378"/>
+                    <a16:rowId xmlns:a16="http://schemas.microsoft.com/office/drawing/2014/main" val="2403100823"/>
                   </a:ext>
                 </a:extLst>
               </a:tr>
@@ -22742,7 +22873,7 @@
                             <a:schemeClr val="bg1"/>
                           </a:solidFill>
                         </a:rPr>
-                        <a:t>2</a:t>
+                        <a:t>3</a:t>
                       </a:r>
                       <a:endParaRPr lang="ko-KR" altLang="en-US" sz="1200" b="0" dirty="0">
                         <a:solidFill>
@@ -22811,53 +22942,6 @@
                         </a:rPr>
                         <a:t>X)</a:t>
                       </a:r>
-                      <a:endParaRPr lang="ko-KR" altLang="en-US" sz="1200" b="0" dirty="0">
-                        <a:solidFill>
-                          <a:schemeClr val="tx1"/>
-                        </a:solidFill>
-                      </a:endParaRPr>
-                    </a:p>
-                  </a:txBody>
-                  <a:tcPr anchor="ctr">
-                    <a:solidFill>
-                      <a:schemeClr val="bg2">
-                        <a:lumMod val="90000"/>
-                      </a:schemeClr>
-                    </a:solidFill>
-                  </a:tcPr>
-                </a:tc>
-                <a:extLst>
-                  <a:ext uri="{0D108BD9-81ED-4DB2-BD59-A6C34878D82A}">
-                    <a16:rowId xmlns:a16="http://schemas.microsoft.com/office/drawing/2014/main" val="2403100823"/>
-                  </a:ext>
-                </a:extLst>
-              </a:tr>
-              <a:tr h="323704">
-                <a:tc>
-                  <a:txBody>
-                    <a:bodyPr/>
-                    <a:lstStyle/>
-                    <a:p>
-                      <a:pPr algn="ctr"/>
-                      <a:endParaRPr lang="ko-KR" altLang="en-US" sz="1200" b="0" dirty="0">
-                        <a:solidFill>
-                          <a:schemeClr val="bg1"/>
-                        </a:solidFill>
-                      </a:endParaRPr>
-                    </a:p>
-                  </a:txBody>
-                  <a:tcPr anchor="ctr">
-                    <a:solidFill>
-                      <a:srgbClr val="0606B1"/>
-                    </a:solidFill>
-                  </a:tcPr>
-                </a:tc>
-                <a:tc>
-                  <a:txBody>
-                    <a:bodyPr/>
-                    <a:lstStyle/>
-                    <a:p>
-                      <a:pPr algn="l" latinLnBrk="1"/>
                       <a:endParaRPr lang="ko-KR" altLang="en-US" sz="1200" b="0" dirty="0">
                         <a:solidFill>
                           <a:schemeClr val="tx1"/>
@@ -23174,7 +23258,7 @@
                   <a:srgbClr val="0606B1"/>
                 </a:solidFill>
               </a:rPr>
-              <a:t>①</a:t>
+              <a:t>②</a:t>
             </a:r>
           </a:p>
         </p:txBody>
@@ -23233,10 +23317,62 @@
       </p:sp>
       <p:sp>
         <p:nvSpPr>
-          <p:cNvPr id="5" name="TextBox 4">
+          <p:cNvPr id="7" name="직사각형 6">
             <a:extLst>
               <a:ext uri="{FF2B5EF4-FFF2-40B4-BE49-F238E27FC236}">
-                <a16:creationId xmlns:a16="http://schemas.microsoft.com/office/drawing/2014/main" id="{00C2FEBD-B469-98B7-D517-644559FAD653}"/>
+                <a16:creationId xmlns:a16="http://schemas.microsoft.com/office/drawing/2014/main" id="{4BF0D4B8-11A2-BA19-2459-D5E552A3B0EE}"/>
+              </a:ext>
+            </a:extLst>
+          </p:cNvPr>
+          <p:cNvSpPr/>
+          <p:nvPr/>
+        </p:nvSpPr>
+        <p:spPr>
+          <a:xfrm>
+            <a:off x="4562947" y="1572637"/>
+            <a:ext cx="823865" cy="479833"/>
+          </a:xfrm>
+          <a:prstGeom prst="rect">
+            <a:avLst/>
+          </a:prstGeom>
+          <a:noFill/>
+          <a:ln w="28575">
+            <a:solidFill>
+              <a:srgbClr val="FF0000"/>
+            </a:solidFill>
+          </a:ln>
+        </p:spPr>
+        <p:style>
+          <a:lnRef idx="2">
+            <a:schemeClr val="accent1">
+              <a:shade val="15000"/>
+            </a:schemeClr>
+          </a:lnRef>
+          <a:fillRef idx="1">
+            <a:schemeClr val="accent1"/>
+          </a:fillRef>
+          <a:effectRef idx="0">
+            <a:schemeClr val="accent1"/>
+          </a:effectRef>
+          <a:fontRef idx="minor">
+            <a:schemeClr val="lt1"/>
+          </a:fontRef>
+        </p:style>
+        <p:txBody>
+          <a:bodyPr rtlCol="0" anchor="ctr"/>
+          <a:lstStyle/>
+          <a:p>
+            <a:pPr algn="ctr"/>
+            <a:endParaRPr lang="ko-KR" altLang="en-US"/>
+          </a:p>
+        </p:txBody>
+      </p:sp>
+      <p:sp>
+        <p:nvSpPr>
+          <p:cNvPr id="8" name="TextBox 7">
+            <a:extLst>
+              <a:ext uri="{FF2B5EF4-FFF2-40B4-BE49-F238E27FC236}">
+                <a16:creationId xmlns:a16="http://schemas.microsoft.com/office/drawing/2014/main" id="{22AB7976-409B-AC5B-4D58-9070E4F9A26C}"/>
               </a:ext>
             </a:extLst>
           </p:cNvPr>
@@ -23245,7 +23381,7 @@
         </p:nvSpPr>
         <p:spPr>
           <a:xfrm>
-            <a:off x="592495" y="3237627"/>
+            <a:off x="4191755" y="1627887"/>
             <a:ext cx="371192" cy="369332"/>
           </a:xfrm>
           <a:prstGeom prst="rect">
@@ -23266,7 +23402,47 @@
                   <a:srgbClr val="0606B1"/>
                 </a:solidFill>
               </a:rPr>
-              <a:t>②</a:t>
+              <a:t>①</a:t>
+            </a:r>
+          </a:p>
+        </p:txBody>
+      </p:sp>
+      <p:sp>
+        <p:nvSpPr>
+          <p:cNvPr id="10" name="TextBox 9">
+            <a:extLst>
+              <a:ext uri="{FF2B5EF4-FFF2-40B4-BE49-F238E27FC236}">
+                <a16:creationId xmlns:a16="http://schemas.microsoft.com/office/drawing/2014/main" id="{81C143F9-45D8-B2F0-DD00-4E9CB39AF45C}"/>
+              </a:ext>
+            </a:extLst>
+          </p:cNvPr>
+          <p:cNvSpPr txBox="1"/>
+          <p:nvPr/>
+        </p:nvSpPr>
+        <p:spPr>
+          <a:xfrm>
+            <a:off x="592495" y="3189590"/>
+            <a:ext cx="371192" cy="369332"/>
+          </a:xfrm>
+          <a:prstGeom prst="rect">
+            <a:avLst/>
+          </a:prstGeom>
+          <a:noFill/>
+        </p:spPr>
+        <p:txBody>
+          <a:bodyPr wrap="square" rtlCol="0" anchor="ctr">
+            <a:spAutoFit/>
+          </a:bodyPr>
+          <a:lstStyle/>
+          <a:p>
+            <a:pPr algn="ctr"/>
+            <a:r>
+              <a:rPr lang="ko-KR" altLang="en-US" dirty="0">
+                <a:solidFill>
+                  <a:srgbClr val="0606B1"/>
+                </a:solidFill>
+              </a:rPr>
+              <a:t>③</a:t>
             </a:r>
           </a:p>
         </p:txBody>
@@ -24860,6 +25036,1611 @@
 </p:sld>
 </file>
 
+<file path=ppt/slides/slide12.xml><?xml version="1.0" encoding="utf-8"?>
+<p:sld xmlns:a="http://schemas.openxmlformats.org/drawingml/2006/main" xmlns:r="http://schemas.openxmlformats.org/officeDocument/2006/relationships" xmlns:p="http://schemas.openxmlformats.org/presentationml/2006/main">
+  <p:cSld>
+    <p:spTree>
+      <p:nvGrpSpPr>
+        <p:cNvPr id="1" name="">
+          <a:extLst>
+            <a:ext uri="{FF2B5EF4-FFF2-40B4-BE49-F238E27FC236}">
+              <a16:creationId xmlns:a16="http://schemas.microsoft.com/office/drawing/2014/main" id="{AF84AF95-8B27-801A-4BA4-3D400178787C}"/>
+            </a:ext>
+          </a:extLst>
+        </p:cNvPr>
+        <p:cNvGrpSpPr/>
+        <p:nvPr/>
+      </p:nvGrpSpPr>
+      <p:grpSpPr>
+        <a:xfrm>
+          <a:off x="0" y="0"/>
+          <a:ext cx="0" cy="0"/>
+          <a:chOff x="0" y="0"/>
+          <a:chExt cx="0" cy="0"/>
+        </a:xfrm>
+      </p:grpSpPr>
+      <p:graphicFrame>
+        <p:nvGraphicFramePr>
+          <p:cNvPr id="6" name="표 5">
+            <a:extLst>
+              <a:ext uri="{FF2B5EF4-FFF2-40B4-BE49-F238E27FC236}">
+                <a16:creationId xmlns:a16="http://schemas.microsoft.com/office/drawing/2014/main" id="{4729D576-D49B-BED4-3F5B-EE2DCFFFF3C9}"/>
+              </a:ext>
+            </a:extLst>
+          </p:cNvPr>
+          <p:cNvGraphicFramePr>
+            <a:graphicFrameLocks noGrp="1"/>
+          </p:cNvGraphicFramePr>
+          <p:nvPr>
+            <p:extLst>
+              <p:ext uri="{D42A27DB-BD31-4B8C-83A1-F6EECF244321}">
+                <p14:modId xmlns:p14="http://schemas.microsoft.com/office/powerpoint/2010/main" val="1126514620"/>
+              </p:ext>
+            </p:extLst>
+          </p:nvPr>
+        </p:nvGraphicFramePr>
+        <p:xfrm>
+          <a:off x="429537" y="402794"/>
+          <a:ext cx="11303754" cy="647408"/>
+        </p:xfrm>
+        <a:graphic>
+          <a:graphicData uri="http://schemas.openxmlformats.org/drawingml/2006/table">
+            <a:tbl>
+              <a:tblPr firstRow="1" bandRow="1">
+                <a:tableStyleId>{21E4AEA4-8DFA-4A89-87EB-49C32662AFE0}</a:tableStyleId>
+              </a:tblPr>
+              <a:tblGrid>
+                <a:gridCol w="1883959">
+                  <a:extLst>
+                    <a:ext uri="{9D8B030D-6E8A-4147-A177-3AD203B41FA5}">
+                      <a16:colId xmlns:a16="http://schemas.microsoft.com/office/drawing/2014/main" val="3242262009"/>
+                    </a:ext>
+                  </a:extLst>
+                </a:gridCol>
+                <a:gridCol w="1883959">
+                  <a:extLst>
+                    <a:ext uri="{9D8B030D-6E8A-4147-A177-3AD203B41FA5}">
+                      <a16:colId xmlns:a16="http://schemas.microsoft.com/office/drawing/2014/main" val="3090356556"/>
+                    </a:ext>
+                  </a:extLst>
+                </a:gridCol>
+                <a:gridCol w="1883959">
+                  <a:extLst>
+                    <a:ext uri="{9D8B030D-6E8A-4147-A177-3AD203B41FA5}">
+                      <a16:colId xmlns:a16="http://schemas.microsoft.com/office/drawing/2014/main" val="2238212506"/>
+                    </a:ext>
+                  </a:extLst>
+                </a:gridCol>
+                <a:gridCol w="1883959">
+                  <a:extLst>
+                    <a:ext uri="{9D8B030D-6E8A-4147-A177-3AD203B41FA5}">
+                      <a16:colId xmlns:a16="http://schemas.microsoft.com/office/drawing/2014/main" val="3613539704"/>
+                    </a:ext>
+                  </a:extLst>
+                </a:gridCol>
+                <a:gridCol w="1883959">
+                  <a:extLst>
+                    <a:ext uri="{9D8B030D-6E8A-4147-A177-3AD203B41FA5}">
+                      <a16:colId xmlns:a16="http://schemas.microsoft.com/office/drawing/2014/main" val="1370219426"/>
+                    </a:ext>
+                  </a:extLst>
+                </a:gridCol>
+                <a:gridCol w="1883959">
+                  <a:extLst>
+                    <a:ext uri="{9D8B030D-6E8A-4147-A177-3AD203B41FA5}">
+                      <a16:colId xmlns:a16="http://schemas.microsoft.com/office/drawing/2014/main" val="2741617997"/>
+                    </a:ext>
+                  </a:extLst>
+                </a:gridCol>
+              </a:tblGrid>
+              <a:tr h="323704">
+                <a:tc>
+                  <a:txBody>
+                    <a:bodyPr/>
+                    <a:lstStyle/>
+                    <a:p>
+                      <a:pPr algn="ctr" latinLnBrk="1"/>
+                      <a:r>
+                        <a:rPr lang="ko-KR" altLang="en-US" sz="1200" b="1" dirty="0">
+                          <a:solidFill>
+                            <a:schemeClr val="bg1"/>
+                          </a:solidFill>
+                        </a:rPr>
+                        <a:t>페이지명</a:t>
+                      </a:r>
+                    </a:p>
+                  </a:txBody>
+                  <a:tcPr anchor="ctr">
+                    <a:solidFill>
+                      <a:srgbClr val="0606B1"/>
+                    </a:solidFill>
+                  </a:tcPr>
+                </a:tc>
+                <a:tc>
+                  <a:txBody>
+                    <a:bodyPr/>
+                    <a:lstStyle/>
+                    <a:p>
+                      <a:pPr algn="ctr" latinLnBrk="1"/>
+                      <a:r>
+                        <a:rPr lang="ko-KR" altLang="en-US" sz="1200" b="1" dirty="0">
+                          <a:solidFill>
+                            <a:schemeClr val="tx1"/>
+                          </a:solidFill>
+                        </a:rPr>
+                        <a:t>장바구니</a:t>
+                      </a:r>
+                    </a:p>
+                  </a:txBody>
+                  <a:tcPr anchor="ctr">
+                    <a:solidFill>
+                      <a:schemeClr val="bg2">
+                        <a:lumMod val="90000"/>
+                      </a:schemeClr>
+                    </a:solidFill>
+                  </a:tcPr>
+                </a:tc>
+                <a:tc>
+                  <a:txBody>
+                    <a:bodyPr/>
+                    <a:lstStyle/>
+                    <a:p>
+                      <a:pPr algn="ctr" latinLnBrk="1"/>
+                      <a:r>
+                        <a:rPr lang="ko-KR" altLang="en-US" sz="1200" b="1" dirty="0">
+                          <a:solidFill>
+                            <a:schemeClr val="bg1"/>
+                          </a:solidFill>
+                        </a:rPr>
+                        <a:t>담당자</a:t>
+                      </a:r>
+                    </a:p>
+                  </a:txBody>
+                  <a:tcPr anchor="ctr">
+                    <a:solidFill>
+                      <a:srgbClr val="0606B1"/>
+                    </a:solidFill>
+                  </a:tcPr>
+                </a:tc>
+                <a:tc>
+                  <a:txBody>
+                    <a:bodyPr/>
+                    <a:lstStyle/>
+                    <a:p>
+                      <a:pPr algn="ctr" latinLnBrk="1"/>
+                      <a:endParaRPr lang="ko-KR" altLang="en-US" sz="1200" b="1" dirty="0">
+                        <a:solidFill>
+                          <a:schemeClr val="tx1"/>
+                        </a:solidFill>
+                      </a:endParaRPr>
+                    </a:p>
+                  </a:txBody>
+                  <a:tcPr anchor="ctr">
+                    <a:solidFill>
+                      <a:schemeClr val="bg2">
+                        <a:lumMod val="90000"/>
+                      </a:schemeClr>
+                    </a:solidFill>
+                  </a:tcPr>
+                </a:tc>
+                <a:tc>
+                  <a:txBody>
+                    <a:bodyPr/>
+                    <a:lstStyle/>
+                    <a:p>
+                      <a:pPr algn="ctr" latinLnBrk="1"/>
+                      <a:r>
+                        <a:rPr lang="ko-KR" altLang="en-US" sz="1200" b="1" dirty="0">
+                          <a:solidFill>
+                            <a:schemeClr val="bg1"/>
+                          </a:solidFill>
+                        </a:rPr>
+                        <a:t>작성일자</a:t>
+                      </a:r>
+                    </a:p>
+                  </a:txBody>
+                  <a:tcPr anchor="ctr">
+                    <a:solidFill>
+                      <a:srgbClr val="0606B1"/>
+                    </a:solidFill>
+                  </a:tcPr>
+                </a:tc>
+                <a:tc>
+                  <a:txBody>
+                    <a:bodyPr/>
+                    <a:lstStyle/>
+                    <a:p>
+                      <a:pPr algn="ctr" latinLnBrk="1"/>
+                      <a:r>
+                        <a:rPr lang="en-US" altLang="ko-KR" sz="1200" b="1" dirty="0">
+                          <a:solidFill>
+                            <a:schemeClr val="tx1"/>
+                          </a:solidFill>
+                        </a:rPr>
+                        <a:t>2025-10-28</a:t>
+                      </a:r>
+                      <a:endParaRPr lang="ko-KR" altLang="en-US" sz="1200" b="1" dirty="0">
+                        <a:solidFill>
+                          <a:schemeClr val="tx1"/>
+                        </a:solidFill>
+                      </a:endParaRPr>
+                    </a:p>
+                  </a:txBody>
+                  <a:tcPr anchor="ctr">
+                    <a:solidFill>
+                      <a:schemeClr val="bg2">
+                        <a:lumMod val="90000"/>
+                      </a:schemeClr>
+                    </a:solidFill>
+                  </a:tcPr>
+                </a:tc>
+                <a:extLst>
+                  <a:ext uri="{0D108BD9-81ED-4DB2-BD59-A6C34878D82A}">
+                    <a16:rowId xmlns:a16="http://schemas.microsoft.com/office/drawing/2014/main" val="3368404299"/>
+                  </a:ext>
+                </a:extLst>
+              </a:tr>
+              <a:tr h="323704">
+                <a:tc>
+                  <a:txBody>
+                    <a:bodyPr/>
+                    <a:lstStyle/>
+                    <a:p>
+                      <a:pPr algn="ctr" latinLnBrk="1"/>
+                      <a:r>
+                        <a:rPr lang="ko-KR" altLang="en-US" sz="1200" b="1" dirty="0">
+                          <a:solidFill>
+                            <a:schemeClr val="bg1"/>
+                          </a:solidFill>
+                        </a:rPr>
+                        <a:t>단위 업무</a:t>
+                      </a:r>
+                    </a:p>
+                  </a:txBody>
+                  <a:tcPr anchor="ctr">
+                    <a:solidFill>
+                      <a:srgbClr val="0606B1"/>
+                    </a:solidFill>
+                  </a:tcPr>
+                </a:tc>
+                <a:tc>
+                  <a:txBody>
+                    <a:bodyPr/>
+                    <a:lstStyle/>
+                    <a:p>
+                      <a:pPr algn="ctr" latinLnBrk="1"/>
+                      <a:endParaRPr lang="ko-KR" altLang="en-US" sz="1200" b="1" dirty="0">
+                        <a:solidFill>
+                          <a:schemeClr val="tx1"/>
+                        </a:solidFill>
+                      </a:endParaRPr>
+                    </a:p>
+                  </a:txBody>
+                  <a:tcPr anchor="ctr">
+                    <a:solidFill>
+                      <a:schemeClr val="bg2">
+                        <a:lumMod val="90000"/>
+                      </a:schemeClr>
+                    </a:solidFill>
+                  </a:tcPr>
+                </a:tc>
+                <a:tc>
+                  <a:txBody>
+                    <a:bodyPr/>
+                    <a:lstStyle/>
+                    <a:p>
+                      <a:pPr algn="ctr" latinLnBrk="1"/>
+                      <a:r>
+                        <a:rPr lang="ko-KR" altLang="en-US" sz="1200" b="1" dirty="0">
+                          <a:solidFill>
+                            <a:schemeClr val="bg1"/>
+                          </a:solidFill>
+                        </a:rPr>
+                        <a:t>디렉토리</a:t>
+                      </a:r>
+                      <a:endParaRPr lang="en-US" altLang="ko-KR" sz="1200" b="1" dirty="0">
+                        <a:solidFill>
+                          <a:schemeClr val="bg1"/>
+                        </a:solidFill>
+                      </a:endParaRPr>
+                    </a:p>
+                  </a:txBody>
+                  <a:tcPr anchor="ctr">
+                    <a:solidFill>
+                      <a:srgbClr val="0606B1"/>
+                    </a:solidFill>
+                  </a:tcPr>
+                </a:tc>
+                <a:tc gridSpan="3">
+                  <a:txBody>
+                    <a:bodyPr/>
+                    <a:lstStyle/>
+                    <a:p>
+                      <a:pPr algn="ctr" latinLnBrk="1"/>
+                      <a:endParaRPr lang="en-US" altLang="ko-KR" sz="1200" b="1" dirty="0">
+                        <a:solidFill>
+                          <a:schemeClr val="tx1"/>
+                        </a:solidFill>
+                      </a:endParaRPr>
+                    </a:p>
+                  </a:txBody>
+                  <a:tcPr anchor="ctr">
+                    <a:solidFill>
+                      <a:schemeClr val="bg2">
+                        <a:lumMod val="90000"/>
+                      </a:schemeClr>
+                    </a:solidFill>
+                  </a:tcPr>
+                </a:tc>
+                <a:tc hMerge="1">
+                  <a:txBody>
+                    <a:bodyPr/>
+                    <a:lstStyle/>
+                    <a:p>
+                      <a:pPr algn="ctr" latinLnBrk="1"/>
+                      <a:endParaRPr lang="ko-KR" altLang="en-US" sz="1200" b="1" dirty="0">
+                        <a:solidFill>
+                          <a:schemeClr val="bg1"/>
+                        </a:solidFill>
+                      </a:endParaRPr>
+                    </a:p>
+                  </a:txBody>
+                  <a:tcPr>
+                    <a:solidFill>
+                      <a:srgbClr val="0606B1"/>
+                    </a:solidFill>
+                  </a:tcPr>
+                </a:tc>
+                <a:tc hMerge="1">
+                  <a:txBody>
+                    <a:bodyPr/>
+                    <a:lstStyle/>
+                    <a:p>
+                      <a:pPr algn="ctr" latinLnBrk="1"/>
+                      <a:endParaRPr lang="ko-KR" altLang="en-US" sz="1200" b="1" dirty="0">
+                        <a:solidFill>
+                          <a:schemeClr val="tx1"/>
+                        </a:solidFill>
+                      </a:endParaRPr>
+                    </a:p>
+                  </a:txBody>
+                  <a:tcPr>
+                    <a:solidFill>
+                      <a:schemeClr val="bg2">
+                        <a:lumMod val="90000"/>
+                      </a:schemeClr>
+                    </a:solidFill>
+                  </a:tcPr>
+                </a:tc>
+                <a:extLst>
+                  <a:ext uri="{0D108BD9-81ED-4DB2-BD59-A6C34878D82A}">
+                    <a16:rowId xmlns:a16="http://schemas.microsoft.com/office/drawing/2014/main" val="2463675469"/>
+                  </a:ext>
+                </a:extLst>
+              </a:tr>
+            </a:tbl>
+          </a:graphicData>
+        </a:graphic>
+      </p:graphicFrame>
+      <p:graphicFrame>
+        <p:nvGraphicFramePr>
+          <p:cNvPr id="9" name="표 8">
+            <a:extLst>
+              <a:ext uri="{FF2B5EF4-FFF2-40B4-BE49-F238E27FC236}">
+                <a16:creationId xmlns:a16="http://schemas.microsoft.com/office/drawing/2014/main" id="{2A60CBD6-B44E-9862-E43D-B020D35185C6}"/>
+              </a:ext>
+            </a:extLst>
+          </p:cNvPr>
+          <p:cNvGraphicFramePr>
+            <a:graphicFrameLocks noGrp="1"/>
+          </p:cNvGraphicFramePr>
+          <p:nvPr>
+            <p:extLst>
+              <p:ext uri="{D42A27DB-BD31-4B8C-83A1-F6EECF244321}">
+                <p14:modId xmlns:p14="http://schemas.microsoft.com/office/powerpoint/2010/main" val="3486965327"/>
+              </p:ext>
+            </p:extLst>
+          </p:nvPr>
+        </p:nvGraphicFramePr>
+        <p:xfrm>
+          <a:off x="7981385" y="1246204"/>
+          <a:ext cx="3751906" cy="2265928"/>
+        </p:xfrm>
+        <a:graphic>
+          <a:graphicData uri="http://schemas.openxmlformats.org/drawingml/2006/table">
+            <a:tbl>
+              <a:tblPr firstRow="1" bandRow="1">
+                <a:tableStyleId>{21E4AEA4-8DFA-4A89-87EB-49C32662AFE0}</a:tableStyleId>
+              </a:tblPr>
+              <a:tblGrid>
+                <a:gridCol w="347803">
+                  <a:extLst>
+                    <a:ext uri="{9D8B030D-6E8A-4147-A177-3AD203B41FA5}">
+                      <a16:colId xmlns:a16="http://schemas.microsoft.com/office/drawing/2014/main" val="3158124838"/>
+                    </a:ext>
+                  </a:extLst>
+                </a:gridCol>
+                <a:gridCol w="3404103">
+                  <a:extLst>
+                    <a:ext uri="{9D8B030D-6E8A-4147-A177-3AD203B41FA5}">
+                      <a16:colId xmlns:a16="http://schemas.microsoft.com/office/drawing/2014/main" val="1481499720"/>
+                    </a:ext>
+                  </a:extLst>
+                </a:gridCol>
+              </a:tblGrid>
+              <a:tr h="323704">
+                <a:tc gridSpan="2">
+                  <a:txBody>
+                    <a:bodyPr/>
+                    <a:lstStyle/>
+                    <a:p>
+                      <a:pPr algn="ctr" latinLnBrk="1"/>
+                      <a:r>
+                        <a:rPr lang="ko-KR" altLang="en-US" sz="1000" b="1" dirty="0">
+                          <a:solidFill>
+                            <a:schemeClr val="bg1"/>
+                          </a:solidFill>
+                        </a:rPr>
+                        <a:t>화면 설계</a:t>
+                      </a:r>
+                    </a:p>
+                  </a:txBody>
+                  <a:tcPr anchor="ctr">
+                    <a:solidFill>
+                      <a:srgbClr val="0606B1"/>
+                    </a:solidFill>
+                  </a:tcPr>
+                </a:tc>
+                <a:tc hMerge="1">
+                  <a:txBody>
+                    <a:bodyPr/>
+                    <a:lstStyle/>
+                    <a:p>
+                      <a:pPr latinLnBrk="1"/>
+                      <a:endParaRPr lang="ko-KR" altLang="en-US"/>
+                    </a:p>
+                  </a:txBody>
+                  <a:tcPr/>
+                </a:tc>
+                <a:extLst>
+                  <a:ext uri="{0D108BD9-81ED-4DB2-BD59-A6C34878D82A}">
+                    <a16:rowId xmlns:a16="http://schemas.microsoft.com/office/drawing/2014/main" val="2929313486"/>
+                  </a:ext>
+                </a:extLst>
+              </a:tr>
+              <a:tr h="323704">
+                <a:tc>
+                  <a:txBody>
+                    <a:bodyPr/>
+                    <a:lstStyle/>
+                    <a:p>
+                      <a:pPr algn="ctr" latinLnBrk="1"/>
+                      <a:r>
+                        <a:rPr lang="en-US" altLang="ko-KR" sz="1200" b="0" dirty="0">
+                          <a:solidFill>
+                            <a:schemeClr val="bg1"/>
+                          </a:solidFill>
+                        </a:rPr>
+                        <a:t>1</a:t>
+                      </a:r>
+                      <a:endParaRPr lang="ko-KR" altLang="en-US" sz="1200" b="0" dirty="0">
+                        <a:solidFill>
+                          <a:schemeClr val="bg1"/>
+                        </a:solidFill>
+                      </a:endParaRPr>
+                    </a:p>
+                  </a:txBody>
+                  <a:tcPr anchor="ctr">
+                    <a:solidFill>
+                      <a:srgbClr val="0606B1"/>
+                    </a:solidFill>
+                  </a:tcPr>
+                </a:tc>
+                <a:tc>
+                  <a:txBody>
+                    <a:bodyPr/>
+                    <a:lstStyle/>
+                    <a:p>
+                      <a:pPr algn="l" latinLnBrk="1"/>
+                      <a:r>
+                        <a:rPr lang="ko-KR" altLang="en-US" sz="1200" b="0" dirty="0">
+                          <a:solidFill>
+                            <a:schemeClr val="tx1"/>
+                          </a:solidFill>
+                        </a:rPr>
+                        <a:t>장바구니</a:t>
+                      </a:r>
+                    </a:p>
+                  </a:txBody>
+                  <a:tcPr anchor="ctr">
+                    <a:solidFill>
+                      <a:schemeClr val="bg2">
+                        <a:lumMod val="90000"/>
+                      </a:schemeClr>
+                    </a:solidFill>
+                  </a:tcPr>
+                </a:tc>
+                <a:extLst>
+                  <a:ext uri="{0D108BD9-81ED-4DB2-BD59-A6C34878D82A}">
+                    <a16:rowId xmlns:a16="http://schemas.microsoft.com/office/drawing/2014/main" val="327929392"/>
+                  </a:ext>
+                </a:extLst>
+              </a:tr>
+              <a:tr h="323704">
+                <a:tc>
+                  <a:txBody>
+                    <a:bodyPr/>
+                    <a:lstStyle/>
+                    <a:p>
+                      <a:pPr algn="ctr" latinLnBrk="1"/>
+                      <a:r>
+                        <a:rPr lang="en-US" altLang="ko-KR" sz="1200" b="0" dirty="0">
+                          <a:solidFill>
+                            <a:schemeClr val="bg1"/>
+                          </a:solidFill>
+                        </a:rPr>
+                        <a:t>2</a:t>
+                      </a:r>
+                      <a:endParaRPr lang="ko-KR" altLang="en-US" sz="1200" b="0" dirty="0">
+                        <a:solidFill>
+                          <a:schemeClr val="bg1"/>
+                        </a:solidFill>
+                      </a:endParaRPr>
+                    </a:p>
+                  </a:txBody>
+                  <a:tcPr anchor="ctr">
+                    <a:solidFill>
+                      <a:srgbClr val="0606B1"/>
+                    </a:solidFill>
+                  </a:tcPr>
+                </a:tc>
+                <a:tc>
+                  <a:txBody>
+                    <a:bodyPr/>
+                    <a:lstStyle/>
+                    <a:p>
+                      <a:pPr algn="l" latinLnBrk="1"/>
+                      <a:r>
+                        <a:rPr lang="ko-KR" altLang="en-US" sz="1200" b="0" dirty="0">
+                          <a:solidFill>
+                            <a:schemeClr val="tx1"/>
+                          </a:solidFill>
+                        </a:rPr>
+                        <a:t>장바구니 리스트</a:t>
+                      </a:r>
+                      <a:r>
+                        <a:rPr lang="en-US" altLang="ko-KR" sz="1200" b="0" dirty="0">
+                          <a:solidFill>
+                            <a:schemeClr val="tx1"/>
+                          </a:solidFill>
+                        </a:rPr>
+                        <a:t>(</a:t>
+                      </a:r>
+                      <a:r>
+                        <a:rPr lang="ko-KR" altLang="en-US" sz="1200" b="0" dirty="0">
+                          <a:solidFill>
+                            <a:schemeClr val="tx1"/>
+                          </a:solidFill>
+                        </a:rPr>
+                        <a:t>수량 조절 가능</a:t>
+                      </a:r>
+                      <a:r>
+                        <a:rPr lang="en-US" altLang="ko-KR" sz="1200" b="0" dirty="0">
+                          <a:solidFill>
+                            <a:schemeClr val="tx1"/>
+                          </a:solidFill>
+                        </a:rPr>
+                        <a:t>)</a:t>
+                      </a:r>
+                      <a:endParaRPr lang="ko-KR" altLang="en-US" sz="1200" b="0" dirty="0">
+                        <a:solidFill>
+                          <a:schemeClr val="tx1"/>
+                        </a:solidFill>
+                      </a:endParaRPr>
+                    </a:p>
+                  </a:txBody>
+                  <a:tcPr anchor="ctr">
+                    <a:solidFill>
+                      <a:schemeClr val="bg2">
+                        <a:lumMod val="90000"/>
+                      </a:schemeClr>
+                    </a:solidFill>
+                  </a:tcPr>
+                </a:tc>
+                <a:extLst>
+                  <a:ext uri="{0D108BD9-81ED-4DB2-BD59-A6C34878D82A}">
+                    <a16:rowId xmlns:a16="http://schemas.microsoft.com/office/drawing/2014/main" val="3645964331"/>
+                  </a:ext>
+                </a:extLst>
+              </a:tr>
+              <a:tr h="323704">
+                <a:tc>
+                  <a:txBody>
+                    <a:bodyPr/>
+                    <a:lstStyle/>
+                    <a:p>
+                      <a:pPr algn="ctr" latinLnBrk="1"/>
+                      <a:r>
+                        <a:rPr lang="en-US" altLang="ko-KR" sz="1200" b="0" dirty="0">
+                          <a:solidFill>
+                            <a:schemeClr val="bg1"/>
+                          </a:solidFill>
+                        </a:rPr>
+                        <a:t>3</a:t>
+                      </a:r>
+                      <a:endParaRPr lang="ko-KR" altLang="en-US" sz="1200" b="0" dirty="0">
+                        <a:solidFill>
+                          <a:schemeClr val="bg1"/>
+                        </a:solidFill>
+                      </a:endParaRPr>
+                    </a:p>
+                  </a:txBody>
+                  <a:tcPr anchor="ctr">
+                    <a:solidFill>
+                      <a:srgbClr val="0606B1"/>
+                    </a:solidFill>
+                  </a:tcPr>
+                </a:tc>
+                <a:tc>
+                  <a:txBody>
+                    <a:bodyPr/>
+                    <a:lstStyle/>
+                    <a:p>
+                      <a:pPr algn="l" latinLnBrk="1"/>
+                      <a:r>
+                        <a:rPr lang="ko-KR" altLang="en-US" sz="1200" b="0" dirty="0">
+                          <a:solidFill>
+                            <a:schemeClr val="tx1"/>
+                          </a:solidFill>
+                        </a:rPr>
+                        <a:t>구매</a:t>
+                      </a:r>
+                    </a:p>
+                  </a:txBody>
+                  <a:tcPr anchor="ctr">
+                    <a:solidFill>
+                      <a:schemeClr val="bg2">
+                        <a:lumMod val="90000"/>
+                      </a:schemeClr>
+                    </a:solidFill>
+                  </a:tcPr>
+                </a:tc>
+                <a:extLst>
+                  <a:ext uri="{0D108BD9-81ED-4DB2-BD59-A6C34878D82A}">
+                    <a16:rowId xmlns:a16="http://schemas.microsoft.com/office/drawing/2014/main" val="3551319414"/>
+                  </a:ext>
+                </a:extLst>
+              </a:tr>
+              <a:tr h="323704">
+                <a:tc>
+                  <a:txBody>
+                    <a:bodyPr/>
+                    <a:lstStyle/>
+                    <a:p>
+                      <a:pPr algn="ctr" latinLnBrk="1"/>
+                      <a:endParaRPr lang="ko-KR" altLang="en-US" sz="1200" b="0" dirty="0">
+                        <a:solidFill>
+                          <a:schemeClr val="bg1"/>
+                        </a:solidFill>
+                      </a:endParaRPr>
+                    </a:p>
+                  </a:txBody>
+                  <a:tcPr anchor="ctr">
+                    <a:solidFill>
+                      <a:srgbClr val="0606B1"/>
+                    </a:solidFill>
+                  </a:tcPr>
+                </a:tc>
+                <a:tc>
+                  <a:txBody>
+                    <a:bodyPr/>
+                    <a:lstStyle/>
+                    <a:p>
+                      <a:pPr algn="l" latinLnBrk="1"/>
+                      <a:endParaRPr lang="ko-KR" altLang="en-US" sz="1200" b="0" dirty="0">
+                        <a:solidFill>
+                          <a:schemeClr val="tx1"/>
+                        </a:solidFill>
+                      </a:endParaRPr>
+                    </a:p>
+                  </a:txBody>
+                  <a:tcPr anchor="ctr">
+                    <a:solidFill>
+                      <a:schemeClr val="bg2">
+                        <a:lumMod val="90000"/>
+                      </a:schemeClr>
+                    </a:solidFill>
+                  </a:tcPr>
+                </a:tc>
+                <a:extLst>
+                  <a:ext uri="{0D108BD9-81ED-4DB2-BD59-A6C34878D82A}">
+                    <a16:rowId xmlns:a16="http://schemas.microsoft.com/office/drawing/2014/main" val="2280189527"/>
+                  </a:ext>
+                </a:extLst>
+              </a:tr>
+              <a:tr h="323704">
+                <a:tc>
+                  <a:txBody>
+                    <a:bodyPr/>
+                    <a:lstStyle/>
+                    <a:p>
+                      <a:pPr algn="ctr" latinLnBrk="1"/>
+                      <a:endParaRPr lang="ko-KR" altLang="en-US" sz="1200" b="0" dirty="0">
+                        <a:solidFill>
+                          <a:schemeClr val="bg1"/>
+                        </a:solidFill>
+                      </a:endParaRPr>
+                    </a:p>
+                  </a:txBody>
+                  <a:tcPr anchor="ctr">
+                    <a:solidFill>
+                      <a:srgbClr val="0606B1"/>
+                    </a:solidFill>
+                  </a:tcPr>
+                </a:tc>
+                <a:tc>
+                  <a:txBody>
+                    <a:bodyPr/>
+                    <a:lstStyle/>
+                    <a:p>
+                      <a:pPr algn="l" latinLnBrk="1"/>
+                      <a:endParaRPr lang="ko-KR" altLang="en-US" sz="1200" b="0" dirty="0">
+                        <a:solidFill>
+                          <a:schemeClr val="tx1"/>
+                        </a:solidFill>
+                      </a:endParaRPr>
+                    </a:p>
+                  </a:txBody>
+                  <a:tcPr anchor="ctr">
+                    <a:solidFill>
+                      <a:schemeClr val="bg2">
+                        <a:lumMod val="90000"/>
+                      </a:schemeClr>
+                    </a:solidFill>
+                  </a:tcPr>
+                </a:tc>
+                <a:extLst>
+                  <a:ext uri="{0D108BD9-81ED-4DB2-BD59-A6C34878D82A}">
+                    <a16:rowId xmlns:a16="http://schemas.microsoft.com/office/drawing/2014/main" val="3648478182"/>
+                  </a:ext>
+                </a:extLst>
+              </a:tr>
+              <a:tr h="323704">
+                <a:tc>
+                  <a:txBody>
+                    <a:bodyPr/>
+                    <a:lstStyle/>
+                    <a:p>
+                      <a:pPr algn="ctr" latinLnBrk="1"/>
+                      <a:endParaRPr lang="ko-KR" altLang="en-US" sz="1200" b="0" dirty="0">
+                        <a:solidFill>
+                          <a:schemeClr val="bg1"/>
+                        </a:solidFill>
+                      </a:endParaRPr>
+                    </a:p>
+                  </a:txBody>
+                  <a:tcPr anchor="ctr">
+                    <a:solidFill>
+                      <a:srgbClr val="0606B1"/>
+                    </a:solidFill>
+                  </a:tcPr>
+                </a:tc>
+                <a:tc>
+                  <a:txBody>
+                    <a:bodyPr/>
+                    <a:lstStyle/>
+                    <a:p>
+                      <a:pPr algn="l" latinLnBrk="1"/>
+                      <a:endParaRPr lang="ko-KR" altLang="en-US" sz="1200" b="0" dirty="0">
+                        <a:solidFill>
+                          <a:schemeClr val="tx1"/>
+                        </a:solidFill>
+                      </a:endParaRPr>
+                    </a:p>
+                  </a:txBody>
+                  <a:tcPr anchor="ctr">
+                    <a:solidFill>
+                      <a:schemeClr val="bg2">
+                        <a:lumMod val="90000"/>
+                      </a:schemeClr>
+                    </a:solidFill>
+                  </a:tcPr>
+                </a:tc>
+                <a:extLst>
+                  <a:ext uri="{0D108BD9-81ED-4DB2-BD59-A6C34878D82A}">
+                    <a16:rowId xmlns:a16="http://schemas.microsoft.com/office/drawing/2014/main" val="446722239"/>
+                  </a:ext>
+                </a:extLst>
+              </a:tr>
+            </a:tbl>
+          </a:graphicData>
+        </a:graphic>
+      </p:graphicFrame>
+      <p:graphicFrame>
+        <p:nvGraphicFramePr>
+          <p:cNvPr id="11" name="표 10">
+            <a:extLst>
+              <a:ext uri="{FF2B5EF4-FFF2-40B4-BE49-F238E27FC236}">
+                <a16:creationId xmlns:a16="http://schemas.microsoft.com/office/drawing/2014/main" id="{E255F07D-B30D-1800-AB31-8D44C5D7ABED}"/>
+              </a:ext>
+            </a:extLst>
+          </p:cNvPr>
+          <p:cNvGraphicFramePr>
+            <a:graphicFrameLocks noGrp="1"/>
+          </p:cNvGraphicFramePr>
+          <p:nvPr>
+            <p:extLst>
+              <p:ext uri="{D42A27DB-BD31-4B8C-83A1-F6EECF244321}">
+                <p14:modId xmlns:p14="http://schemas.microsoft.com/office/powerpoint/2010/main" val="451968216"/>
+              </p:ext>
+            </p:extLst>
+          </p:nvPr>
+        </p:nvGraphicFramePr>
+        <p:xfrm>
+          <a:off x="7981385" y="3708134"/>
+          <a:ext cx="3751906" cy="2265928"/>
+        </p:xfrm>
+        <a:graphic>
+          <a:graphicData uri="http://schemas.openxmlformats.org/drawingml/2006/table">
+            <a:tbl>
+              <a:tblPr firstRow="1" bandRow="1">
+                <a:tableStyleId>{21E4AEA4-8DFA-4A89-87EB-49C32662AFE0}</a:tableStyleId>
+              </a:tblPr>
+              <a:tblGrid>
+                <a:gridCol w="347803">
+                  <a:extLst>
+                    <a:ext uri="{9D8B030D-6E8A-4147-A177-3AD203B41FA5}">
+                      <a16:colId xmlns:a16="http://schemas.microsoft.com/office/drawing/2014/main" val="1561798973"/>
+                    </a:ext>
+                  </a:extLst>
+                </a:gridCol>
+                <a:gridCol w="3404103">
+                  <a:extLst>
+                    <a:ext uri="{9D8B030D-6E8A-4147-A177-3AD203B41FA5}">
+                      <a16:colId xmlns:a16="http://schemas.microsoft.com/office/drawing/2014/main" val="551442296"/>
+                    </a:ext>
+                  </a:extLst>
+                </a:gridCol>
+              </a:tblGrid>
+              <a:tr h="323704">
+                <a:tc gridSpan="2">
+                  <a:txBody>
+                    <a:bodyPr/>
+                    <a:lstStyle/>
+                    <a:p>
+                      <a:pPr algn="ctr" latinLnBrk="1"/>
+                      <a:r>
+                        <a:rPr lang="ko-KR" altLang="en-US" sz="1000" b="1" dirty="0">
+                          <a:solidFill>
+                            <a:schemeClr val="bg1"/>
+                          </a:solidFill>
+                        </a:rPr>
+                        <a:t>개발 사항</a:t>
+                      </a:r>
+                    </a:p>
+                  </a:txBody>
+                  <a:tcPr anchor="ctr">
+                    <a:solidFill>
+                      <a:srgbClr val="0606B1"/>
+                    </a:solidFill>
+                  </a:tcPr>
+                </a:tc>
+                <a:tc hMerge="1">
+                  <a:txBody>
+                    <a:bodyPr/>
+                    <a:lstStyle/>
+                    <a:p>
+                      <a:pPr latinLnBrk="1"/>
+                      <a:endParaRPr lang="ko-KR" altLang="en-US"/>
+                    </a:p>
+                  </a:txBody>
+                  <a:tcPr/>
+                </a:tc>
+                <a:extLst>
+                  <a:ext uri="{0D108BD9-81ED-4DB2-BD59-A6C34878D82A}">
+                    <a16:rowId xmlns:a16="http://schemas.microsoft.com/office/drawing/2014/main" val="4015230081"/>
+                  </a:ext>
+                </a:extLst>
+              </a:tr>
+              <a:tr h="323704">
+                <a:tc>
+                  <a:txBody>
+                    <a:bodyPr/>
+                    <a:lstStyle/>
+                    <a:p>
+                      <a:pPr algn="ctr"/>
+                      <a:r>
+                        <a:rPr lang="en-US" altLang="ko-KR" sz="1200" b="0" dirty="0">
+                          <a:solidFill>
+                            <a:schemeClr val="bg1"/>
+                          </a:solidFill>
+                        </a:rPr>
+                        <a:t>1</a:t>
+                      </a:r>
+                      <a:endParaRPr lang="ko-KR" altLang="en-US" sz="1200" b="0" dirty="0">
+                        <a:solidFill>
+                          <a:schemeClr val="bg1"/>
+                        </a:solidFill>
+                      </a:endParaRPr>
+                    </a:p>
+                  </a:txBody>
+                  <a:tcPr anchor="ctr">
+                    <a:solidFill>
+                      <a:srgbClr val="0606B1"/>
+                    </a:solidFill>
+                  </a:tcPr>
+                </a:tc>
+                <a:tc>
+                  <a:txBody>
+                    <a:bodyPr/>
+                    <a:lstStyle/>
+                    <a:p>
+                      <a:pPr marL="0" marR="0" lvl="0" indent="0" algn="l" defTabSz="914400" rtl="0" eaLnBrk="1" fontAlgn="auto" latinLnBrk="1" hangingPunct="1">
+                        <a:lnSpc>
+                          <a:spcPct val="100000"/>
+                        </a:lnSpc>
+                        <a:spcBef>
+                          <a:spcPts val="0"/>
+                        </a:spcBef>
+                        <a:spcAft>
+                          <a:spcPts val="0"/>
+                        </a:spcAft>
+                        <a:buClrTx/>
+                        <a:buSzTx/>
+                        <a:buFontTx/>
+                        <a:buNone/>
+                        <a:tabLst/>
+                        <a:defRPr/>
+                      </a:pPr>
+                      <a:r>
+                        <a:rPr lang="ko-KR" altLang="en-US" sz="1200" b="0" dirty="0">
+                          <a:solidFill>
+                            <a:schemeClr val="tx1"/>
+                          </a:solidFill>
+                        </a:rPr>
+                        <a:t>장바구니 내역 표시</a:t>
+                      </a:r>
+                    </a:p>
+                  </a:txBody>
+                  <a:tcPr anchor="ctr">
+                    <a:solidFill>
+                      <a:schemeClr val="bg2">
+                        <a:lumMod val="90000"/>
+                      </a:schemeClr>
+                    </a:solidFill>
+                  </a:tcPr>
+                </a:tc>
+                <a:extLst>
+                  <a:ext uri="{0D108BD9-81ED-4DB2-BD59-A6C34878D82A}">
+                    <a16:rowId xmlns:a16="http://schemas.microsoft.com/office/drawing/2014/main" val="346920378"/>
+                  </a:ext>
+                </a:extLst>
+              </a:tr>
+              <a:tr h="323704">
+                <a:tc>
+                  <a:txBody>
+                    <a:bodyPr/>
+                    <a:lstStyle/>
+                    <a:p>
+                      <a:pPr algn="ctr"/>
+                      <a:r>
+                        <a:rPr lang="en-US" altLang="ko-KR" sz="1200" b="0" dirty="0">
+                          <a:solidFill>
+                            <a:schemeClr val="bg1"/>
+                          </a:solidFill>
+                        </a:rPr>
+                        <a:t>2</a:t>
+                      </a:r>
+                      <a:endParaRPr lang="ko-KR" altLang="en-US" sz="1200" b="0" dirty="0">
+                        <a:solidFill>
+                          <a:schemeClr val="bg1"/>
+                        </a:solidFill>
+                      </a:endParaRPr>
+                    </a:p>
+                  </a:txBody>
+                  <a:tcPr anchor="ctr">
+                    <a:solidFill>
+                      <a:srgbClr val="0606B1"/>
+                    </a:solidFill>
+                  </a:tcPr>
+                </a:tc>
+                <a:tc>
+                  <a:txBody>
+                    <a:bodyPr/>
+                    <a:lstStyle/>
+                    <a:p>
+                      <a:pPr marL="0" marR="0" lvl="0" indent="0" algn="l" defTabSz="914400" rtl="0" eaLnBrk="1" fontAlgn="auto" latinLnBrk="1" hangingPunct="1">
+                        <a:lnSpc>
+                          <a:spcPct val="100000"/>
+                        </a:lnSpc>
+                        <a:spcBef>
+                          <a:spcPts val="0"/>
+                        </a:spcBef>
+                        <a:spcAft>
+                          <a:spcPts val="0"/>
+                        </a:spcAft>
+                        <a:buClrTx/>
+                        <a:buSzTx/>
+                        <a:buFontTx/>
+                        <a:buNone/>
+                        <a:tabLst/>
+                        <a:defRPr/>
+                      </a:pPr>
+                      <a:r>
+                        <a:rPr lang="ko-KR" altLang="en-US" sz="1200" b="0" dirty="0">
+                          <a:solidFill>
+                            <a:schemeClr val="tx1"/>
+                          </a:solidFill>
+                        </a:rPr>
+                        <a:t>장바구니의 수량 조절 기능 추가</a:t>
+                      </a:r>
+                    </a:p>
+                  </a:txBody>
+                  <a:tcPr anchor="ctr">
+                    <a:solidFill>
+                      <a:schemeClr val="bg2">
+                        <a:lumMod val="90000"/>
+                      </a:schemeClr>
+                    </a:solidFill>
+                  </a:tcPr>
+                </a:tc>
+                <a:extLst>
+                  <a:ext uri="{0D108BD9-81ED-4DB2-BD59-A6C34878D82A}">
+                    <a16:rowId xmlns:a16="http://schemas.microsoft.com/office/drawing/2014/main" val="2403100823"/>
+                  </a:ext>
+                </a:extLst>
+              </a:tr>
+              <a:tr h="323704">
+                <a:tc>
+                  <a:txBody>
+                    <a:bodyPr/>
+                    <a:lstStyle/>
+                    <a:p>
+                      <a:pPr algn="ctr"/>
+                      <a:r>
+                        <a:rPr lang="en-US" altLang="ko-KR" sz="1200" b="0" dirty="0">
+                          <a:solidFill>
+                            <a:schemeClr val="bg1"/>
+                          </a:solidFill>
+                        </a:rPr>
+                        <a:t>3</a:t>
+                      </a:r>
+                      <a:endParaRPr lang="ko-KR" altLang="en-US" sz="1200" b="0" dirty="0">
+                        <a:solidFill>
+                          <a:schemeClr val="bg1"/>
+                        </a:solidFill>
+                      </a:endParaRPr>
+                    </a:p>
+                  </a:txBody>
+                  <a:tcPr anchor="ctr">
+                    <a:solidFill>
+                      <a:srgbClr val="0606B1"/>
+                    </a:solidFill>
+                  </a:tcPr>
+                </a:tc>
+                <a:tc>
+                  <a:txBody>
+                    <a:bodyPr/>
+                    <a:lstStyle/>
+                    <a:p>
+                      <a:pPr algn="l" latinLnBrk="1"/>
+                      <a:r>
+                        <a:rPr lang="ko-KR" altLang="en-US" sz="1200" b="0" dirty="0">
+                          <a:solidFill>
+                            <a:schemeClr val="tx1"/>
+                          </a:solidFill>
+                        </a:rPr>
+                        <a:t>결제 처리</a:t>
+                      </a:r>
+                    </a:p>
+                  </a:txBody>
+                  <a:tcPr anchor="ctr">
+                    <a:solidFill>
+                      <a:schemeClr val="bg2">
+                        <a:lumMod val="90000"/>
+                      </a:schemeClr>
+                    </a:solidFill>
+                  </a:tcPr>
+                </a:tc>
+                <a:extLst>
+                  <a:ext uri="{0D108BD9-81ED-4DB2-BD59-A6C34878D82A}">
+                    <a16:rowId xmlns:a16="http://schemas.microsoft.com/office/drawing/2014/main" val="4202920133"/>
+                  </a:ext>
+                </a:extLst>
+              </a:tr>
+              <a:tr h="323704">
+                <a:tc>
+                  <a:txBody>
+                    <a:bodyPr/>
+                    <a:lstStyle/>
+                    <a:p>
+                      <a:pPr algn="ctr"/>
+                      <a:endParaRPr lang="ko-KR" altLang="en-US" sz="1200" b="0" dirty="0">
+                        <a:solidFill>
+                          <a:schemeClr val="bg1"/>
+                        </a:solidFill>
+                      </a:endParaRPr>
+                    </a:p>
+                  </a:txBody>
+                  <a:tcPr anchor="ctr">
+                    <a:solidFill>
+                      <a:srgbClr val="0606B1"/>
+                    </a:solidFill>
+                  </a:tcPr>
+                </a:tc>
+                <a:tc>
+                  <a:txBody>
+                    <a:bodyPr/>
+                    <a:lstStyle/>
+                    <a:p>
+                      <a:pPr algn="l" latinLnBrk="1"/>
+                      <a:endParaRPr lang="ko-KR" altLang="en-US" sz="1200" b="0" dirty="0">
+                        <a:solidFill>
+                          <a:schemeClr val="tx1"/>
+                        </a:solidFill>
+                      </a:endParaRPr>
+                    </a:p>
+                  </a:txBody>
+                  <a:tcPr anchor="ctr">
+                    <a:solidFill>
+                      <a:schemeClr val="bg2">
+                        <a:lumMod val="90000"/>
+                      </a:schemeClr>
+                    </a:solidFill>
+                  </a:tcPr>
+                </a:tc>
+                <a:extLst>
+                  <a:ext uri="{0D108BD9-81ED-4DB2-BD59-A6C34878D82A}">
+                    <a16:rowId xmlns:a16="http://schemas.microsoft.com/office/drawing/2014/main" val="1261792466"/>
+                  </a:ext>
+                </a:extLst>
+              </a:tr>
+              <a:tr h="323704">
+                <a:tc>
+                  <a:txBody>
+                    <a:bodyPr/>
+                    <a:lstStyle/>
+                    <a:p>
+                      <a:pPr algn="ctr"/>
+                      <a:endParaRPr lang="ko-KR" altLang="en-US" sz="1200" b="0" dirty="0">
+                        <a:solidFill>
+                          <a:schemeClr val="bg1"/>
+                        </a:solidFill>
+                      </a:endParaRPr>
+                    </a:p>
+                  </a:txBody>
+                  <a:tcPr anchor="ctr">
+                    <a:solidFill>
+                      <a:srgbClr val="0606B1"/>
+                    </a:solidFill>
+                  </a:tcPr>
+                </a:tc>
+                <a:tc>
+                  <a:txBody>
+                    <a:bodyPr/>
+                    <a:lstStyle/>
+                    <a:p>
+                      <a:pPr algn="l" latinLnBrk="1"/>
+                      <a:endParaRPr lang="ko-KR" altLang="en-US" sz="1200" b="0" dirty="0">
+                        <a:solidFill>
+                          <a:schemeClr val="tx1"/>
+                        </a:solidFill>
+                      </a:endParaRPr>
+                    </a:p>
+                  </a:txBody>
+                  <a:tcPr anchor="ctr">
+                    <a:solidFill>
+                      <a:schemeClr val="bg2">
+                        <a:lumMod val="90000"/>
+                      </a:schemeClr>
+                    </a:solidFill>
+                  </a:tcPr>
+                </a:tc>
+                <a:extLst>
+                  <a:ext uri="{0D108BD9-81ED-4DB2-BD59-A6C34878D82A}">
+                    <a16:rowId xmlns:a16="http://schemas.microsoft.com/office/drawing/2014/main" val="2155762507"/>
+                  </a:ext>
+                </a:extLst>
+              </a:tr>
+              <a:tr h="323704">
+                <a:tc>
+                  <a:txBody>
+                    <a:bodyPr/>
+                    <a:lstStyle/>
+                    <a:p>
+                      <a:pPr algn="ctr"/>
+                      <a:endParaRPr lang="ko-KR" altLang="en-US" sz="1200" b="0" dirty="0">
+                        <a:solidFill>
+                          <a:schemeClr val="bg1"/>
+                        </a:solidFill>
+                      </a:endParaRPr>
+                    </a:p>
+                  </a:txBody>
+                  <a:tcPr anchor="ctr">
+                    <a:solidFill>
+                      <a:srgbClr val="0606B1"/>
+                    </a:solidFill>
+                  </a:tcPr>
+                </a:tc>
+                <a:tc>
+                  <a:txBody>
+                    <a:bodyPr/>
+                    <a:lstStyle/>
+                    <a:p>
+                      <a:pPr algn="l" latinLnBrk="1"/>
+                      <a:endParaRPr lang="ko-KR" altLang="en-US" sz="1200" b="0" dirty="0">
+                        <a:solidFill>
+                          <a:schemeClr val="tx1"/>
+                        </a:solidFill>
+                      </a:endParaRPr>
+                    </a:p>
+                  </a:txBody>
+                  <a:tcPr anchor="ctr">
+                    <a:solidFill>
+                      <a:schemeClr val="bg2">
+                        <a:lumMod val="90000"/>
+                      </a:schemeClr>
+                    </a:solidFill>
+                  </a:tcPr>
+                </a:tc>
+                <a:extLst>
+                  <a:ext uri="{0D108BD9-81ED-4DB2-BD59-A6C34878D82A}">
+                    <a16:rowId xmlns:a16="http://schemas.microsoft.com/office/drawing/2014/main" val="4045075981"/>
+                  </a:ext>
+                </a:extLst>
+              </a:tr>
+            </a:tbl>
+          </a:graphicData>
+        </a:graphic>
+      </p:graphicFrame>
+      <p:sp>
+        <p:nvSpPr>
+          <p:cNvPr id="14" name="직사각형 13">
+            <a:extLst>
+              <a:ext uri="{FF2B5EF4-FFF2-40B4-BE49-F238E27FC236}">
+                <a16:creationId xmlns:a16="http://schemas.microsoft.com/office/drawing/2014/main" id="{11E38FAD-9EBD-1087-B82C-63236718F740}"/>
+              </a:ext>
+            </a:extLst>
+          </p:cNvPr>
+          <p:cNvSpPr/>
+          <p:nvPr/>
+        </p:nvSpPr>
+        <p:spPr>
+          <a:xfrm>
+            <a:off x="429537" y="1246205"/>
+            <a:ext cx="7157267" cy="4980194"/>
+          </a:xfrm>
+          <a:prstGeom prst="rect">
+            <a:avLst/>
+          </a:prstGeom>
+          <a:blipFill dpi="0" rotWithShape="1">
+            <a:blip r:embed="rId2">
+              <a:extLst>
+                <a:ext uri="{28A0092B-C50C-407E-A947-70E740481C1C}">
+                  <a14:useLocalDpi xmlns:a14="http://schemas.microsoft.com/office/drawing/2010/main" val="0"/>
+                </a:ext>
+              </a:extLst>
+            </a:blip>
+            <a:srcRect/>
+            <a:stretch>
+              <a:fillRect/>
+            </a:stretch>
+          </a:blipFill>
+        </p:spPr>
+        <p:style>
+          <a:lnRef idx="2">
+            <a:schemeClr val="accent1">
+              <a:shade val="15000"/>
+            </a:schemeClr>
+          </a:lnRef>
+          <a:fillRef idx="1">
+            <a:schemeClr val="accent1"/>
+          </a:fillRef>
+          <a:effectRef idx="0">
+            <a:schemeClr val="accent1"/>
+          </a:effectRef>
+          <a:fontRef idx="minor">
+            <a:schemeClr val="lt1"/>
+          </a:fontRef>
+        </p:style>
+        <p:txBody>
+          <a:bodyPr rtlCol="0" anchor="ctr"/>
+          <a:lstStyle/>
+          <a:p>
+            <a:pPr algn="ctr" fontAlgn="t"/>
+            <a:endParaRPr lang="ko-KR" altLang="ko-KR" dirty="0"/>
+          </a:p>
+        </p:txBody>
+      </p:sp>
+      <p:sp>
+        <p:nvSpPr>
+          <p:cNvPr id="2" name="직사각형 1">
+            <a:extLst>
+              <a:ext uri="{FF2B5EF4-FFF2-40B4-BE49-F238E27FC236}">
+                <a16:creationId xmlns:a16="http://schemas.microsoft.com/office/drawing/2014/main" id="{EF2B6265-7AA0-8C38-E0D8-0C683978C8BF}"/>
+              </a:ext>
+            </a:extLst>
+          </p:cNvPr>
+          <p:cNvSpPr/>
+          <p:nvPr/>
+        </p:nvSpPr>
+        <p:spPr>
+          <a:xfrm>
+            <a:off x="697117" y="1430449"/>
+            <a:ext cx="6771992" cy="4653480"/>
+          </a:xfrm>
+          <a:prstGeom prst="rect">
+            <a:avLst/>
+          </a:prstGeom>
+          <a:noFill/>
+          <a:ln w="28575">
+            <a:solidFill>
+              <a:srgbClr val="FF0000"/>
+            </a:solidFill>
+          </a:ln>
+        </p:spPr>
+        <p:style>
+          <a:lnRef idx="2">
+            <a:schemeClr val="accent1">
+              <a:shade val="15000"/>
+            </a:schemeClr>
+          </a:lnRef>
+          <a:fillRef idx="1">
+            <a:schemeClr val="accent1"/>
+          </a:fillRef>
+          <a:effectRef idx="0">
+            <a:schemeClr val="accent1"/>
+          </a:effectRef>
+          <a:fontRef idx="minor">
+            <a:schemeClr val="lt1"/>
+          </a:fontRef>
+        </p:style>
+        <p:txBody>
+          <a:bodyPr rtlCol="0" anchor="ctr"/>
+          <a:lstStyle/>
+          <a:p>
+            <a:pPr algn="ctr"/>
+            <a:endParaRPr lang="ko-KR" altLang="en-US"/>
+          </a:p>
+        </p:txBody>
+      </p:sp>
+      <p:sp>
+        <p:nvSpPr>
+          <p:cNvPr id="3" name="TextBox 2">
+            <a:extLst>
+              <a:ext uri="{FF2B5EF4-FFF2-40B4-BE49-F238E27FC236}">
+                <a16:creationId xmlns:a16="http://schemas.microsoft.com/office/drawing/2014/main" id="{403652C3-83E4-5C38-3AB2-8D9C8F7FAA79}"/>
+              </a:ext>
+            </a:extLst>
+          </p:cNvPr>
+          <p:cNvSpPr txBox="1"/>
+          <p:nvPr/>
+        </p:nvSpPr>
+        <p:spPr>
+          <a:xfrm>
+            <a:off x="368678" y="1430449"/>
+            <a:ext cx="371192" cy="369332"/>
+          </a:xfrm>
+          <a:prstGeom prst="rect">
+            <a:avLst/>
+          </a:prstGeom>
+          <a:noFill/>
+        </p:spPr>
+        <p:txBody>
+          <a:bodyPr wrap="square" rtlCol="0" anchor="ctr">
+            <a:spAutoFit/>
+          </a:bodyPr>
+          <a:lstStyle/>
+          <a:p>
+            <a:pPr algn="ctr"/>
+            <a:r>
+              <a:rPr lang="ko-KR" altLang="en-US" dirty="0">
+                <a:solidFill>
+                  <a:srgbClr val="0606B1"/>
+                </a:solidFill>
+              </a:rPr>
+              <a:t>①</a:t>
+            </a:r>
+          </a:p>
+        </p:txBody>
+      </p:sp>
+      <p:sp>
+        <p:nvSpPr>
+          <p:cNvPr id="8" name="TextBox 7">
+            <a:extLst>
+              <a:ext uri="{FF2B5EF4-FFF2-40B4-BE49-F238E27FC236}">
+                <a16:creationId xmlns:a16="http://schemas.microsoft.com/office/drawing/2014/main" id="{F14D8323-C2E6-8019-CF59-CF0D2D867C1A}"/>
+              </a:ext>
+            </a:extLst>
+          </p:cNvPr>
+          <p:cNvSpPr txBox="1"/>
+          <p:nvPr/>
+        </p:nvSpPr>
+        <p:spPr>
+          <a:xfrm>
+            <a:off x="2417276" y="4211109"/>
+            <a:ext cx="371192" cy="369332"/>
+          </a:xfrm>
+          <a:prstGeom prst="rect">
+            <a:avLst/>
+          </a:prstGeom>
+          <a:noFill/>
+        </p:spPr>
+        <p:txBody>
+          <a:bodyPr wrap="square" rtlCol="0" anchor="ctr">
+            <a:spAutoFit/>
+          </a:bodyPr>
+          <a:lstStyle/>
+          <a:p>
+            <a:pPr algn="ctr"/>
+            <a:r>
+              <a:rPr lang="ko-KR" altLang="en-US" dirty="0">
+                <a:solidFill>
+                  <a:srgbClr val="0606B1"/>
+                </a:solidFill>
+              </a:rPr>
+              <a:t>②</a:t>
+            </a:r>
+          </a:p>
+        </p:txBody>
+      </p:sp>
+      <p:sp>
+        <p:nvSpPr>
+          <p:cNvPr id="10" name="직사각형 9">
+            <a:extLst>
+              <a:ext uri="{FF2B5EF4-FFF2-40B4-BE49-F238E27FC236}">
+                <a16:creationId xmlns:a16="http://schemas.microsoft.com/office/drawing/2014/main" id="{47BDDB30-022B-988B-5FAB-61125893EA0C}"/>
+              </a:ext>
+            </a:extLst>
+          </p:cNvPr>
+          <p:cNvSpPr/>
+          <p:nvPr/>
+        </p:nvSpPr>
+        <p:spPr>
+          <a:xfrm>
+            <a:off x="1500362" y="4243495"/>
+            <a:ext cx="916914" cy="301345"/>
+          </a:xfrm>
+          <a:prstGeom prst="rect">
+            <a:avLst/>
+          </a:prstGeom>
+          <a:noFill/>
+          <a:ln w="28575">
+            <a:solidFill>
+              <a:srgbClr val="FF0000"/>
+            </a:solidFill>
+          </a:ln>
+        </p:spPr>
+        <p:style>
+          <a:lnRef idx="2">
+            <a:schemeClr val="accent1">
+              <a:shade val="15000"/>
+            </a:schemeClr>
+          </a:lnRef>
+          <a:fillRef idx="1">
+            <a:schemeClr val="accent1"/>
+          </a:fillRef>
+          <a:effectRef idx="0">
+            <a:schemeClr val="accent1"/>
+          </a:effectRef>
+          <a:fontRef idx="minor">
+            <a:schemeClr val="lt1"/>
+          </a:fontRef>
+        </p:style>
+        <p:txBody>
+          <a:bodyPr rtlCol="0" anchor="ctr"/>
+          <a:lstStyle/>
+          <a:p>
+            <a:pPr algn="ctr"/>
+            <a:endParaRPr lang="ko-KR" altLang="en-US"/>
+          </a:p>
+        </p:txBody>
+      </p:sp>
+      <p:sp>
+        <p:nvSpPr>
+          <p:cNvPr id="12" name="TextBox 11">
+            <a:extLst>
+              <a:ext uri="{FF2B5EF4-FFF2-40B4-BE49-F238E27FC236}">
+                <a16:creationId xmlns:a16="http://schemas.microsoft.com/office/drawing/2014/main" id="{0D6964FE-AD55-6CEC-5F9E-1BA566101BD8}"/>
+              </a:ext>
+            </a:extLst>
+          </p:cNvPr>
+          <p:cNvSpPr txBox="1"/>
+          <p:nvPr/>
+        </p:nvSpPr>
+        <p:spPr>
+          <a:xfrm>
+            <a:off x="4203827" y="5366041"/>
+            <a:ext cx="371192" cy="369332"/>
+          </a:xfrm>
+          <a:prstGeom prst="rect">
+            <a:avLst/>
+          </a:prstGeom>
+          <a:noFill/>
+        </p:spPr>
+        <p:txBody>
+          <a:bodyPr wrap="square" rtlCol="0" anchor="ctr">
+            <a:spAutoFit/>
+          </a:bodyPr>
+          <a:lstStyle/>
+          <a:p>
+            <a:pPr algn="ctr"/>
+            <a:r>
+              <a:rPr lang="ko-KR" altLang="en-US" dirty="0">
+                <a:solidFill>
+                  <a:srgbClr val="0606B1"/>
+                </a:solidFill>
+              </a:rPr>
+              <a:t>③</a:t>
+            </a:r>
+          </a:p>
+        </p:txBody>
+      </p:sp>
+      <p:sp>
+        <p:nvSpPr>
+          <p:cNvPr id="15" name="직사각형 14">
+            <a:extLst>
+              <a:ext uri="{FF2B5EF4-FFF2-40B4-BE49-F238E27FC236}">
+                <a16:creationId xmlns:a16="http://schemas.microsoft.com/office/drawing/2014/main" id="{B6AD2276-B953-46C3-BDC9-7C8B32D155B7}"/>
+              </a:ext>
+            </a:extLst>
+          </p:cNvPr>
+          <p:cNvSpPr/>
+          <p:nvPr/>
+        </p:nvSpPr>
+        <p:spPr>
+          <a:xfrm>
+            <a:off x="4575019" y="5325302"/>
+            <a:ext cx="2586273" cy="450811"/>
+          </a:xfrm>
+          <a:prstGeom prst="rect">
+            <a:avLst/>
+          </a:prstGeom>
+          <a:noFill/>
+          <a:ln w="28575">
+            <a:solidFill>
+              <a:srgbClr val="FF0000"/>
+            </a:solidFill>
+          </a:ln>
+        </p:spPr>
+        <p:style>
+          <a:lnRef idx="2">
+            <a:schemeClr val="accent1">
+              <a:shade val="15000"/>
+            </a:schemeClr>
+          </a:lnRef>
+          <a:fillRef idx="1">
+            <a:schemeClr val="accent1"/>
+          </a:fillRef>
+          <a:effectRef idx="0">
+            <a:schemeClr val="accent1"/>
+          </a:effectRef>
+          <a:fontRef idx="minor">
+            <a:schemeClr val="lt1"/>
+          </a:fontRef>
+        </p:style>
+        <p:txBody>
+          <a:bodyPr rtlCol="0" anchor="ctr"/>
+          <a:lstStyle/>
+          <a:p>
+            <a:pPr algn="ctr"/>
+            <a:endParaRPr lang="ko-KR" altLang="en-US"/>
+          </a:p>
+        </p:txBody>
+      </p:sp>
+    </p:spTree>
+    <p:extLst>
+      <p:ext uri="{BB962C8B-B14F-4D97-AF65-F5344CB8AC3E}">
+        <p14:creationId xmlns:p14="http://schemas.microsoft.com/office/powerpoint/2010/main" val="2181463094"/>
+      </p:ext>
+    </p:extLst>
+  </p:cSld>
+  <p:clrMapOvr>
+    <a:masterClrMapping/>
+  </p:clrMapOvr>
+</p:sld>
+</file>
+
 <file path=ppt/slides/slide2.xml><?xml version="1.0" encoding="utf-8"?>
 <p:sld xmlns:a="http://schemas.openxmlformats.org/drawingml/2006/main" xmlns:r="http://schemas.openxmlformats.org/officeDocument/2006/relationships" xmlns:p="http://schemas.openxmlformats.org/presentationml/2006/main">
   <p:cSld>
@@ -24892,7 +26673,7 @@
           <p:nvPr>
             <p:extLst>
               <p:ext uri="{D42A27DB-BD31-4B8C-83A1-F6EECF244321}">
-                <p14:modId xmlns:p14="http://schemas.microsoft.com/office/powerpoint/2010/main" val="2472938203"/>
+                <p14:modId xmlns:p14="http://schemas.microsoft.com/office/powerpoint/2010/main" val="2237473948"/>
               </p:ext>
             </p:extLst>
           </p:nvPr>
@@ -25082,6 +26863,14 @@
                         <a:rPr lang="ko-KR" altLang="en-US" dirty="0"/>
                         <a:t>회원가입</a:t>
                       </a:r>
+                      <a:r>
+                        <a:rPr lang="en-US" altLang="ko-KR" dirty="0"/>
+                        <a:t>, </a:t>
+                      </a:r>
+                      <a:r>
+                        <a:rPr lang="ko-KR" altLang="en-US" dirty="0"/>
+                        <a:t>장바구니</a:t>
+                      </a:r>
                     </a:p>
                   </a:txBody>
                   <a:tcPr anchor="ctr"/>
@@ -25122,7 +26911,11 @@
                       <a:pPr algn="l" latinLnBrk="1"/>
                       <a:r>
                         <a:rPr lang="ko-KR" altLang="en-US" dirty="0"/>
-                        <a:t>상품 정보</a:t>
+                        <a:t>상품 </a:t>
+                      </a:r>
+                      <a:r>
+                        <a:rPr lang="ko-KR" altLang="en-US" b="0" dirty="0"/>
+                        <a:t>정보</a:t>
                       </a:r>
                     </a:p>
                   </a:txBody>
@@ -25685,7 +27478,7 @@
           <p:nvPr>
             <p:extLst>
               <p:ext uri="{D42A27DB-BD31-4B8C-83A1-F6EECF244321}">
-                <p14:modId xmlns:p14="http://schemas.microsoft.com/office/powerpoint/2010/main" val="786995746"/>
+                <p14:modId xmlns:p14="http://schemas.microsoft.com/office/powerpoint/2010/main" val="1012833055"/>
               </p:ext>
             </p:extLst>
           </p:nvPr>
@@ -26002,7 +27795,7 @@
                             <a:schemeClr val="tx1"/>
                           </a:solidFill>
                         </a:rPr>
-                        <a:t>장바구니</a:t>
+                        <a:t>배송정보</a:t>
                       </a:r>
                     </a:p>
                   </a:txBody>
@@ -26076,7 +27869,7 @@
                             <a:schemeClr val="tx1"/>
                           </a:solidFill>
                         </a:rPr>
-                        <a:t>카테고리</a:t>
+                        <a:t>장바구니</a:t>
                       </a:r>
                     </a:p>
                   </a:txBody>
@@ -26101,6 +27894,14 @@
                     <a:lstStyle/>
                     <a:p>
                       <a:pPr algn="ctr" latinLnBrk="1"/>
+                      <a:r>
+                        <a:rPr lang="en-US" altLang="ko-KR" sz="1200" b="0" dirty="0">
+                          <a:solidFill>
+                            <a:schemeClr val="bg1"/>
+                          </a:solidFill>
+                        </a:rPr>
+                        <a:t>6</a:t>
+                      </a:r>
                       <a:endParaRPr lang="ko-KR" altLang="en-US" sz="1200" b="0" dirty="0">
                         <a:solidFill>
                           <a:schemeClr val="bg1"/>
@@ -26120,11 +27921,14 @@
                     <a:lstStyle/>
                     <a:p>
                       <a:pPr algn="l" latinLnBrk="1"/>
-                      <a:endParaRPr lang="ko-KR" altLang="en-US" sz="1200" b="0" dirty="0">
-                        <a:solidFill>
-                          <a:schemeClr val="tx1"/>
-                        </a:solidFill>
-                      </a:endParaRPr>
+                      <a:r>
+                        <a:rPr lang="ko-KR" altLang="en-US" sz="1200" b="0" dirty="0">
+                          <a:solidFill>
+                            <a:schemeClr val="tx1"/>
+                          </a:solidFill>
+                        </a:rPr>
+                        <a:t>카테고리</a:t>
+                      </a:r>
                     </a:p>
                   </a:txBody>
                   <a:tcPr>
@@ -26160,7 +27964,7 @@
           <p:nvPr>
             <p:extLst>
               <p:ext uri="{D42A27DB-BD31-4B8C-83A1-F6EECF244321}">
-                <p14:modId xmlns:p14="http://schemas.microsoft.com/office/powerpoint/2010/main" val="3247509341"/>
+                <p14:modId xmlns:p14="http://schemas.microsoft.com/office/powerpoint/2010/main" val="3567869304"/>
               </p:ext>
             </p:extLst>
           </p:nvPr>
@@ -26530,6 +28334,85 @@
                             <a:schemeClr val="tx1"/>
                           </a:solidFill>
                         </a:rPr>
+                        <a:t>배송 페이지로 이동</a:t>
+                      </a:r>
+                      <a:endParaRPr lang="en-US" altLang="ko-KR" sz="1200" b="0" dirty="0">
+                        <a:solidFill>
+                          <a:schemeClr val="tx1"/>
+                        </a:solidFill>
+                      </a:endParaRPr>
+                    </a:p>
+                  </a:txBody>
+                  <a:tcPr anchor="ctr">
+                    <a:solidFill>
+                      <a:schemeClr val="bg2">
+                        <a:lumMod val="90000"/>
+                      </a:schemeClr>
+                    </a:solidFill>
+                  </a:tcPr>
+                </a:tc>
+                <a:extLst>
+                  <a:ext uri="{0D108BD9-81ED-4DB2-BD59-A6C34878D82A}">
+                    <a16:rowId xmlns:a16="http://schemas.microsoft.com/office/drawing/2014/main" val="1261792466"/>
+                  </a:ext>
+                </a:extLst>
+              </a:tr>
+              <a:tr h="323704">
+                <a:tc>
+                  <a:txBody>
+                    <a:bodyPr/>
+                    <a:lstStyle/>
+                    <a:p>
+                      <a:pPr algn="ctr"/>
+                      <a:r>
+                        <a:rPr lang="en-US" altLang="ko-KR" sz="1200" b="0" dirty="0">
+                          <a:solidFill>
+                            <a:schemeClr val="bg1"/>
+                          </a:solidFill>
+                        </a:rPr>
+                        <a:t>5</a:t>
+                      </a:r>
+                      <a:endParaRPr lang="ko-KR" altLang="en-US" sz="1200" b="0" dirty="0">
+                        <a:solidFill>
+                          <a:schemeClr val="bg1"/>
+                        </a:solidFill>
+                      </a:endParaRPr>
+                    </a:p>
+                  </a:txBody>
+                  <a:tcPr anchor="ctr">
+                    <a:solidFill>
+                      <a:srgbClr val="0606B1"/>
+                    </a:solidFill>
+                  </a:tcPr>
+                </a:tc>
+                <a:tc>
+                  <a:txBody>
+                    <a:bodyPr/>
+                    <a:lstStyle/>
+                    <a:p>
+                      <a:pPr marL="0" marR="0" lvl="0" indent="0" algn="l" defTabSz="914400" rtl="0" eaLnBrk="1" fontAlgn="auto" latinLnBrk="1" hangingPunct="1">
+                        <a:lnSpc>
+                          <a:spcPct val="100000"/>
+                        </a:lnSpc>
+                        <a:spcBef>
+                          <a:spcPts val="0"/>
+                        </a:spcBef>
+                        <a:spcAft>
+                          <a:spcPts val="0"/>
+                        </a:spcAft>
+                        <a:buClrTx/>
+                        <a:buSzTx/>
+                        <a:buFontTx/>
+                        <a:buNone/>
+                        <a:tabLst/>
+                        <a:defRPr/>
+                      </a:pPr>
+                      <a:r>
+                        <a:rPr lang="ko-KR" altLang="en-US" sz="1200" b="0" dirty="0">
+                          <a:solidFill>
+                            <a:schemeClr val="tx1"/>
+                          </a:solidFill>
+                        </a:rPr>
                         <a:t>로그인 시 </a:t>
                       </a:r>
                       <a:r>
@@ -26608,7 +28491,7 @@
                 </a:tc>
                 <a:extLst>
                   <a:ext uri="{0D108BD9-81ED-4DB2-BD59-A6C34878D82A}">
-                    <a16:rowId xmlns:a16="http://schemas.microsoft.com/office/drawing/2014/main" val="1261792466"/>
+                    <a16:rowId xmlns:a16="http://schemas.microsoft.com/office/drawing/2014/main" val="2155762507"/>
                   </a:ext>
                 </a:extLst>
               </a:tr>
@@ -26625,7 +28508,7 @@
                             <a:schemeClr val="bg1"/>
                           </a:solidFill>
                         </a:rPr>
-                        <a:t>5</a:t>
+                        <a:t>6</a:t>
                       </a:r>
                       <a:endParaRPr lang="ko-KR" altLang="en-US" sz="1200" b="0" dirty="0">
                         <a:solidFill>
@@ -26670,53 +28553,6 @@
                         </a:rPr>
                         <a:t>각 카테고리 클릭 시 상품 검색 페이지로 이동 후 카테고리 별 상품 정보 조회</a:t>
                       </a:r>
-                    </a:p>
-                  </a:txBody>
-                  <a:tcPr anchor="ctr">
-                    <a:solidFill>
-                      <a:schemeClr val="bg2">
-                        <a:lumMod val="90000"/>
-                      </a:schemeClr>
-                    </a:solidFill>
-                  </a:tcPr>
-                </a:tc>
-                <a:extLst>
-                  <a:ext uri="{0D108BD9-81ED-4DB2-BD59-A6C34878D82A}">
-                    <a16:rowId xmlns:a16="http://schemas.microsoft.com/office/drawing/2014/main" val="2155762507"/>
-                  </a:ext>
-                </a:extLst>
-              </a:tr>
-              <a:tr h="323704">
-                <a:tc>
-                  <a:txBody>
-                    <a:bodyPr/>
-                    <a:lstStyle/>
-                    <a:p>
-                      <a:pPr algn="ctr"/>
-                      <a:endParaRPr lang="ko-KR" altLang="en-US" sz="1200" b="0" dirty="0">
-                        <a:solidFill>
-                          <a:schemeClr val="bg1"/>
-                        </a:solidFill>
-                      </a:endParaRPr>
-                    </a:p>
-                  </a:txBody>
-                  <a:tcPr anchor="ctr">
-                    <a:solidFill>
-                      <a:srgbClr val="0606B1"/>
-                    </a:solidFill>
-                  </a:tcPr>
-                </a:tc>
-                <a:tc>
-                  <a:txBody>
-                    <a:bodyPr/>
-                    <a:lstStyle/>
-                    <a:p>
-                      <a:pPr algn="l" latinLnBrk="1"/>
-                      <a:endParaRPr lang="ko-KR" altLang="en-US" sz="1200" b="0" dirty="0">
-                        <a:solidFill>
-                          <a:schemeClr val="tx1"/>
-                        </a:solidFill>
-                      </a:endParaRPr>
                     </a:p>
                   </a:txBody>
                   <a:tcPr anchor="ctr">
@@ -27170,10 +29006,10 @@
       </p:sp>
       <p:sp>
         <p:nvSpPr>
-          <p:cNvPr id="23" name="직사각형 22">
+          <p:cNvPr id="3" name="직사각형 2">
             <a:extLst>
               <a:ext uri="{FF2B5EF4-FFF2-40B4-BE49-F238E27FC236}">
-                <a16:creationId xmlns:a16="http://schemas.microsoft.com/office/drawing/2014/main" id="{ADEDE843-535A-716D-3738-D666A44FACDB}"/>
+                <a16:creationId xmlns:a16="http://schemas.microsoft.com/office/drawing/2014/main" id="{24FDC8F2-DE51-96C2-AC3F-B34E75BCB77C}"/>
               </a:ext>
             </a:extLst>
           </p:cNvPr>
@@ -27182,8 +29018,8 @@
         </p:nvSpPr>
         <p:spPr>
           <a:xfrm>
-            <a:off x="6599600" y="1627304"/>
-            <a:ext cx="380622" cy="476308"/>
+            <a:off x="5970196" y="1595210"/>
+            <a:ext cx="371192" cy="476308"/>
           </a:xfrm>
           <a:prstGeom prst="rect">
             <a:avLst/>
@@ -27222,10 +29058,10 @@
       </p:sp>
       <p:sp>
         <p:nvSpPr>
-          <p:cNvPr id="24" name="TextBox 23">
+          <p:cNvPr id="5" name="TextBox 4">
             <a:extLst>
               <a:ext uri="{FF2B5EF4-FFF2-40B4-BE49-F238E27FC236}">
-                <a16:creationId xmlns:a16="http://schemas.microsoft.com/office/drawing/2014/main" id="{66149B17-23AC-0083-6FA3-2C9D294B941F}"/>
+                <a16:creationId xmlns:a16="http://schemas.microsoft.com/office/drawing/2014/main" id="{62063BD6-2761-C9BD-6717-12DA9009BC33}"/>
               </a:ext>
             </a:extLst>
           </p:cNvPr>
@@ -27234,7 +29070,7 @@
         </p:nvSpPr>
         <p:spPr>
           <a:xfrm>
-            <a:off x="6980222" y="1659398"/>
+            <a:off x="5641726" y="1631472"/>
             <a:ext cx="371192" cy="369332"/>
           </a:xfrm>
           <a:prstGeom prst="rect">
@@ -27256,6 +29092,98 @@
                 </a:solidFill>
               </a:rPr>
               <a:t>④</a:t>
+            </a:r>
+          </a:p>
+        </p:txBody>
+      </p:sp>
+      <p:sp>
+        <p:nvSpPr>
+          <p:cNvPr id="12" name="직사각형 11">
+            <a:extLst>
+              <a:ext uri="{FF2B5EF4-FFF2-40B4-BE49-F238E27FC236}">
+                <a16:creationId xmlns:a16="http://schemas.microsoft.com/office/drawing/2014/main" id="{A6502D41-7401-7C34-572F-AA0EDD91CAEE}"/>
+              </a:ext>
+            </a:extLst>
+          </p:cNvPr>
+          <p:cNvSpPr/>
+          <p:nvPr/>
+        </p:nvSpPr>
+        <p:spPr>
+          <a:xfrm>
+            <a:off x="6558103" y="1613618"/>
+            <a:ext cx="371192" cy="476308"/>
+          </a:xfrm>
+          <a:prstGeom prst="rect">
+            <a:avLst/>
+          </a:prstGeom>
+          <a:noFill/>
+          <a:ln w="28575">
+            <a:solidFill>
+              <a:srgbClr val="FF0000"/>
+            </a:solidFill>
+          </a:ln>
+        </p:spPr>
+        <p:style>
+          <a:lnRef idx="2">
+            <a:schemeClr val="accent1">
+              <a:shade val="15000"/>
+            </a:schemeClr>
+          </a:lnRef>
+          <a:fillRef idx="1">
+            <a:schemeClr val="accent1"/>
+          </a:fillRef>
+          <a:effectRef idx="0">
+            <a:schemeClr val="accent1"/>
+          </a:effectRef>
+          <a:fontRef idx="minor">
+            <a:schemeClr val="lt1"/>
+          </a:fontRef>
+        </p:style>
+        <p:txBody>
+          <a:bodyPr rtlCol="0" anchor="ctr"/>
+          <a:lstStyle/>
+          <a:p>
+            <a:pPr algn="ctr"/>
+            <a:endParaRPr lang="ko-KR" altLang="en-US"/>
+          </a:p>
+        </p:txBody>
+      </p:sp>
+      <p:sp>
+        <p:nvSpPr>
+          <p:cNvPr id="13" name="TextBox 12">
+            <a:extLst>
+              <a:ext uri="{FF2B5EF4-FFF2-40B4-BE49-F238E27FC236}">
+                <a16:creationId xmlns:a16="http://schemas.microsoft.com/office/drawing/2014/main" id="{6F677280-32B2-7B01-64B4-2352CBA3E7FF}"/>
+              </a:ext>
+            </a:extLst>
+          </p:cNvPr>
+          <p:cNvSpPr txBox="1"/>
+          <p:nvPr/>
+        </p:nvSpPr>
+        <p:spPr>
+          <a:xfrm>
+            <a:off x="6940989" y="1632590"/>
+            <a:ext cx="371192" cy="369332"/>
+          </a:xfrm>
+          <a:prstGeom prst="rect">
+            <a:avLst/>
+          </a:prstGeom>
+          <a:noFill/>
+        </p:spPr>
+        <p:txBody>
+          <a:bodyPr wrap="square" rtlCol="0" anchor="ctr">
+            <a:spAutoFit/>
+          </a:bodyPr>
+          <a:lstStyle/>
+          <a:p>
+            <a:pPr algn="ctr"/>
+            <a:r>
+              <a:rPr lang="ko-KR" altLang="en-US" dirty="0">
+                <a:solidFill>
+                  <a:srgbClr val="0606B1"/>
+                </a:solidFill>
+              </a:rPr>
+              <a:t>⑤</a:t>
             </a:r>
           </a:p>
         </p:txBody>
@@ -29265,7 +31193,7 @@
           <p:nvPr>
             <p:extLst>
               <p:ext uri="{D42A27DB-BD31-4B8C-83A1-F6EECF244321}">
-                <p14:modId xmlns:p14="http://schemas.microsoft.com/office/powerpoint/2010/main" val="3103045816"/>
+                <p14:modId xmlns:p14="http://schemas.microsoft.com/office/powerpoint/2010/main" val="1117444469"/>
               </p:ext>
             </p:extLst>
           </p:nvPr>
@@ -29414,14 +31342,6 @@
                     <a:lstStyle/>
                     <a:p>
                       <a:pPr algn="ctr" latinLnBrk="1"/>
-                      <a:r>
-                        <a:rPr lang="en-US" altLang="ko-KR" sz="1200" b="0" dirty="0">
-                          <a:solidFill>
-                            <a:schemeClr val="bg1"/>
-                          </a:solidFill>
-                        </a:rPr>
-                        <a:t>2</a:t>
-                      </a:r>
                       <a:endParaRPr lang="ko-KR" altLang="en-US" sz="1200" b="0" dirty="0">
                         <a:solidFill>
                           <a:schemeClr val="bg1"/>
@@ -29469,14 +31389,6 @@
                     <a:lstStyle/>
                     <a:p>
                       <a:pPr algn="ctr" latinLnBrk="1"/>
-                      <a:r>
-                        <a:rPr lang="en-US" altLang="ko-KR" sz="1200" b="0" dirty="0">
-                          <a:solidFill>
-                            <a:schemeClr val="bg1"/>
-                          </a:solidFill>
-                        </a:rPr>
-                        <a:t>3</a:t>
-                      </a:r>
                       <a:endParaRPr lang="ko-KR" altLang="en-US" sz="1200" b="0" dirty="0">
                         <a:solidFill>
                           <a:schemeClr val="bg1"/>
@@ -29524,14 +31436,6 @@
                     <a:lstStyle/>
                     <a:p>
                       <a:pPr algn="ctr" latinLnBrk="1"/>
-                      <a:r>
-                        <a:rPr lang="en-US" altLang="ko-KR" sz="1200" b="0" dirty="0">
-                          <a:solidFill>
-                            <a:schemeClr val="bg1"/>
-                          </a:solidFill>
-                        </a:rPr>
-                        <a:t>4</a:t>
-                      </a:r>
                       <a:endParaRPr lang="ko-KR" altLang="en-US" sz="1200" b="0" dirty="0">
                         <a:solidFill>
                           <a:schemeClr val="bg1"/>
@@ -29685,7 +31589,7 @@
           <p:nvPr>
             <p:extLst>
               <p:ext uri="{D42A27DB-BD31-4B8C-83A1-F6EECF244321}">
-                <p14:modId xmlns:p14="http://schemas.microsoft.com/office/powerpoint/2010/main" val="2369189096"/>
+                <p14:modId xmlns:p14="http://schemas.microsoft.com/office/powerpoint/2010/main" val="447931953"/>
               </p:ext>
             </p:extLst>
           </p:nvPr>
@@ -29806,11 +31710,14 @@
                         <a:tabLst/>
                         <a:defRPr/>
                       </a:pPr>
-                      <a:endParaRPr lang="ko-KR" altLang="en-US" sz="1200" b="0" dirty="0">
-                        <a:solidFill>
-                          <a:schemeClr val="tx1"/>
-                        </a:solidFill>
-                      </a:endParaRPr>
+                      <a:r>
+                        <a:rPr lang="ko-KR" altLang="en-US" sz="1200" b="0" dirty="0">
+                          <a:solidFill>
+                            <a:schemeClr val="tx1"/>
+                          </a:solidFill>
+                        </a:rPr>
+                        <a:t>회사 정보 출력</a:t>
+                      </a:r>
                     </a:p>
                   </a:txBody>
                   <a:tcPr anchor="ctr">
@@ -29834,14 +31741,6 @@
                     <a:lstStyle/>
                     <a:p>
                       <a:pPr algn="ctr"/>
-                      <a:r>
-                        <a:rPr lang="en-US" altLang="ko-KR" sz="1200" b="0" dirty="0">
-                          <a:solidFill>
-                            <a:schemeClr val="bg1"/>
-                          </a:solidFill>
-                        </a:rPr>
-                        <a:t>2</a:t>
-                      </a:r>
                       <a:endParaRPr lang="ko-KR" altLang="en-US" sz="1200" b="0" dirty="0">
                         <a:solidFill>
                           <a:schemeClr val="bg1"/>
@@ -35444,7 +37343,7 @@
           <p:nvPr>
             <p:extLst>
               <p:ext uri="{D42A27DB-BD31-4B8C-83A1-F6EECF244321}">
-                <p14:modId xmlns:p14="http://schemas.microsoft.com/office/powerpoint/2010/main" val="1159573831"/>
+                <p14:modId xmlns:p14="http://schemas.microsoft.com/office/powerpoint/2010/main" val="2143223142"/>
               </p:ext>
             </p:extLst>
           </p:nvPr>
@@ -35638,14 +37537,6 @@
                     <a:lstStyle/>
                     <a:p>
                       <a:pPr algn="ctr" latinLnBrk="1"/>
-                      <a:r>
-                        <a:rPr lang="en-US" altLang="ko-KR" sz="1200" b="0" dirty="0">
-                          <a:solidFill>
-                            <a:schemeClr val="bg1"/>
-                          </a:solidFill>
-                        </a:rPr>
-                        <a:t>3</a:t>
-                      </a:r>
                       <a:endParaRPr lang="ko-KR" altLang="en-US" sz="1200" b="0" dirty="0">
                         <a:solidFill>
                           <a:schemeClr val="bg1"/>
@@ -35693,14 +37584,6 @@
                     <a:lstStyle/>
                     <a:p>
                       <a:pPr algn="ctr" latinLnBrk="1"/>
-                      <a:r>
-                        <a:rPr lang="en-US" altLang="ko-KR" sz="1200" b="0" dirty="0">
-                          <a:solidFill>
-                            <a:schemeClr val="bg1"/>
-                          </a:solidFill>
-                        </a:rPr>
-                        <a:t>4</a:t>
-                      </a:r>
                       <a:endParaRPr lang="ko-KR" altLang="en-US" sz="1200" b="0" dirty="0">
                         <a:solidFill>
                           <a:schemeClr val="bg1"/>

--- a/TeamProject_스토리보드.pptx
+++ b/TeamProject_스토리보드.pptx
@@ -209,7 +209,7 @@
           <a:p>
             <a:fld id="{A34ED9A6-E245-47D8-8D6E-C6CB8F21FA6F}" type="datetimeFigureOut">
               <a:rPr lang="ko-KR" altLang="en-US" smtClean="0"/>
-              <a:t>2025-10-28</a:t>
+              <a:t>2025-10-29</a:t>
             </a:fld>
             <a:endParaRPr lang="ko-KR" altLang="en-US"/>
           </a:p>
@@ -2261,7 +2261,7 @@
           <a:p>
             <a:fld id="{96F4D2FF-9306-4E11-AD3A-03074053C722}" type="datetimeFigureOut">
               <a:rPr lang="ko-KR" altLang="en-US" smtClean="0"/>
-              <a:t>2025-10-28</a:t>
+              <a:t>2025-10-29</a:t>
             </a:fld>
             <a:endParaRPr lang="ko-KR" altLang="en-US"/>
           </a:p>
@@ -3940,7 +3940,7 @@
           <a:p>
             <a:fld id="{96F4D2FF-9306-4E11-AD3A-03074053C722}" type="datetimeFigureOut">
               <a:rPr lang="ko-KR" altLang="en-US" smtClean="0"/>
-              <a:t>2025-10-28</a:t>
+              <a:t>2025-10-29</a:t>
             </a:fld>
             <a:endParaRPr lang="ko-KR" altLang="en-US"/>
           </a:p>
@@ -5627,7 +5627,7 @@
           <a:p>
             <a:fld id="{96F4D2FF-9306-4E11-AD3A-03074053C722}" type="datetimeFigureOut">
               <a:rPr lang="ko-KR" altLang="en-US" smtClean="0"/>
-              <a:t>2025-10-28</a:t>
+              <a:t>2025-10-29</a:t>
             </a:fld>
             <a:endParaRPr lang="ko-KR" altLang="en-US"/>
           </a:p>
@@ -5851,7 +5851,7 @@
           <a:p>
             <a:fld id="{96F4D2FF-9306-4E11-AD3A-03074053C722}" type="datetimeFigureOut">
               <a:rPr lang="ko-KR" altLang="en-US" smtClean="0"/>
-              <a:t>2025-10-28</a:t>
+              <a:t>2025-10-29</a:t>
             </a:fld>
             <a:endParaRPr lang="ko-KR" altLang="en-US"/>
           </a:p>
@@ -6049,7 +6049,7 @@
           <a:p>
             <a:fld id="{96F4D2FF-9306-4E11-AD3A-03074053C722}" type="datetimeFigureOut">
               <a:rPr lang="ko-KR" altLang="en-US" smtClean="0"/>
-              <a:t>2025-10-28</a:t>
+              <a:t>2025-10-29</a:t>
             </a:fld>
             <a:endParaRPr lang="ko-KR" altLang="en-US"/>
           </a:p>
@@ -6324,7 +6324,7 @@
           <a:p>
             <a:fld id="{96F4D2FF-9306-4E11-AD3A-03074053C722}" type="datetimeFigureOut">
               <a:rPr lang="ko-KR" altLang="en-US" smtClean="0"/>
-              <a:t>2025-10-28</a:t>
+              <a:t>2025-10-29</a:t>
             </a:fld>
             <a:endParaRPr lang="ko-KR" altLang="en-US"/>
           </a:p>
@@ -6589,7 +6589,7 @@
           <a:p>
             <a:fld id="{96F4D2FF-9306-4E11-AD3A-03074053C722}" type="datetimeFigureOut">
               <a:rPr lang="ko-KR" altLang="en-US" smtClean="0"/>
-              <a:t>2025-10-28</a:t>
+              <a:t>2025-10-29</a:t>
             </a:fld>
             <a:endParaRPr lang="ko-KR" altLang="en-US"/>
           </a:p>
@@ -7001,7 +7001,7 @@
           <a:p>
             <a:fld id="{96F4D2FF-9306-4E11-AD3A-03074053C722}" type="datetimeFigureOut">
               <a:rPr lang="ko-KR" altLang="en-US" smtClean="0"/>
-              <a:t>2025-10-28</a:t>
+              <a:t>2025-10-29</a:t>
             </a:fld>
             <a:endParaRPr lang="ko-KR" altLang="en-US"/>
           </a:p>
@@ -7142,7 +7142,7 @@
           <a:p>
             <a:fld id="{96F4D2FF-9306-4E11-AD3A-03074053C722}" type="datetimeFigureOut">
               <a:rPr lang="ko-KR" altLang="en-US" smtClean="0"/>
-              <a:t>2025-10-28</a:t>
+              <a:t>2025-10-29</a:t>
             </a:fld>
             <a:endParaRPr lang="ko-KR" altLang="en-US"/>
           </a:p>
@@ -7255,7 +7255,7 @@
           <a:p>
             <a:fld id="{96F4D2FF-9306-4E11-AD3A-03074053C722}" type="datetimeFigureOut">
               <a:rPr lang="ko-KR" altLang="en-US" smtClean="0"/>
-              <a:t>2025-10-28</a:t>
+              <a:t>2025-10-29</a:t>
             </a:fld>
             <a:endParaRPr lang="ko-KR" altLang="en-US"/>
           </a:p>
@@ -7566,7 +7566,7 @@
           <a:p>
             <a:fld id="{96F4D2FF-9306-4E11-AD3A-03074053C722}" type="datetimeFigureOut">
               <a:rPr lang="ko-KR" altLang="en-US" smtClean="0"/>
-              <a:t>2025-10-28</a:t>
+              <a:t>2025-10-29</a:t>
             </a:fld>
             <a:endParaRPr lang="ko-KR" altLang="en-US"/>
           </a:p>
@@ -7733,7 +7733,7 @@
           <a:p>
             <a:fld id="{96F4D2FF-9306-4E11-AD3A-03074053C722}" type="datetimeFigureOut">
               <a:rPr lang="ko-KR" altLang="en-US" smtClean="0"/>
-              <a:t>2025-10-28</a:t>
+              <a:t>2025-10-29</a:t>
             </a:fld>
             <a:endParaRPr lang="ko-KR" altLang="en-US"/>
           </a:p>
@@ -8294,7 +8294,7 @@
           <a:p>
             <a:fld id="{96F4D2FF-9306-4E11-AD3A-03074053C722}" type="datetimeFigureOut">
               <a:rPr lang="ko-KR" altLang="en-US" smtClean="0"/>
-              <a:t>2025-10-28</a:t>
+              <a:t>2025-10-29</a:t>
             </a:fld>
             <a:endParaRPr lang="ko-KR" altLang="en-US"/>
           </a:p>
@@ -8492,7 +8492,7 @@
           <a:p>
             <a:fld id="{96F4D2FF-9306-4E11-AD3A-03074053C722}" type="datetimeFigureOut">
               <a:rPr lang="ko-KR" altLang="en-US" smtClean="0"/>
-              <a:t>2025-10-28</a:t>
+              <a:t>2025-10-29</a:t>
             </a:fld>
             <a:endParaRPr lang="ko-KR" altLang="en-US"/>
           </a:p>
@@ -8700,7 +8700,7 @@
           <a:p>
             <a:fld id="{96F4D2FF-9306-4E11-AD3A-03074053C722}" type="datetimeFigureOut">
               <a:rPr lang="ko-KR" altLang="en-US" smtClean="0"/>
-              <a:t>2025-10-28</a:t>
+              <a:t>2025-10-29</a:t>
             </a:fld>
             <a:endParaRPr lang="ko-KR" altLang="en-US"/>
           </a:p>
@@ -10149,7 +10149,7 @@
           <a:p>
             <a:fld id="{96F4D2FF-9306-4E11-AD3A-03074053C722}" type="datetimeFigureOut">
               <a:rPr lang="ko-KR" altLang="en-US" smtClean="0"/>
-              <a:t>2025-10-28</a:t>
+              <a:t>2025-10-29</a:t>
             </a:fld>
             <a:endParaRPr lang="ko-KR" altLang="en-US"/>
           </a:p>
@@ -11142,7 +11142,7 @@
           <a:p>
             <a:fld id="{96F4D2FF-9306-4E11-AD3A-03074053C722}" type="datetimeFigureOut">
               <a:rPr lang="ko-KR" altLang="en-US" smtClean="0"/>
-              <a:t>2025-10-28</a:t>
+              <a:t>2025-10-29</a:t>
             </a:fld>
             <a:endParaRPr lang="ko-KR" altLang="en-US"/>
           </a:p>
@@ -11413,7 +11413,7 @@
           <a:p>
             <a:fld id="{96F4D2FF-9306-4E11-AD3A-03074053C722}" type="datetimeFigureOut">
               <a:rPr lang="ko-KR" altLang="en-US" smtClean="0"/>
-              <a:t>2025-10-28</a:t>
+              <a:t>2025-10-29</a:t>
             </a:fld>
             <a:endParaRPr lang="ko-KR" altLang="en-US"/>
           </a:p>
@@ -12516,7 +12516,7 @@
           <a:p>
             <a:fld id="{96F4D2FF-9306-4E11-AD3A-03074053C722}" type="datetimeFigureOut">
               <a:rPr lang="ko-KR" altLang="en-US" smtClean="0"/>
-              <a:t>2025-10-28</a:t>
+              <a:t>2025-10-29</a:t>
             </a:fld>
             <a:endParaRPr lang="ko-KR" altLang="en-US"/>
           </a:p>
@@ -13495,7 +13495,7 @@
           <a:p>
             <a:fld id="{96F4D2FF-9306-4E11-AD3A-03074053C722}" type="datetimeFigureOut">
               <a:rPr lang="ko-KR" altLang="en-US" smtClean="0"/>
-              <a:t>2025-10-28</a:t>
+              <a:t>2025-10-29</a:t>
             </a:fld>
             <a:endParaRPr lang="ko-KR" altLang="en-US"/>
           </a:p>
@@ -17008,7 +17008,7 @@
           <a:p>
             <a:fld id="{96F4D2FF-9306-4E11-AD3A-03074053C722}" type="datetimeFigureOut">
               <a:rPr lang="ko-KR" altLang="en-US" smtClean="0"/>
-              <a:t>2025-10-28</a:t>
+              <a:t>2025-10-29</a:t>
             </a:fld>
             <a:endParaRPr lang="ko-KR" altLang="en-US"/>
           </a:p>
@@ -17280,7 +17280,7 @@
           <a:p>
             <a:fld id="{96F4D2FF-9306-4E11-AD3A-03074053C722}" type="datetimeFigureOut">
               <a:rPr lang="ko-KR" altLang="en-US" smtClean="0"/>
-              <a:t>2025-10-28</a:t>
+              <a:t>2025-10-29</a:t>
             </a:fld>
             <a:endParaRPr lang="ko-KR" altLang="en-US"/>
           </a:p>
@@ -20031,7 +20031,7 @@
           <a:p>
             <a:fld id="{96F4D2FF-9306-4E11-AD3A-03074053C722}" type="datetimeFigureOut">
               <a:rPr lang="ko-KR" altLang="en-US" smtClean="0"/>
-              <a:t>2025-10-28</a:t>
+              <a:t>2025-10-29</a:t>
             </a:fld>
             <a:endParaRPr lang="ko-KR" altLang="en-US"/>
           </a:p>
@@ -20695,7 +20695,7 @@
           <a:p>
             <a:fld id="{96F4D2FF-9306-4E11-AD3A-03074053C722}" type="datetimeFigureOut">
               <a:rPr lang="ko-KR" altLang="en-US" smtClean="0"/>
-              <a:t>2025-10-28</a:t>
+              <a:t>2025-10-29</a:t>
             </a:fld>
             <a:endParaRPr lang="ko-KR" altLang="en-US"/>
           </a:p>
@@ -25074,7 +25074,7 @@
           <p:nvPr>
             <p:extLst>
               <p:ext uri="{D42A27DB-BD31-4B8C-83A1-F6EECF244321}">
-                <p14:modId xmlns:p14="http://schemas.microsoft.com/office/powerpoint/2010/main" val="1126514620"/>
+                <p14:modId xmlns:p14="http://schemas.microsoft.com/office/powerpoint/2010/main" val="3950605423"/>
               </p:ext>
             </p:extLst>
           </p:nvPr>
@@ -25208,11 +25208,14 @@
                     <a:lstStyle/>
                     <a:p>
                       <a:pPr algn="ctr" latinLnBrk="1"/>
-                      <a:endParaRPr lang="ko-KR" altLang="en-US" sz="1200" b="1" dirty="0">
-                        <a:solidFill>
-                          <a:schemeClr val="tx1"/>
-                        </a:solidFill>
-                      </a:endParaRPr>
+                      <a:r>
+                        <a:rPr lang="ko-KR" altLang="en-US" sz="1200" b="1" dirty="0">
+                          <a:solidFill>
+                            <a:schemeClr val="tx1"/>
+                          </a:solidFill>
+                        </a:rPr>
+                        <a:t>최재영</a:t>
+                      </a:r>
                     </a:p>
                   </a:txBody>
                   <a:tcPr anchor="ctr">
@@ -25309,6 +25312,14 @@
                     <a:lstStyle/>
                     <a:p>
                       <a:pPr algn="ctr" latinLnBrk="1"/>
+                      <a:r>
+                        <a:rPr lang="en-US" altLang="ko-KR" sz="1200" b="1" dirty="0">
+                          <a:solidFill>
+                            <a:schemeClr val="tx1"/>
+                          </a:solidFill>
+                        </a:rPr>
+                        <a:t>Cart</a:t>
+                      </a:r>
                       <a:endParaRPr lang="ko-KR" altLang="en-US" sz="1200" b="1" dirty="0">
                         <a:solidFill>
                           <a:schemeClr val="tx1"/>
@@ -25357,6 +25368,14 @@
                     <a:lstStyle/>
                     <a:p>
                       <a:pPr algn="ctr" latinLnBrk="1"/>
+                      <a:r>
+                        <a:rPr lang="en-US" altLang="ko-KR" sz="1200" b="1" dirty="0" err="1">
+                          <a:solidFill>
+                            <a:schemeClr val="tx1"/>
+                          </a:solidFill>
+                        </a:rPr>
+                        <a:t>Cart.jsx</a:t>
+                      </a:r>
                       <a:endParaRPr lang="en-US" altLang="ko-KR" sz="1200" b="1" dirty="0">
                         <a:solidFill>
                           <a:schemeClr val="tx1"/>
@@ -26673,7 +26692,7 @@
           <p:nvPr>
             <p:extLst>
               <p:ext uri="{D42A27DB-BD31-4B8C-83A1-F6EECF244321}">
-                <p14:modId xmlns:p14="http://schemas.microsoft.com/office/powerpoint/2010/main" val="2237473948"/>
+                <p14:modId xmlns:p14="http://schemas.microsoft.com/office/powerpoint/2010/main" val="1979967481"/>
               </p:ext>
             </p:extLst>
           </p:nvPr>
@@ -26761,14 +26780,14 @@
                     <a:p>
                       <a:pPr algn="ctr" latinLnBrk="1"/>
                       <a:r>
-                        <a:rPr lang="ko-KR" altLang="en-US" dirty="0">
+                        <a:rPr lang="ko-KR" altLang="en-US" dirty="0" err="1">
                           <a:solidFill>
                             <a:schemeClr val="bg1">
                               <a:lumMod val="50000"/>
                             </a:schemeClr>
                           </a:solidFill>
                         </a:rPr>
-                        <a:t>최재영</a:t>
+                        <a:t>윤정렬</a:t>
                       </a:r>
                       <a:endParaRPr lang="ko-KR" altLang="en-US" dirty="0"/>
                     </a:p>
@@ -26889,7 +26908,7 @@
                             </a:schemeClr>
                           </a:solidFill>
                         </a:rPr>
-                        <a:t>윤정렬</a:t>
+                        <a:t>최재영</a:t>
                       </a:r>
                       <a:endParaRPr lang="ko-KR" altLang="en-US" dirty="0"/>
                     </a:p>
